--- a/ppt/2020/服务器设计_组件篇.pptx
+++ b/ppt/2020/服务器设计_组件篇.pptx
@@ -5,10 +5,10 @@
     <p:sldMasterId id="2147483648" r:id="rId1"/>
   </p:sldMasterIdLst>
   <p:notesMasterIdLst>
-    <p:notesMasterId r:id="rId22"/>
+    <p:notesMasterId r:id="rId25"/>
   </p:notesMasterIdLst>
   <p:handoutMasterIdLst>
-    <p:handoutMasterId r:id="rId23"/>
+    <p:handoutMasterId r:id="rId26"/>
   </p:handoutMasterIdLst>
   <p:sldIdLst>
     <p:sldId id="274" r:id="rId2"/>
@@ -18,19 +18,22 @@
     <p:sldId id="283" r:id="rId6"/>
     <p:sldId id="282" r:id="rId7"/>
     <p:sldId id="284" r:id="rId8"/>
-    <p:sldId id="285" r:id="rId9"/>
-    <p:sldId id="286" r:id="rId10"/>
-    <p:sldId id="287" r:id="rId11"/>
-    <p:sldId id="288" r:id="rId12"/>
-    <p:sldId id="290" r:id="rId13"/>
-    <p:sldId id="291" r:id="rId14"/>
-    <p:sldId id="289" r:id="rId15"/>
-    <p:sldId id="292" r:id="rId16"/>
-    <p:sldId id="296" r:id="rId17"/>
-    <p:sldId id="294" r:id="rId18"/>
-    <p:sldId id="295" r:id="rId19"/>
-    <p:sldId id="293" r:id="rId20"/>
-    <p:sldId id="281" r:id="rId21"/>
+    <p:sldId id="299" r:id="rId9"/>
+    <p:sldId id="285" r:id="rId10"/>
+    <p:sldId id="286" r:id="rId11"/>
+    <p:sldId id="287" r:id="rId12"/>
+    <p:sldId id="288" r:id="rId13"/>
+    <p:sldId id="290" r:id="rId14"/>
+    <p:sldId id="291" r:id="rId15"/>
+    <p:sldId id="289" r:id="rId16"/>
+    <p:sldId id="292" r:id="rId17"/>
+    <p:sldId id="296" r:id="rId18"/>
+    <p:sldId id="294" r:id="rId19"/>
+    <p:sldId id="295" r:id="rId20"/>
+    <p:sldId id="293" r:id="rId21"/>
+    <p:sldId id="297" r:id="rId22"/>
+    <p:sldId id="298" r:id="rId23"/>
+    <p:sldId id="281" r:id="rId24"/>
   </p:sldIdLst>
   <p:sldSz cx="9144000" cy="5143500" type="screen16x9"/>
   <p:notesSz cx="6858000" cy="9144000"/>
@@ -214,7 +217,8 @@
           <a:p>
             <a:fld id="{5F920F0F-0E56-2B45-B1BF-268524318682}" type="datetimeFigureOut">
               <a:rPr kumimoji="1" lang="zh-CN" altLang="en-US" smtClean="0"/>
-              <a:t>2020/2/27</a:t>
+              <a:pPr/>
+              <a:t>2020/3/26</a:t>
             </a:fld>
             <a:endParaRPr kumimoji="1" lang="zh-CN" altLang="en-US"/>
           </a:p>
@@ -280,6 +284,7 @@
           <a:p>
             <a:fld id="{DE1A26BA-2BD7-424D-9E31-04AA10F01EFC}" type="slidenum">
               <a:rPr kumimoji="1" lang="zh-CN" altLang="en-US" smtClean="0"/>
+              <a:pPr/>
               <a:t>‹#›</a:t>
             </a:fld>
             <a:endParaRPr kumimoji="1" lang="zh-CN" altLang="en-US"/>
@@ -289,7 +294,7 @@
     </p:spTree>
     <p:extLst>
       <p:ext uri="{BB962C8B-B14F-4D97-AF65-F5344CB8AC3E}">
-        <p14:creationId xmlns:p14="http://schemas.microsoft.com/office/powerpoint/2010/main" val="4176984933"/>
+        <p14:creationId xmlns:p14="http://schemas.microsoft.com/office/powerpoint/2010/main" xmlns="" val="4176984933"/>
       </p:ext>
     </p:extLst>
   </p:cSld>
@@ -380,7 +385,8 @@
           <a:p>
             <a:fld id="{FB86081A-1E41-D34E-AC33-11FD77CCCD8D}" type="datetimeFigureOut">
               <a:rPr kumimoji="1" lang="zh-CN" altLang="en-US" smtClean="0"/>
-              <a:t>2020/2/27</a:t>
+              <a:pPr/>
+              <a:t>2020/3/26</a:t>
             </a:fld>
             <a:endParaRPr kumimoji="1" lang="zh-CN" altLang="en-US"/>
           </a:p>
@@ -539,6 +545,7 @@
           <a:p>
             <a:fld id="{8AF453D5-9B32-8F40-BF12-CF5772967439}" type="slidenum">
               <a:rPr kumimoji="1" lang="zh-CN" altLang="en-US" smtClean="0"/>
+              <a:pPr/>
               <a:t>‹#›</a:t>
             </a:fld>
             <a:endParaRPr kumimoji="1" lang="zh-CN" altLang="en-US"/>
@@ -548,7 +555,7 @@
     </p:spTree>
     <p:extLst>
       <p:ext uri="{BB962C8B-B14F-4D97-AF65-F5344CB8AC3E}">
-        <p14:creationId xmlns:p14="http://schemas.microsoft.com/office/powerpoint/2010/main" val="3264454653"/>
+        <p14:creationId xmlns:p14="http://schemas.microsoft.com/office/powerpoint/2010/main" xmlns="" val="3264454653"/>
       </p:ext>
     </p:extLst>
   </p:cSld>
@@ -696,7 +703,7 @@
           <a:lstStyle/>
           <a:p>
             <a:r>
-              <a:rPr lang="en-US" altLang="zh-CN" sz="1200" b="0" i="0" kern="1200" smtClean="0">
+              <a:rPr lang="en-US" altLang="zh-CN" sz="1200" b="0" i="0" kern="1200" dirty="0" err="1" smtClean="0">
                 <a:solidFill>
                   <a:schemeClr val="tx1"/>
                 </a:solidFill>
@@ -707,7 +714,7 @@
               <a:t>redis</a:t>
             </a:r>
             <a:r>
-              <a:rPr lang="zh-CN" altLang="en-US" sz="1200" b="0" i="0" kern="1200" smtClean="0">
+              <a:rPr lang="zh-CN" altLang="en-US" sz="1200" b="0" i="0" kern="1200" dirty="0" smtClean="0">
                 <a:solidFill>
                   <a:schemeClr val="tx1"/>
                 </a:solidFill>
@@ -718,7 +725,7 @@
               <a:t>集群是一个由多个主从节点群组成的分布式服务器群，它具有复制、高可用和分片特性。</a:t>
             </a:r>
             <a:r>
-              <a:rPr lang="en-US" altLang="zh-CN" sz="1200" b="0" i="0" kern="1200" smtClean="0">
+              <a:rPr lang="en-US" altLang="zh-CN" sz="1200" b="0" i="0" kern="1200" dirty="0" err="1" smtClean="0">
                 <a:solidFill>
                   <a:schemeClr val="tx1"/>
                 </a:solidFill>
@@ -729,7 +736,7 @@
               <a:t>Redis</a:t>
             </a:r>
             <a:r>
-              <a:rPr lang="zh-CN" altLang="en-US" sz="1200" b="0" i="0" kern="1200" smtClean="0">
+              <a:rPr lang="zh-CN" altLang="en-US" sz="1200" b="0" i="0" kern="1200" dirty="0" smtClean="0">
                 <a:solidFill>
                   <a:schemeClr val="tx1"/>
                 </a:solidFill>
@@ -740,7 +747,7 @@
               <a:t>集群不需要</a:t>
             </a:r>
             <a:r>
-              <a:rPr lang="en-US" altLang="zh-CN" sz="1200" b="0" i="0" kern="1200" smtClean="0">
+              <a:rPr lang="en-US" altLang="zh-CN" sz="1200" b="0" i="0" kern="1200" dirty="0" smtClean="0">
                 <a:solidFill>
                   <a:schemeClr val="tx1"/>
                 </a:solidFill>
@@ -751,7 +758,7 @@
               <a:t>sentinel</a:t>
             </a:r>
             <a:r>
-              <a:rPr lang="zh-CN" altLang="en-US" sz="1200" b="0" i="0" kern="1200" smtClean="0">
+              <a:rPr lang="zh-CN" altLang="en-US" sz="1200" b="0" i="0" kern="1200" dirty="0" smtClean="0">
                 <a:solidFill>
                   <a:schemeClr val="tx1"/>
                 </a:solidFill>
@@ -762,7 +769,7 @@
               <a:t>哨兵也能完成节点移除和故障转移的功能。需要将每个节点设置成集群模式，这种集群模式没有中心节点，可水平扩展，据官方文档称可以线性扩展到</a:t>
             </a:r>
             <a:r>
-              <a:rPr lang="en-US" altLang="zh-CN" sz="1200" b="0" i="0" kern="1200" smtClean="0">
+              <a:rPr lang="en-US" altLang="zh-CN" sz="1200" b="0" i="0" kern="1200" dirty="0" smtClean="0">
                 <a:solidFill>
                   <a:schemeClr val="tx1"/>
                 </a:solidFill>
@@ -773,7 +780,7 @@
               <a:t>1000</a:t>
             </a:r>
             <a:r>
-              <a:rPr lang="zh-CN" altLang="en-US" sz="1200" b="0" i="0" kern="1200" smtClean="0">
+              <a:rPr lang="zh-CN" altLang="en-US" sz="1200" b="0" i="0" kern="1200" dirty="0" smtClean="0">
                 <a:solidFill>
                   <a:schemeClr val="tx1"/>
                 </a:solidFill>
@@ -783,7 +790,7 @@
               </a:rPr>
               <a:t>节点</a:t>
             </a:r>
-            <a:endParaRPr lang="en-US" altLang="zh-CN" sz="1200" b="0" i="0" kern="1200" smtClean="0">
+            <a:endParaRPr lang="en-US" altLang="zh-CN" sz="1200" b="0" i="0" kern="1200" dirty="0" smtClean="0">
               <a:solidFill>
                 <a:schemeClr val="tx1"/>
               </a:solidFill>
@@ -794,16 +801,28 @@
           </a:p>
           <a:p>
             <a:r>
-              <a:rPr lang="en-US" smtClean="0">
+              <a:rPr lang="en-US" dirty="0" smtClean="0">
                 <a:hlinkClick r:id="rId3"/>
               </a:rPr>
               <a:t>https://github.com/xetorthio/jedis</a:t>
             </a:r>
             <a:r>
-              <a:rPr lang="en-US" smtClean="0"/>
-              <a:t> (5)</a:t>
-            </a:r>
-            <a:endParaRPr lang="zh-CN" altLang="en-US"/>
+              <a:rPr lang="en-US" dirty="0" smtClean="0"/>
+              <a:t> (5</a:t>
+            </a:r>
+            <a:r>
+              <a:rPr lang="en-US" dirty="0" smtClean="0"/>
+              <a:t>)</a:t>
+            </a:r>
+          </a:p>
+          <a:p>
+            <a:r>
+              <a:rPr lang="en-US" dirty="0" smtClean="0">
+                <a:hlinkClick r:id="rId4"/>
+              </a:rPr>
+              <a:t>https://cloud.tencent.com/developer/article/1192451</a:t>
+            </a:r>
+            <a:endParaRPr lang="zh-CN" altLang="en-US" dirty="0"/>
           </a:p>
         </p:txBody>
       </p:sp>
@@ -824,6 +843,7 @@
           <a:p>
             <a:fld id="{8AF453D5-9B32-8F40-BF12-CF5772967439}" type="slidenum">
               <a:rPr kumimoji="1" lang="zh-CN" altLang="en-US" smtClean="0"/>
+              <a:pPr/>
               <a:t>2</a:t>
             </a:fld>
             <a:endParaRPr kumimoji="1" lang="zh-CN" altLang="en-US"/>
@@ -1366,7 +1386,8 @@
           <a:p>
             <a:fld id="{8AF453D5-9B32-8F40-BF12-CF5772967439}" type="slidenum">
               <a:rPr kumimoji="1" lang="zh-CN" altLang="en-US" smtClean="0"/>
-              <a:t>12</a:t>
+              <a:pPr/>
+              <a:t>13</a:t>
             </a:fld>
             <a:endParaRPr kumimoji="1" lang="zh-CN" altLang="en-US"/>
           </a:p>
@@ -1375,7 +1396,7 @@
     </p:spTree>
     <p:extLst>
       <p:ext uri="{BB962C8B-B14F-4D97-AF65-F5344CB8AC3E}">
-        <p14:creationId xmlns:p14="http://schemas.microsoft.com/office/powerpoint/2010/main" val="18662629"/>
+        <p14:creationId xmlns:p14="http://schemas.microsoft.com/office/powerpoint/2010/main" xmlns="" val="18662629"/>
       </p:ext>
     </p:extLst>
   </p:cSld>
@@ -1744,7 +1765,8 @@
           <a:p>
             <a:fld id="{8AF453D5-9B32-8F40-BF12-CF5772967439}" type="slidenum">
               <a:rPr kumimoji="1" lang="zh-CN" altLang="en-US" smtClean="0"/>
-              <a:t>13</a:t>
+              <a:pPr/>
+              <a:t>14</a:t>
             </a:fld>
             <a:endParaRPr kumimoji="1" lang="zh-CN" altLang="en-US"/>
           </a:p>
@@ -1753,7 +1775,7 @@
     </p:spTree>
     <p:extLst>
       <p:ext uri="{BB962C8B-B14F-4D97-AF65-F5344CB8AC3E}">
-        <p14:creationId xmlns:p14="http://schemas.microsoft.com/office/powerpoint/2010/main" val="537998496"/>
+        <p14:creationId xmlns:p14="http://schemas.microsoft.com/office/powerpoint/2010/main" xmlns="" val="537998496"/>
       </p:ext>
     </p:extLst>
   </p:cSld>
@@ -1913,7 +1935,8 @@
           <a:p>
             <a:fld id="{8AF453D5-9B32-8F40-BF12-CF5772967439}" type="slidenum">
               <a:rPr kumimoji="1" lang="zh-CN" altLang="en-US" smtClean="0"/>
-              <a:t>14</a:t>
+              <a:pPr/>
+              <a:t>15</a:t>
             </a:fld>
             <a:endParaRPr kumimoji="1" lang="zh-CN" altLang="en-US"/>
           </a:p>
@@ -1922,7 +1945,7 @@
     </p:spTree>
     <p:extLst>
       <p:ext uri="{BB962C8B-B14F-4D97-AF65-F5344CB8AC3E}">
-        <p14:creationId xmlns:p14="http://schemas.microsoft.com/office/powerpoint/2010/main" val="1947671427"/>
+        <p14:creationId xmlns:p14="http://schemas.microsoft.com/office/powerpoint/2010/main" xmlns="" val="1947671427"/>
       </p:ext>
     </p:extLst>
   </p:cSld>
@@ -2012,7 +2035,8 @@
           <a:p>
             <a:fld id="{8AF453D5-9B32-8F40-BF12-CF5772967439}" type="slidenum">
               <a:rPr kumimoji="1" lang="zh-CN" altLang="en-US" smtClean="0"/>
-              <a:t>15</a:t>
+              <a:pPr/>
+              <a:t>16</a:t>
             </a:fld>
             <a:endParaRPr kumimoji="1" lang="zh-CN" altLang="en-US"/>
           </a:p>
@@ -2021,7 +2045,7 @@
     </p:spTree>
     <p:extLst>
       <p:ext uri="{BB962C8B-B14F-4D97-AF65-F5344CB8AC3E}">
-        <p14:creationId xmlns:p14="http://schemas.microsoft.com/office/powerpoint/2010/main" val="3856187530"/>
+        <p14:creationId xmlns:p14="http://schemas.microsoft.com/office/powerpoint/2010/main" xmlns="" val="3856187530"/>
       </p:ext>
     </p:extLst>
   </p:cSld>
@@ -2181,7 +2205,8 @@
           <a:p>
             <a:fld id="{8AF453D5-9B32-8F40-BF12-CF5772967439}" type="slidenum">
               <a:rPr kumimoji="1" lang="zh-CN" altLang="en-US" smtClean="0"/>
-              <a:t>16</a:t>
+              <a:pPr/>
+              <a:t>17</a:t>
             </a:fld>
             <a:endParaRPr kumimoji="1" lang="zh-CN" altLang="en-US"/>
           </a:p>
@@ -2190,9 +2215,224 @@
     </p:spTree>
     <p:extLst>
       <p:ext uri="{BB962C8B-B14F-4D97-AF65-F5344CB8AC3E}">
-        <p14:creationId xmlns:p14="http://schemas.microsoft.com/office/powerpoint/2010/main" val="4049119720"/>
+        <p14:creationId xmlns:p14="http://schemas.microsoft.com/office/powerpoint/2010/main" xmlns="" val="4049119720"/>
       </p:ext>
     </p:extLst>
+  </p:cSld>
+  <p:clrMapOvr>
+    <a:masterClrMapping/>
+  </p:clrMapOvr>
+</p:notes>
+</file>
+
+<file path=ppt/notesSlides/notesSlide15.xml><?xml version="1.0" encoding="utf-8"?>
+<p:notes xmlns:a="http://schemas.openxmlformats.org/drawingml/2006/main" xmlns:r="http://schemas.openxmlformats.org/officeDocument/2006/relationships" xmlns:p="http://schemas.openxmlformats.org/presentationml/2006/main">
+  <p:cSld>
+    <p:spTree>
+      <p:nvGrpSpPr>
+        <p:cNvPr id="1" name=""/>
+        <p:cNvGrpSpPr/>
+        <p:nvPr/>
+      </p:nvGrpSpPr>
+      <p:grpSpPr>
+        <a:xfrm>
+          <a:off x="0" y="0"/>
+          <a:ext cx="0" cy="0"/>
+          <a:chOff x="0" y="0"/>
+          <a:chExt cx="0" cy="0"/>
+        </a:xfrm>
+      </p:grpSpPr>
+      <p:sp>
+        <p:nvSpPr>
+          <p:cNvPr id="2" name="幻灯片图像占位符 1"/>
+          <p:cNvSpPr>
+            <a:spLocks noGrp="1" noRot="1" noChangeAspect="1"/>
+          </p:cNvSpPr>
+          <p:nvPr>
+            <p:ph type="sldImg"/>
+          </p:nvPr>
+        </p:nvSpPr>
+        <p:spPr/>
+      </p:sp>
+      <p:sp>
+        <p:nvSpPr>
+          <p:cNvPr id="3" name="备注占位符 2"/>
+          <p:cNvSpPr>
+            <a:spLocks noGrp="1"/>
+          </p:cNvSpPr>
+          <p:nvPr>
+            <p:ph type="body" idx="1"/>
+          </p:nvPr>
+        </p:nvSpPr>
+        <p:spPr/>
+        <p:txBody>
+          <a:bodyPr>
+            <a:normAutofit/>
+          </a:bodyPr>
+          <a:lstStyle/>
+          <a:p>
+            <a:r>
+              <a:rPr lang="en-US" dirty="0" smtClean="0">
+                <a:hlinkClick r:id="rId3"/>
+              </a:rPr>
+              <a:t>https://cloud.tencent.com/developer/article/1497850</a:t>
+            </a:r>
+            <a:endParaRPr lang="en-US" dirty="0" smtClean="0"/>
+          </a:p>
+          <a:p>
+            <a:r>
+              <a:rPr lang="en-US" dirty="0" smtClean="0">
+                <a:hlinkClick r:id="rId3"/>
+              </a:rPr>
+              <a:t>https://cloud.tencent.com/developer/article/1497850</a:t>
+            </a:r>
+            <a:endParaRPr lang="en-US" dirty="0" smtClean="0"/>
+          </a:p>
+          <a:p>
+            <a:r>
+              <a:rPr lang="en-US" dirty="0" smtClean="0">
+                <a:hlinkClick r:id="rId3"/>
+              </a:rPr>
+              <a:t>https://cloud.tencent.com/developer/article/1497850</a:t>
+            </a:r>
+            <a:endParaRPr lang="zh-CN" altLang="en-US" dirty="0"/>
+          </a:p>
+        </p:txBody>
+      </p:sp>
+      <p:sp>
+        <p:nvSpPr>
+          <p:cNvPr id="4" name="灯片编号占位符 3"/>
+          <p:cNvSpPr>
+            <a:spLocks noGrp="1"/>
+          </p:cNvSpPr>
+          <p:nvPr>
+            <p:ph type="sldNum" sz="quarter" idx="10"/>
+          </p:nvPr>
+        </p:nvSpPr>
+        <p:spPr/>
+        <p:txBody>
+          <a:bodyPr/>
+          <a:lstStyle/>
+          <a:p>
+            <a:fld id="{8AF453D5-9B32-8F40-BF12-CF5772967439}" type="slidenum">
+              <a:rPr kumimoji="1" lang="zh-CN" altLang="en-US" smtClean="0"/>
+              <a:pPr/>
+              <a:t>20</a:t>
+            </a:fld>
+            <a:endParaRPr kumimoji="1" lang="zh-CN" altLang="en-US"/>
+          </a:p>
+        </p:txBody>
+      </p:sp>
+    </p:spTree>
+  </p:cSld>
+  <p:clrMapOvr>
+    <a:masterClrMapping/>
+  </p:clrMapOvr>
+</p:notes>
+</file>
+
+<file path=ppt/notesSlides/notesSlide16.xml><?xml version="1.0" encoding="utf-8"?>
+<p:notes xmlns:a="http://schemas.openxmlformats.org/drawingml/2006/main" xmlns:r="http://schemas.openxmlformats.org/officeDocument/2006/relationships" xmlns:p="http://schemas.openxmlformats.org/presentationml/2006/main">
+  <p:cSld>
+    <p:spTree>
+      <p:nvGrpSpPr>
+        <p:cNvPr id="1" name=""/>
+        <p:cNvGrpSpPr/>
+        <p:nvPr/>
+      </p:nvGrpSpPr>
+      <p:grpSpPr>
+        <a:xfrm>
+          <a:off x="0" y="0"/>
+          <a:ext cx="0" cy="0"/>
+          <a:chOff x="0" y="0"/>
+          <a:chExt cx="0" cy="0"/>
+        </a:xfrm>
+      </p:grpSpPr>
+      <p:sp>
+        <p:nvSpPr>
+          <p:cNvPr id="2" name="幻灯片图像占位符 1"/>
+          <p:cNvSpPr>
+            <a:spLocks noGrp="1" noRot="1" noChangeAspect="1"/>
+          </p:cNvSpPr>
+          <p:nvPr>
+            <p:ph type="sldImg"/>
+          </p:nvPr>
+        </p:nvSpPr>
+        <p:spPr/>
+      </p:sp>
+      <p:sp>
+        <p:nvSpPr>
+          <p:cNvPr id="3" name="备注占位符 2"/>
+          <p:cNvSpPr>
+            <a:spLocks noGrp="1"/>
+          </p:cNvSpPr>
+          <p:nvPr>
+            <p:ph type="body" idx="1"/>
+          </p:nvPr>
+        </p:nvSpPr>
+        <p:spPr/>
+        <p:txBody>
+          <a:bodyPr>
+            <a:normAutofit/>
+          </a:bodyPr>
+          <a:lstStyle/>
+          <a:p>
+            <a:r>
+              <a:rPr lang="en-US" dirty="0" smtClean="0">
+                <a:hlinkClick r:id="rId3"/>
+              </a:rPr>
+              <a:t>https://cloud.tencent.com/developer/article/1497850</a:t>
+            </a:r>
+            <a:endParaRPr lang="en-US" dirty="0" smtClean="0"/>
+          </a:p>
+          <a:p>
+            <a:r>
+              <a:rPr lang="en-US" dirty="0" smtClean="0">
+                <a:hlinkClick r:id="rId3"/>
+              </a:rPr>
+              <a:t>https://cloud.tencent.com/developer/article/1497850</a:t>
+            </a:r>
+            <a:endParaRPr lang="en-US" dirty="0" smtClean="0"/>
+          </a:p>
+          <a:p>
+            <a:r>
+              <a:rPr lang="en-US" dirty="0" smtClean="0">
+                <a:hlinkClick r:id="rId3"/>
+              </a:rPr>
+              <a:t>https://cloud.tencent.com/developer/article/1497850</a:t>
+            </a:r>
+            <a:endParaRPr lang="en-US" dirty="0" smtClean="0"/>
+          </a:p>
+          <a:p>
+            <a:endParaRPr lang="zh-CN" altLang="en-US" dirty="0"/>
+          </a:p>
+        </p:txBody>
+      </p:sp>
+      <p:sp>
+        <p:nvSpPr>
+          <p:cNvPr id="4" name="灯片编号占位符 3"/>
+          <p:cNvSpPr>
+            <a:spLocks noGrp="1"/>
+          </p:cNvSpPr>
+          <p:nvPr>
+            <p:ph type="sldNum" sz="quarter" idx="10"/>
+          </p:nvPr>
+        </p:nvSpPr>
+        <p:spPr/>
+        <p:txBody>
+          <a:bodyPr/>
+          <a:lstStyle/>
+          <a:p>
+            <a:fld id="{8AF453D5-9B32-8F40-BF12-CF5772967439}" type="slidenum">
+              <a:rPr kumimoji="1" lang="zh-CN" altLang="en-US" smtClean="0"/>
+              <a:pPr/>
+              <a:t>21</a:t>
+            </a:fld>
+            <a:endParaRPr kumimoji="1" lang="zh-CN" altLang="en-US"/>
+          </a:p>
+        </p:txBody>
+      </p:sp>
+    </p:spTree>
   </p:cSld>
   <p:clrMapOvr>
     <a:masterClrMapping/>
@@ -2319,6 +2559,7 @@
           <a:p>
             <a:fld id="{8AF453D5-9B32-8F40-BF12-CF5772967439}" type="slidenum">
               <a:rPr kumimoji="1" lang="zh-CN" altLang="en-US" smtClean="0"/>
+              <a:pPr/>
               <a:t>3</a:t>
             </a:fld>
             <a:endParaRPr kumimoji="1" lang="zh-CN" altLang="en-US"/>
@@ -2400,6 +2641,7 @@
           <a:p>
             <a:fld id="{8AF453D5-9B32-8F40-BF12-CF5772967439}" type="slidenum">
               <a:rPr kumimoji="1" lang="zh-CN" altLang="en-US" smtClean="0"/>
+              <a:pPr/>
               <a:t>4</a:t>
             </a:fld>
             <a:endParaRPr kumimoji="1" lang="zh-CN" altLang="en-US"/>
@@ -2519,6 +2761,7 @@
           <a:p>
             <a:fld id="{8AF453D5-9B32-8F40-BF12-CF5772967439}" type="slidenum">
               <a:rPr kumimoji="1" lang="zh-CN" altLang="en-US" smtClean="0"/>
+              <a:pPr/>
               <a:t>5</a:t>
             </a:fld>
             <a:endParaRPr kumimoji="1" lang="zh-CN" altLang="en-US"/>
@@ -2580,12 +2823,30 @@
           <a:lstStyle/>
           <a:p>
             <a:r>
-              <a:rPr lang="en-US" smtClean="0">
+              <a:rPr lang="en-US" dirty="0" smtClean="0">
                 <a:hlinkClick r:id="rId3"/>
               </a:rPr>
-              <a:t>https://www.youtube.com/watch?v=6Kwx8zfGW0Y</a:t>
-            </a:r>
-            <a:endParaRPr lang="zh-CN" altLang="en-US"/>
+              <a:t>https://</a:t>
+            </a:r>
+            <a:r>
+              <a:rPr lang="en-US" dirty="0" smtClean="0">
+                <a:hlinkClick r:id="rId3"/>
+              </a:rPr>
+              <a:t>www.youtube.com/watch?v=6Kwx8zfGW0Y</a:t>
+            </a:r>
+            <a:endParaRPr lang="en-US" dirty="0" smtClean="0"/>
+          </a:p>
+          <a:p>
+            <a:endParaRPr lang="en-US" altLang="zh-CN" dirty="0" smtClean="0"/>
+          </a:p>
+          <a:p>
+            <a:r>
+              <a:rPr lang="en-US" dirty="0" smtClean="0">
+                <a:hlinkClick r:id="rId4"/>
+              </a:rPr>
+              <a:t>https://owent.net/2016/1226.html</a:t>
+            </a:r>
+            <a:endParaRPr lang="zh-CN" altLang="en-US" dirty="0"/>
           </a:p>
         </p:txBody>
       </p:sp>
@@ -2606,6 +2867,7 @@
           <a:p>
             <a:fld id="{8AF453D5-9B32-8F40-BF12-CF5772967439}" type="slidenum">
               <a:rPr kumimoji="1" lang="zh-CN" altLang="en-US" smtClean="0"/>
+              <a:pPr/>
               <a:t>6</a:t>
             </a:fld>
             <a:endParaRPr kumimoji="1" lang="zh-CN" altLang="en-US"/>
@@ -2892,7 +3154,8 @@
           <a:p>
             <a:fld id="{8AF453D5-9B32-8F40-BF12-CF5772967439}" type="slidenum">
               <a:rPr kumimoji="1" lang="zh-CN" altLang="en-US" smtClean="0"/>
-              <a:t>8</a:t>
+              <a:pPr/>
+              <a:t>9</a:t>
             </a:fld>
             <a:endParaRPr kumimoji="1" lang="zh-CN" altLang="en-US"/>
           </a:p>
@@ -3035,7 +3298,8 @@
           <a:p>
             <a:fld id="{8AF453D5-9B32-8F40-BF12-CF5772967439}" type="slidenum">
               <a:rPr kumimoji="1" lang="zh-CN" altLang="en-US" smtClean="0"/>
-              <a:t>9</a:t>
+              <a:pPr/>
+              <a:t>10</a:t>
             </a:fld>
             <a:endParaRPr kumimoji="1" lang="zh-CN" altLang="en-US"/>
           </a:p>
@@ -3285,7 +3549,8 @@
           <a:p>
             <a:fld id="{8AF453D5-9B32-8F40-BF12-CF5772967439}" type="slidenum">
               <a:rPr kumimoji="1" lang="zh-CN" altLang="en-US" smtClean="0"/>
-              <a:t>10</a:t>
+              <a:pPr/>
+              <a:t>11</a:t>
             </a:fld>
             <a:endParaRPr kumimoji="1" lang="zh-CN" altLang="en-US"/>
           </a:p>
@@ -3294,7 +3559,7 @@
     </p:spTree>
     <p:extLst>
       <p:ext uri="{BB962C8B-B14F-4D97-AF65-F5344CB8AC3E}">
-        <p14:creationId xmlns:p14="http://schemas.microsoft.com/office/powerpoint/2010/main" val="1114621081"/>
+        <p14:creationId xmlns:p14="http://schemas.microsoft.com/office/powerpoint/2010/main" xmlns="" val="1114621081"/>
       </p:ext>
     </p:extLst>
   </p:cSld>
@@ -3431,7 +3696,8 @@
           <a:p>
             <a:fld id="{8AF453D5-9B32-8F40-BF12-CF5772967439}" type="slidenum">
               <a:rPr kumimoji="1" lang="zh-CN" altLang="en-US" smtClean="0"/>
-              <a:t>11</a:t>
+              <a:pPr/>
+              <a:t>12</a:t>
             </a:fld>
             <a:endParaRPr kumimoji="1" lang="zh-CN" altLang="en-US"/>
           </a:p>
@@ -3440,7 +3706,7 @@
     </p:spTree>
     <p:extLst>
       <p:ext uri="{BB962C8B-B14F-4D97-AF65-F5344CB8AC3E}">
-        <p14:creationId xmlns:p14="http://schemas.microsoft.com/office/powerpoint/2010/main" val="1587342960"/>
+        <p14:creationId xmlns:p14="http://schemas.microsoft.com/office/powerpoint/2010/main" xmlns="" val="1587342960"/>
       </p:ext>
     </p:extLst>
   </p:cSld>
@@ -3479,7 +3745,7 @@
           <a:blip r:embed="rId2">
             <a:extLst>
               <a:ext uri="{28A0092B-C50C-407E-A947-70E740481C1C}">
-                <a14:useLocalDpi xmlns:a14="http://schemas.microsoft.com/office/drawing/2010/main" val="0"/>
+                <a14:useLocalDpi xmlns:a14="http://schemas.microsoft.com/office/drawing/2010/main" xmlns="" val="0"/>
               </a:ext>
             </a:extLst>
           </a:blip>
@@ -3768,7 +4034,7 @@
           <a:blip r:embed="rId3">
             <a:extLst>
               <a:ext uri="{28A0092B-C50C-407E-A947-70E740481C1C}">
-                <a14:useLocalDpi xmlns:a14="http://schemas.microsoft.com/office/drawing/2010/main" val="0"/>
+                <a14:useLocalDpi xmlns:a14="http://schemas.microsoft.com/office/drawing/2010/main" xmlns="" val="0"/>
               </a:ext>
             </a:extLst>
           </a:blip>
@@ -4064,7 +4330,7 @@
           <a:blip r:embed="rId2">
             <a:extLst>
               <a:ext uri="{28A0092B-C50C-407E-A947-70E740481C1C}">
-                <a14:useLocalDpi xmlns:a14="http://schemas.microsoft.com/office/drawing/2010/main" val="0"/>
+                <a14:useLocalDpi xmlns:a14="http://schemas.microsoft.com/office/drawing/2010/main" xmlns="" val="0"/>
               </a:ext>
             </a:extLst>
           </a:blip>
@@ -4094,7 +4360,7 @@
           <a:blip r:embed="rId3">
             <a:extLst>
               <a:ext uri="{28A0092B-C50C-407E-A947-70E740481C1C}">
-                <a14:useLocalDpi xmlns:a14="http://schemas.microsoft.com/office/drawing/2010/main" val="0"/>
+                <a14:useLocalDpi xmlns:a14="http://schemas.microsoft.com/office/drawing/2010/main" xmlns="" val="0"/>
               </a:ext>
             </a:extLst>
           </a:blip>
@@ -4366,7 +4632,7 @@
           <a:blip r:embed="rId2">
             <a:extLst>
               <a:ext uri="{28A0092B-C50C-407E-A947-70E740481C1C}">
-                <a14:useLocalDpi xmlns:a14="http://schemas.microsoft.com/office/drawing/2010/main" val="0"/>
+                <a14:useLocalDpi xmlns:a14="http://schemas.microsoft.com/office/drawing/2010/main" xmlns="" val="0"/>
               </a:ext>
             </a:extLst>
           </a:blip>
@@ -4396,7 +4662,7 @@
           <a:blip r:embed="rId3">
             <a:extLst>
               <a:ext uri="{28A0092B-C50C-407E-A947-70E740481C1C}">
-                <a14:useLocalDpi xmlns:a14="http://schemas.microsoft.com/office/drawing/2010/main" val="0"/>
+                <a14:useLocalDpi xmlns:a14="http://schemas.microsoft.com/office/drawing/2010/main" xmlns="" val="0"/>
               </a:ext>
             </a:extLst>
           </a:blip>
@@ -4732,7 +4998,7 @@
           <a:blip r:embed="rId2">
             <a:extLst>
               <a:ext uri="{28A0092B-C50C-407E-A947-70E740481C1C}">
-                <a14:useLocalDpi xmlns:a14="http://schemas.microsoft.com/office/drawing/2010/main" val="0"/>
+                <a14:useLocalDpi xmlns:a14="http://schemas.microsoft.com/office/drawing/2010/main" xmlns="" val="0"/>
               </a:ext>
             </a:extLst>
           </a:blip>
@@ -4762,7 +5028,7 @@
           <a:blip r:embed="rId3">
             <a:extLst>
               <a:ext uri="{28A0092B-C50C-407E-A947-70E740481C1C}">
-                <a14:useLocalDpi xmlns:a14="http://schemas.microsoft.com/office/drawing/2010/main" val="0"/>
+                <a14:useLocalDpi xmlns:a14="http://schemas.microsoft.com/office/drawing/2010/main" xmlns="" val="0"/>
               </a:ext>
             </a:extLst>
           </a:blip>
@@ -5077,7 +5343,7 @@
           <a:blip r:embed="rId2">
             <a:extLst>
               <a:ext uri="{28A0092B-C50C-407E-A947-70E740481C1C}">
-                <a14:useLocalDpi xmlns:a14="http://schemas.microsoft.com/office/drawing/2010/main" val="0"/>
+                <a14:useLocalDpi xmlns:a14="http://schemas.microsoft.com/office/drawing/2010/main" xmlns="" val="0"/>
               </a:ext>
             </a:extLst>
           </a:blip>
@@ -5107,7 +5373,7 @@
           <a:blip r:embed="rId3">
             <a:extLst>
               <a:ext uri="{28A0092B-C50C-407E-A947-70E740481C1C}">
-                <a14:useLocalDpi xmlns:a14="http://schemas.microsoft.com/office/drawing/2010/main" val="0"/>
+                <a14:useLocalDpi xmlns:a14="http://schemas.microsoft.com/office/drawing/2010/main" xmlns="" val="0"/>
               </a:ext>
             </a:extLst>
           </a:blip>
@@ -5298,7 +5564,8 @@
           <a:p>
             <a:fld id="{7BC3C6E0-25AE-8A44-A617-CADD813DE539}" type="datetime1">
               <a:rPr lang="zh-CN" altLang="en-US" smtClean="0"/>
-              <a:t>2020/2/27</a:t>
+              <a:pPr/>
+              <a:t>2020/3/26</a:t>
             </a:fld>
             <a:endParaRPr lang="zh-CN" altLang="en-US"/>
           </a:p>
@@ -5522,7 +5789,7 @@
           <a:blip r:embed="rId2">
             <a:extLst>
               <a:ext uri="{28A0092B-C50C-407E-A947-70E740481C1C}">
-                <a14:useLocalDpi xmlns:a14="http://schemas.microsoft.com/office/drawing/2010/main" val="0"/>
+                <a14:useLocalDpi xmlns:a14="http://schemas.microsoft.com/office/drawing/2010/main" xmlns="" val="0"/>
               </a:ext>
             </a:extLst>
           </a:blip>
@@ -5707,7 +5974,8 @@
           <a:p>
             <a:fld id="{B8DE94C4-0AC0-E74D-83DE-D1778C094258}" type="datetime1">
               <a:rPr lang="zh-CN" altLang="en-US" smtClean="0"/>
-              <a:t>2020/2/27</a:t>
+              <a:pPr/>
+              <a:t>2020/3/26</a:t>
             </a:fld>
             <a:endParaRPr lang="zh-CN" altLang="en-US"/>
           </a:p>
@@ -5785,6 +6053,7 @@
           <a:p>
             <a:fld id="{0C913308-F349-4B6D-A68A-DD1791B4A57B}" type="slidenum">
               <a:rPr lang="zh-CN" altLang="en-US" smtClean="0"/>
+              <a:pPr/>
               <a:t>‹#›</a:t>
             </a:fld>
             <a:endParaRPr lang="zh-CN" altLang="en-US"/>
@@ -6274,6 +6543,7 @@
           <a:p>
             <a:fld id="{0C913308-F349-4B6D-A68A-DD1791B4A57B}" type="slidenum">
               <a:rPr lang="zh-CN" altLang="en-US" smtClean="0"/>
+              <a:pPr/>
               <a:t>0</a:t>
             </a:fld>
             <a:endParaRPr lang="zh-CN" altLang="en-US"/>
@@ -6315,6 +6585,186 @@
       </p:grpSpPr>
       <p:sp>
         <p:nvSpPr>
+          <p:cNvPr id="2" name="内容占位符 1"/>
+          <p:cNvSpPr>
+            <a:spLocks noGrp="1"/>
+          </p:cNvSpPr>
+          <p:nvPr>
+            <p:ph idx="1"/>
+          </p:nvPr>
+        </p:nvSpPr>
+        <p:spPr/>
+        <p:txBody>
+          <a:bodyPr/>
+          <a:lstStyle/>
+          <a:p>
+            <a:r>
+              <a:rPr lang="en-US" altLang="zh-CN">
+                <a:hlinkClick r:id="rId3"/>
+              </a:rPr>
+              <a:t>https://</a:t>
+            </a:r>
+            <a:r>
+              <a:rPr lang="en-US" altLang="zh-CN" err="1">
+                <a:hlinkClick r:id="rId3"/>
+              </a:rPr>
+              <a:t>wangcy6.github.io</a:t>
+            </a:r>
+            <a:r>
+              <a:rPr lang="en-US" altLang="zh-CN">
+                <a:hlinkClick r:id="rId3"/>
+              </a:rPr>
+              <a:t>/</a:t>
+            </a:r>
+            <a:r>
+              <a:rPr lang="en-US" altLang="zh-CN">
+                <a:hlinkClick r:id="rId4"/>
+              </a:rPr>
+              <a:t>/post/</a:t>
+            </a:r>
+            <a:r>
+              <a:rPr lang="en-US" altLang="zh-CN" err="1">
+                <a:hlinkClick r:id="rId4"/>
+              </a:rPr>
+              <a:t>DataBase</a:t>
+            </a:r>
+            <a:r>
+              <a:rPr lang="en-US" altLang="zh-CN">
+                <a:hlinkClick r:id="rId4"/>
+              </a:rPr>
+              <a:t>/</a:t>
+            </a:r>
+            <a:r>
+              <a:rPr lang="en-US" altLang="zh-CN" err="1">
+                <a:hlinkClick r:id="rId4"/>
+              </a:rPr>
+              <a:t>server_redis</a:t>
+            </a:r>
+            <a:r>
+              <a:rPr lang="en-US" altLang="zh-CN" smtClean="0">
+                <a:hlinkClick r:id="rId4"/>
+              </a:rPr>
+              <a:t>/</a:t>
+            </a:r>
+            <a:endParaRPr b="1"/>
+          </a:p>
+          <a:p>
+            <a:r>
+              <a:rPr lang="zh-CN" altLang="en-US" smtClean="0"/>
+              <a:t>释</a:t>
+            </a:r>
+            <a:r>
+              <a:rPr lang="en-US" altLang="zh-CN"/>
+              <a:t>Redis</a:t>
+            </a:r>
+            <a:r>
+              <a:rPr lang="zh-CN" altLang="en-US"/>
+              <a:t>是单线程的，为什么能这么高</a:t>
+            </a:r>
+            <a:r>
+              <a:rPr lang="zh-CN" altLang="en-US" smtClean="0"/>
+              <a:t>效！</a:t>
+            </a:r>
+            <a:endParaRPr lang="en-US" altLang="zh-CN" smtClean="0"/>
+          </a:p>
+          <a:p>
+            <a:r>
+              <a:rPr lang="en-US" altLang="zh-CN" smtClean="0"/>
+              <a:t>whys-the-design-</a:t>
+            </a:r>
+            <a:r>
+              <a:rPr lang="en-US" altLang="zh-CN" err="1" smtClean="0"/>
+              <a:t>redis</a:t>
+            </a:r>
+            <a:r>
+              <a:rPr lang="en-US" altLang="zh-CN" smtClean="0"/>
+              <a:t>-single-thread</a:t>
+            </a:r>
+          </a:p>
+          <a:p>
+            <a:pPr marL="0" indent="0">
+              <a:buNone/>
+            </a:pPr>
+            <a:endParaRPr lang="en-US" altLang="zh-CN" smtClean="0"/>
+          </a:p>
+          <a:p>
+            <a:endParaRPr lang="zh-CN" altLang="en-US"/>
+          </a:p>
+        </p:txBody>
+      </p:sp>
+      <p:sp>
+        <p:nvSpPr>
+          <p:cNvPr id="3" name="标题 2"/>
+          <p:cNvSpPr>
+            <a:spLocks noGrp="1"/>
+          </p:cNvSpPr>
+          <p:nvPr>
+            <p:ph type="title"/>
+          </p:nvPr>
+        </p:nvSpPr>
+        <p:spPr/>
+        <p:txBody>
+          <a:bodyPr/>
+          <a:lstStyle/>
+          <a:p>
+            <a:r>
+              <a:rPr lang="en-US" altLang="zh-CN" smtClean="0"/>
+              <a:t> </a:t>
+            </a:r>
+            <a:r>
+              <a:rPr lang="en-US" altLang="zh-CN" err="1" smtClean="0"/>
+              <a:t>redis</a:t>
+            </a:r>
+            <a:r>
+              <a:rPr lang="en-US" altLang="zh-CN" smtClean="0"/>
+              <a:t>-</a:t>
+            </a:r>
+            <a:endParaRPr lang="zh-CN" altLang="en-US"/>
+          </a:p>
+        </p:txBody>
+      </p:sp>
+    </p:spTree>
+  </p:cSld>
+  <p:clrMapOvr>
+    <a:masterClrMapping/>
+  </p:clrMapOvr>
+  <mc:AlternateContent xmlns:mc="http://schemas.openxmlformats.org/markup-compatibility/2006">
+    <mc:Choice xmlns:p14="http://schemas.microsoft.com/office/powerpoint/2010/main" xmlns="" Requires="p14">
+      <p:transition spd="slow" p14:dur="2000"/>
+    </mc:Choice>
+    <mc:Fallback>
+      <p:transition spd="slow"/>
+    </mc:Fallback>
+  </mc:AlternateContent>
+  <p:timing>
+    <p:tnLst>
+      <p:par>
+        <p:cTn id="1" dur="indefinite" restart="never" nodeType="tmRoot"/>
+      </p:par>
+    </p:tnLst>
+  </p:timing>
+</p:sld>
+</file>
+
+<file path=ppt/slides/slide11.xml><?xml version="1.0" encoding="utf-8"?>
+<p:sld xmlns:a="http://schemas.openxmlformats.org/drawingml/2006/main" xmlns:r="http://schemas.openxmlformats.org/officeDocument/2006/relationships" xmlns:p="http://schemas.openxmlformats.org/presentationml/2006/main" show="0">
+  <p:cSld>
+    <p:spTree>
+      <p:nvGrpSpPr>
+        <p:cNvPr id="1" name=""/>
+        <p:cNvGrpSpPr/>
+        <p:nvPr/>
+      </p:nvGrpSpPr>
+      <p:grpSpPr>
+        <a:xfrm>
+          <a:off x="0" y="0"/>
+          <a:ext cx="0" cy="0"/>
+          <a:chOff x="0" y="0"/>
+          <a:chExt cx="0" cy="0"/>
+        </a:xfrm>
+      </p:grpSpPr>
+      <p:sp>
+        <p:nvSpPr>
           <p:cNvPr id="3" name="标题 2"/>
           <p:cNvSpPr>
             <a:spLocks noGrp="1"/>
@@ -6367,7 +6817,7 @@
           <a:blip r:embed="rId3">
             <a:extLst>
               <a:ext uri="{28A0092B-C50C-407E-A947-70E740481C1C}">
-                <a14:useLocalDpi xmlns:a14="http://schemas.microsoft.com/office/drawing/2010/main" val="0"/>
+                <a14:useLocalDpi xmlns:a14="http://schemas.microsoft.com/office/drawing/2010/main" xmlns="" val="0"/>
               </a:ext>
             </a:extLst>
           </a:blip>
@@ -6390,14 +6840,14 @@
           </a:ln>
           <a:extLst>
             <a:ext uri="{909E8E84-426E-40DD-AFC4-6F175D3DCCD1}">
-              <a14:hiddenFill xmlns:a14="http://schemas.microsoft.com/office/drawing/2010/main">
+              <a14:hiddenFill xmlns:a14="http://schemas.microsoft.com/office/drawing/2010/main" xmlns="">
                 <a:solidFill>
                   <a:schemeClr val="accent1"/>
                 </a:solidFill>
               </a14:hiddenFill>
             </a:ext>
             <a:ext uri="{91240B29-F687-4F45-9708-019B960494DF}">
-              <a14:hiddenLine xmlns:a14="http://schemas.microsoft.com/office/drawing/2010/main" w="9525">
+              <a14:hiddenLine xmlns:a14="http://schemas.microsoft.com/office/drawing/2010/main" xmlns="" w="9525">
                 <a:solidFill>
                   <a:schemeClr val="tx1"/>
                 </a:solidFill>
@@ -6414,11 +6864,11 @@
   <p:clrMapOvr>
     <a:masterClrMapping/>
   </p:clrMapOvr>
-  <mc:AlternateContent xmlns:mc="http://schemas.openxmlformats.org/markup-compatibility/2006" xmlns:p14="http://schemas.microsoft.com/office/powerpoint/2010/main">
-    <mc:Choice Requires="p14">
+  <mc:AlternateContent xmlns:mc="http://schemas.openxmlformats.org/markup-compatibility/2006">
+    <mc:Choice xmlns:p14="http://schemas.microsoft.com/office/powerpoint/2010/main" xmlns="" Requires="p14">
       <p:transition spd="slow" p14:dur="2000"/>
     </mc:Choice>
-    <mc:Fallback xmlns="">
+    <mc:Fallback>
       <p:transition spd="slow"/>
     </mc:Fallback>
   </mc:AlternateContent>
@@ -6432,7 +6882,7 @@
 </p:sld>
 </file>
 
-<file path=ppt/slides/slide11.xml><?xml version="1.0" encoding="utf-8"?>
+<file path=ppt/slides/slide12.xml><?xml version="1.0" encoding="utf-8"?>
 <p:sld xmlns:a="http://schemas.openxmlformats.org/drawingml/2006/main" xmlns:r="http://schemas.openxmlformats.org/officeDocument/2006/relationships" xmlns:p="http://schemas.openxmlformats.org/presentationml/2006/main">
   <p:cSld>
     <p:spTree>
@@ -6539,7 +6989,7 @@
           <a:blip r:embed="rId3">
             <a:extLst>
               <a:ext uri="{28A0092B-C50C-407E-A947-70E740481C1C}">
-                <a14:useLocalDpi xmlns:a14="http://schemas.microsoft.com/office/drawing/2010/main" val="0"/>
+                <a14:useLocalDpi xmlns:a14="http://schemas.microsoft.com/office/drawing/2010/main" xmlns="" val="0"/>
               </a:ext>
             </a:extLst>
           </a:blip>
@@ -6562,14 +7012,14 @@
           </a:ln>
           <a:extLst>
             <a:ext uri="{909E8E84-426E-40DD-AFC4-6F175D3DCCD1}">
-              <a14:hiddenFill xmlns:a14="http://schemas.microsoft.com/office/drawing/2010/main">
+              <a14:hiddenFill xmlns:a14="http://schemas.microsoft.com/office/drawing/2010/main" xmlns="">
                 <a:solidFill>
                   <a:schemeClr val="accent1"/>
                 </a:solidFill>
               </a14:hiddenFill>
             </a:ext>
             <a:ext uri="{91240B29-F687-4F45-9708-019B960494DF}">
-              <a14:hiddenLine xmlns:a14="http://schemas.microsoft.com/office/drawing/2010/main" w="9525">
+              <a14:hiddenLine xmlns:a14="http://schemas.microsoft.com/office/drawing/2010/main" xmlns="" w="9525">
                 <a:solidFill>
                   <a:schemeClr val="tx1"/>
                 </a:solidFill>
@@ -6593,7 +7043,7 @@
           <a:blip r:embed="rId4">
             <a:extLst>
               <a:ext uri="{28A0092B-C50C-407E-A947-70E740481C1C}">
-                <a14:useLocalDpi xmlns:a14="http://schemas.microsoft.com/office/drawing/2010/main" val="0"/>
+                <a14:useLocalDpi xmlns:a14="http://schemas.microsoft.com/office/drawing/2010/main" xmlns="" val="0"/>
               </a:ext>
             </a:extLst>
           </a:blip>
@@ -6616,14 +7066,14 @@
           </a:ln>
           <a:extLst>
             <a:ext uri="{909E8E84-426E-40DD-AFC4-6F175D3DCCD1}">
-              <a14:hiddenFill xmlns:a14="http://schemas.microsoft.com/office/drawing/2010/main">
+              <a14:hiddenFill xmlns:a14="http://schemas.microsoft.com/office/drawing/2010/main" xmlns="">
                 <a:solidFill>
                   <a:schemeClr val="accent1"/>
                 </a:solidFill>
               </a14:hiddenFill>
             </a:ext>
             <a:ext uri="{91240B29-F687-4F45-9708-019B960494DF}">
-              <a14:hiddenLine xmlns:a14="http://schemas.microsoft.com/office/drawing/2010/main" w="9525">
+              <a14:hiddenLine xmlns:a14="http://schemas.microsoft.com/office/drawing/2010/main" xmlns="" w="9525">
                 <a:solidFill>
                   <a:schemeClr val="tx1"/>
                 </a:solidFill>
@@ -6650,7 +7100,7 @@
 </p:sld>
 </file>
 
-<file path=ppt/slides/slide12.xml><?xml version="1.0" encoding="utf-8"?>
+<file path=ppt/slides/slide13.xml><?xml version="1.0" encoding="utf-8"?>
 <p:sld xmlns:a="http://schemas.openxmlformats.org/drawingml/2006/main" xmlns:r="http://schemas.openxmlformats.org/officeDocument/2006/relationships" xmlns:p="http://schemas.openxmlformats.org/presentationml/2006/main">
   <p:cSld>
     <p:spTree>
@@ -6887,15 +7337,7 @@
                   <a:schemeClr val="tx1"/>
                 </a:solidFill>
               </a:rPr>
-              <a:t>缓</a:t>
-            </a:r>
-            <a:r>
-              <a:rPr lang="zh-CN" altLang="en-US" sz="1400" b="1">
-                <a:solidFill>
-                  <a:schemeClr val="tx1"/>
-                </a:solidFill>
-              </a:rPr>
-              <a:t>冲</a:t>
+              <a:t>缓冲</a:t>
             </a:r>
             <a:r>
               <a:rPr lang="zh-CN" altLang="en-US" sz="1400" b="1" smtClean="0">
@@ -6984,15 +7426,7 @@
                   <a:schemeClr val="tx1"/>
                 </a:solidFill>
               </a:rPr>
-              <a:t>线</a:t>
-            </a:r>
-            <a:r>
-              <a:rPr lang="zh-CN" altLang="en-US" sz="1400" b="1">
-                <a:solidFill>
-                  <a:schemeClr val="tx1"/>
-                </a:solidFill>
-              </a:rPr>
-              <a:t>程</a:t>
+              <a:t>线程</a:t>
             </a:r>
             <a:r>
               <a:rPr lang="zh-CN" altLang="en-US" sz="1400" b="1" smtClean="0">
@@ -7015,15 +7449,7 @@
                   <a:schemeClr val="tx1"/>
                 </a:solidFill>
               </a:rPr>
-              <a:t>Write the append only file buffer on disk. </a:t>
-            </a:r>
-            <a:r>
-              <a:rPr lang="en-US" altLang="zh-CN" sz="1400" b="1">
-                <a:solidFill>
-                  <a:schemeClr val="tx1"/>
-                </a:solidFill>
-              </a:rPr>
-              <a:t>flushAppendOnlyFile</a:t>
+              <a:t>Write the append only file buffer on disk. flushAppendOnlyFile</a:t>
             </a:r>
             <a:r>
               <a:rPr lang="zh-CN" altLang="en-US" sz="1400" b="1" smtClean="0">
@@ -7300,7 +7726,7 @@
     </p:spTree>
     <p:extLst>
       <p:ext uri="{BB962C8B-B14F-4D97-AF65-F5344CB8AC3E}">
-        <p14:creationId xmlns:p14="http://schemas.microsoft.com/office/powerpoint/2010/main" val="3088158287"/>
+        <p14:creationId xmlns:p14="http://schemas.microsoft.com/office/powerpoint/2010/main" xmlns="" val="3088158287"/>
       </p:ext>
     </p:extLst>
   </p:cSld>
@@ -7317,7 +7743,7 @@
 </p:sld>
 </file>
 
-<file path=ppt/slides/slide13.xml><?xml version="1.0" encoding="utf-8"?>
+<file path=ppt/slides/slide14.xml><?xml version="1.0" encoding="utf-8"?>
 <p:sld xmlns:a="http://schemas.openxmlformats.org/drawingml/2006/main" xmlns:r="http://schemas.openxmlformats.org/officeDocument/2006/relationships" xmlns:p="http://schemas.openxmlformats.org/presentationml/2006/main">
   <p:cSld>
     <p:spTree>
@@ -7427,7 +7853,7 @@
           <a:blip r:embed="rId3">
             <a:extLst>
               <a:ext uri="{28A0092B-C50C-407E-A947-70E740481C1C}">
-                <a14:useLocalDpi xmlns:a14="http://schemas.microsoft.com/office/drawing/2010/main" val="0"/>
+                <a14:useLocalDpi xmlns:a14="http://schemas.microsoft.com/office/drawing/2010/main" xmlns="" val="0"/>
               </a:ext>
             </a:extLst>
           </a:blip>
@@ -7450,14 +7876,14 @@
           </a:ln>
           <a:extLst>
             <a:ext uri="{909E8E84-426E-40DD-AFC4-6F175D3DCCD1}">
-              <a14:hiddenFill xmlns:a14="http://schemas.microsoft.com/office/drawing/2010/main">
+              <a14:hiddenFill xmlns:a14="http://schemas.microsoft.com/office/drawing/2010/main" xmlns="">
                 <a:solidFill>
                   <a:schemeClr val="accent1"/>
                 </a:solidFill>
               </a14:hiddenFill>
             </a:ext>
             <a:ext uri="{91240B29-F687-4F45-9708-019B960494DF}">
-              <a14:hiddenLine xmlns:a14="http://schemas.microsoft.com/office/drawing/2010/main" w="9525">
+              <a14:hiddenLine xmlns:a14="http://schemas.microsoft.com/office/drawing/2010/main" xmlns="" w="9525">
                 <a:solidFill>
                   <a:schemeClr val="tx1"/>
                 </a:solidFill>
@@ -7481,7 +7907,7 @@
           <a:blip r:embed="rId4">
             <a:extLst>
               <a:ext uri="{28A0092B-C50C-407E-A947-70E740481C1C}">
-                <a14:useLocalDpi xmlns:a14="http://schemas.microsoft.com/office/drawing/2010/main" val="0"/>
+                <a14:useLocalDpi xmlns:a14="http://schemas.microsoft.com/office/drawing/2010/main" xmlns="" val="0"/>
               </a:ext>
             </a:extLst>
           </a:blip>
@@ -7504,14 +7930,14 @@
           </a:ln>
           <a:extLst>
             <a:ext uri="{909E8E84-426E-40DD-AFC4-6F175D3DCCD1}">
-              <a14:hiddenFill xmlns:a14="http://schemas.microsoft.com/office/drawing/2010/main">
+              <a14:hiddenFill xmlns:a14="http://schemas.microsoft.com/office/drawing/2010/main" xmlns="">
                 <a:solidFill>
                   <a:schemeClr val="accent1"/>
                 </a:solidFill>
               </a14:hiddenFill>
             </a:ext>
             <a:ext uri="{91240B29-F687-4F45-9708-019B960494DF}">
-              <a14:hiddenLine xmlns:a14="http://schemas.microsoft.com/office/drawing/2010/main" w="9525">
+              <a14:hiddenLine xmlns:a14="http://schemas.microsoft.com/office/drawing/2010/main" xmlns="" w="9525">
                 <a:solidFill>
                   <a:schemeClr val="tx1"/>
                 </a:solidFill>
@@ -7678,7 +8104,7 @@
     </p:spTree>
     <p:extLst>
       <p:ext uri="{BB962C8B-B14F-4D97-AF65-F5344CB8AC3E}">
-        <p14:creationId xmlns:p14="http://schemas.microsoft.com/office/powerpoint/2010/main" val="1883045415"/>
+        <p14:creationId xmlns:p14="http://schemas.microsoft.com/office/powerpoint/2010/main" xmlns="" val="1883045415"/>
       </p:ext>
     </p:extLst>
   </p:cSld>
@@ -8064,7 +8490,7 @@
 </p:sld>
 </file>
 
-<file path=ppt/slides/slide14.xml><?xml version="1.0" encoding="utf-8"?>
+<file path=ppt/slides/slide15.xml><?xml version="1.0" encoding="utf-8"?>
 <p:sld xmlns:a="http://schemas.openxmlformats.org/drawingml/2006/main" xmlns:r="http://schemas.openxmlformats.org/officeDocument/2006/relationships" xmlns:p="http://schemas.openxmlformats.org/presentationml/2006/main">
   <p:cSld>
     <p:spTree>
@@ -8146,49 +8572,16 @@
                   <a:srgbClr val="FF0000"/>
                 </a:solidFill>
               </a:rPr>
-              <a:t> </a:t>
-            </a:r>
-            <a:r>
-              <a:rPr lang="en-US" altLang="zh-CN" sz="1400" smtClean="0">
+              <a:t> replication.c::syncCommand() </a:t>
+            </a:r>
+            <a:r>
+              <a:rPr lang="en-US" altLang="zh-CN" sz="1400">
                 <a:solidFill>
                   <a:srgbClr val="FF0000"/>
                 </a:solidFill>
-              </a:rPr>
-              <a:t>replication.c</a:t>
-            </a:r>
-            <a:r>
-              <a:rPr lang="en-US" altLang="zh-CN" sz="1400" smtClean="0">
-                <a:solidFill>
-                  <a:srgbClr val="FF0000"/>
-                </a:solidFill>
-              </a:rPr>
-              <a:t>::syncCommand</a:t>
-            </a:r>
-            <a:r>
-              <a:rPr lang="en-US" altLang="zh-CN" sz="1400" smtClean="0">
-                <a:solidFill>
-                  <a:srgbClr val="FF0000"/>
-                </a:solidFill>
-              </a:rPr>
-              <a:t>() </a:t>
-            </a:r>
-            <a:r>
-              <a:rPr lang="en-US" altLang="zh-CN" sz="1400">
-                <a:solidFill>
-                  <a:srgbClr val="FF0000"/>
-                </a:solidFill>
                 <a:sym typeface="Wingdings" panose="05000000000000000000" pitchFamily="2" charset="2"/>
               </a:rPr>
-              <a:t> </a:t>
-            </a:r>
-            <a:r>
-              <a:rPr lang="en-US" altLang="zh-CN" sz="1400">
-                <a:solidFill>
-                  <a:srgbClr val="FF0000"/>
-                </a:solidFill>
-                <a:sym typeface="Wingdings" panose="05000000000000000000" pitchFamily="2" charset="2"/>
-              </a:rPr>
-              <a:t>rdbSaveBackground backgroundSaveDoneHandler</a:t>
+              <a:t> rdbSaveBackground backgroundSaveDoneHandler</a:t>
             </a:r>
             <a:endParaRPr lang="en-US" altLang="zh-CN" sz="1400" smtClean="0">
               <a:solidFill>
@@ -8245,34 +8638,7 @@
                 </a:solidFill>
                 <a:sym typeface="Wingdings" panose="05000000000000000000" pitchFamily="2" charset="2"/>
               </a:rPr>
-              <a:t>replstate</a:t>
-            </a:r>
-            <a:r>
-              <a:rPr lang="en-US" altLang="zh-CN" sz="1400">
-                <a:solidFill>
-                  <a:srgbClr val="FF0000"/>
-                </a:solidFill>
-                <a:sym typeface="Wingdings" panose="05000000000000000000" pitchFamily="2" charset="2"/>
-              </a:rPr>
-              <a:t>] </a:t>
-            </a:r>
-            <a:r>
-              <a:rPr lang="en-US" altLang="zh-CN" sz="1400">
-                <a:solidFill>
-                  <a:srgbClr val="FF0000"/>
-                </a:solidFill>
-                <a:sym typeface="Wingdings" panose="05000000000000000000" pitchFamily="2" charset="2"/>
-              </a:rPr>
-              <a:t>- </a:t>
-            </a:r>
-            <a:r>
-              <a:rPr lang="en-US" altLang="zh-CN" sz="1400">
-                <a:solidFill>
-                  <a:srgbClr val="FF0000"/>
-                </a:solidFill>
-                <a:sym typeface="Wingdings" panose="05000000000000000000" pitchFamily="2" charset="2"/>
-              </a:rPr>
-              <a:t>sendBulkToSlave[lseek] sendReplyToClient</a:t>
+              <a:t>replstate] - sendBulkToSlave[lseek] sendReplyToClient</a:t>
             </a:r>
             <a:endParaRPr lang="en-US" altLang="zh-CN" sz="1400" smtClean="0">
               <a:solidFill>
@@ -8433,11 +8799,7 @@
             </a:r>
             <a:r>
               <a:rPr lang="zh-CN" altLang="en-US" sz="1400" b="1" smtClean="0"/>
-              <a:t>  同</a:t>
-            </a:r>
-            <a:r>
-              <a:rPr lang="zh-CN" altLang="en-US" sz="1400" b="1" smtClean="0"/>
-              <a:t>步</a:t>
+              <a:t>  同步</a:t>
             </a:r>
             <a:endParaRPr lang="en-US" altLang="zh-CN" sz="1400" b="1" smtClean="0"/>
           </a:p>
@@ -8447,15 +8809,7 @@
             </a:pPr>
             <a:r>
               <a:rPr lang="zh-CN" altLang="en-US" sz="1400" b="1" smtClean="0"/>
-              <a:t>命</a:t>
-            </a:r>
-            <a:r>
-              <a:rPr lang="zh-CN" altLang="en-US" sz="1400" b="1" smtClean="0"/>
-              <a:t>令传</a:t>
-            </a:r>
-            <a:r>
-              <a:rPr lang="zh-CN" altLang="en-US" sz="1400" b="1" smtClean="0"/>
-              <a:t>播</a:t>
+              <a:t>命令传播</a:t>
             </a:r>
             <a:endParaRPr lang="en-US" altLang="zh-CN" sz="1400" b="1" smtClean="0"/>
           </a:p>
@@ -8483,19 +8837,7 @@
             </a:r>
             <a:r>
               <a:rPr lang="zh-CN" altLang="en-US" sz="1400" smtClean="0"/>
-              <a:t>斧：</a:t>
-            </a:r>
-            <a:r>
-              <a:rPr lang="zh-CN" altLang="en-US" sz="1400" smtClean="0"/>
-              <a:t>最值</a:t>
-            </a:r>
-            <a:r>
-              <a:rPr lang="zh-CN" altLang="en-US" sz="1400" smtClean="0"/>
-              <a:t>得你学习地方一点</a:t>
-            </a:r>
-            <a:r>
-              <a:rPr lang="zh-CN" altLang="en-US" sz="1400" smtClean="0"/>
-              <a:t>是</a:t>
+              <a:t>斧：最值得你学习地方一点是</a:t>
             </a:r>
             <a:endParaRPr lang="en-US" altLang="zh-CN" sz="1400" smtClean="0"/>
           </a:p>
@@ -8649,15 +8991,7 @@
             </a:r>
             <a:r>
               <a:rPr lang="en-US" altLang="zh-CN" sz="2000" smtClean="0"/>
-              <a:t>How Redis </a:t>
-            </a:r>
-            <a:r>
-              <a:rPr lang="en-US" altLang="zh-CN" sz="2000" smtClean="0"/>
-              <a:t>master-slave replication </a:t>
-            </a:r>
-            <a:r>
-              <a:rPr lang="en-US" altLang="zh-CN" sz="2000" smtClean="0"/>
-              <a:t>works (1)   </a:t>
+              <a:t>How Redis master-slave replication works (1)   </a:t>
             </a:r>
             <a:br>
               <a:rPr lang="en-US" altLang="zh-CN" sz="2000" smtClean="0"/>
@@ -8673,7 +9007,7 @@
     </p:spTree>
     <p:extLst>
       <p:ext uri="{BB962C8B-B14F-4D97-AF65-F5344CB8AC3E}">
-        <p14:creationId xmlns:p14="http://schemas.microsoft.com/office/powerpoint/2010/main" val="3435373313"/>
+        <p14:creationId xmlns:p14="http://schemas.microsoft.com/office/powerpoint/2010/main" xmlns="" val="3435373313"/>
       </p:ext>
     </p:extLst>
   </p:cSld>
@@ -9331,7 +9665,7 @@
 </p:sld>
 </file>
 
-<file path=ppt/slides/slide15.xml><?xml version="1.0" encoding="utf-8"?>
+<file path=ppt/slides/slide16.xml><?xml version="1.0" encoding="utf-8"?>
 <p:sld xmlns:a="http://schemas.openxmlformats.org/drawingml/2006/main" xmlns:r="http://schemas.openxmlformats.org/officeDocument/2006/relationships" xmlns:p="http://schemas.openxmlformats.org/presentationml/2006/main">
   <p:cSld>
     <p:spTree>
@@ -9387,11 +9721,7 @@
             </a:r>
             <a:r>
               <a:rPr lang="zh-CN" altLang="en-US" sz="2000" smtClean="0"/>
-              <a:t>第五题</a:t>
-            </a:r>
-            <a:r>
-              <a:rPr lang="zh-CN" altLang="en-US" sz="2000" smtClean="0"/>
-              <a:t>：：</a:t>
+              <a:t>第五题：：</a:t>
             </a:r>
             <a:r>
               <a:rPr lang="en-US" altLang="zh-CN" sz="2000" smtClean="0"/>
@@ -9399,19 +9729,11 @@
             </a:r>
             <a:r>
               <a:rPr lang="en-US" altLang="zh-CN" sz="2000"/>
-              <a:t>Redis master-slave replication </a:t>
-            </a:r>
-            <a:r>
-              <a:rPr lang="en-US" altLang="zh-CN" sz="2000"/>
-              <a:t>works </a:t>
+              <a:t>Redis master-slave replication works </a:t>
             </a:r>
             <a:r>
               <a:rPr lang="en-US" altLang="zh-CN" sz="2000" smtClean="0"/>
-              <a:t>(2</a:t>
-            </a:r>
-            <a:r>
-              <a:rPr lang="en-US" altLang="zh-CN" sz="2000" smtClean="0"/>
-              <a:t>)</a:t>
+              <a:t>(2)</a:t>
             </a:r>
             <a:endParaRPr lang="zh-CN" altLang="en-US" sz="2000"/>
           </a:p>
@@ -9431,7 +9753,7 @@
           <a:blip r:embed="rId3">
             <a:extLst>
               <a:ext uri="{28A0092B-C50C-407E-A947-70E740481C1C}">
-                <a14:useLocalDpi xmlns:a14="http://schemas.microsoft.com/office/drawing/2010/main" val="0"/>
+                <a14:useLocalDpi xmlns:a14="http://schemas.microsoft.com/office/drawing/2010/main" xmlns="" val="0"/>
               </a:ext>
             </a:extLst>
           </a:blip>
@@ -9454,14 +9776,14 @@
           </a:ln>
           <a:extLst>
             <a:ext uri="{909E8E84-426E-40DD-AFC4-6F175D3DCCD1}">
-              <a14:hiddenFill xmlns:a14="http://schemas.microsoft.com/office/drawing/2010/main">
+              <a14:hiddenFill xmlns:a14="http://schemas.microsoft.com/office/drawing/2010/main" xmlns="">
                 <a:solidFill>
                   <a:schemeClr val="accent1"/>
                 </a:solidFill>
               </a14:hiddenFill>
             </a:ext>
             <a:ext uri="{91240B29-F687-4F45-9708-019B960494DF}">
-              <a14:hiddenLine xmlns:a14="http://schemas.microsoft.com/office/drawing/2010/main" w="9525">
+              <a14:hiddenLine xmlns:a14="http://schemas.microsoft.com/office/drawing/2010/main" xmlns="" w="9525">
                 <a:solidFill>
                   <a:schemeClr val="tx1"/>
                 </a:solidFill>
@@ -9485,7 +9807,7 @@
           <a:blip r:embed="rId4">
             <a:extLst>
               <a:ext uri="{28A0092B-C50C-407E-A947-70E740481C1C}">
-                <a14:useLocalDpi xmlns:a14="http://schemas.microsoft.com/office/drawing/2010/main" val="0"/>
+                <a14:useLocalDpi xmlns:a14="http://schemas.microsoft.com/office/drawing/2010/main" xmlns="" val="0"/>
               </a:ext>
             </a:extLst>
           </a:blip>
@@ -9508,14 +9830,14 @@
           </a:ln>
           <a:extLst>
             <a:ext uri="{909E8E84-426E-40DD-AFC4-6F175D3DCCD1}">
-              <a14:hiddenFill xmlns:a14="http://schemas.microsoft.com/office/drawing/2010/main">
+              <a14:hiddenFill xmlns:a14="http://schemas.microsoft.com/office/drawing/2010/main" xmlns="">
                 <a:solidFill>
                   <a:schemeClr val="accent1"/>
                 </a:solidFill>
               </a14:hiddenFill>
             </a:ext>
             <a:ext uri="{91240B29-F687-4F45-9708-019B960494DF}">
-              <a14:hiddenLine xmlns:a14="http://schemas.microsoft.com/office/drawing/2010/main" w="9525">
+              <a14:hiddenLine xmlns:a14="http://schemas.microsoft.com/office/drawing/2010/main" xmlns="" w="9525">
                 <a:solidFill>
                   <a:schemeClr val="tx1"/>
                 </a:solidFill>
@@ -9539,7 +9861,7 @@
           <a:blip r:embed="rId5">
             <a:extLst>
               <a:ext uri="{28A0092B-C50C-407E-A947-70E740481C1C}">
-                <a14:useLocalDpi xmlns:a14="http://schemas.microsoft.com/office/drawing/2010/main" val="0"/>
+                <a14:useLocalDpi xmlns:a14="http://schemas.microsoft.com/office/drawing/2010/main" xmlns="" val="0"/>
               </a:ext>
             </a:extLst>
           </a:blip>
@@ -9562,14 +9884,14 @@
           </a:ln>
           <a:extLst>
             <a:ext uri="{909E8E84-426E-40DD-AFC4-6F175D3DCCD1}">
-              <a14:hiddenFill xmlns:a14="http://schemas.microsoft.com/office/drawing/2010/main">
+              <a14:hiddenFill xmlns:a14="http://schemas.microsoft.com/office/drawing/2010/main" xmlns="">
                 <a:solidFill>
                   <a:schemeClr val="accent1"/>
                 </a:solidFill>
               </a14:hiddenFill>
             </a:ext>
             <a:ext uri="{91240B29-F687-4F45-9708-019B960494DF}">
-              <a14:hiddenLine xmlns:a14="http://schemas.microsoft.com/office/drawing/2010/main" w="9525">
+              <a14:hiddenLine xmlns:a14="http://schemas.microsoft.com/office/drawing/2010/main" xmlns="" w="9525">
                 <a:solidFill>
                   <a:schemeClr val="tx1"/>
                 </a:solidFill>
@@ -9593,7 +9915,7 @@
           <a:blip r:embed="rId6">
             <a:extLst>
               <a:ext uri="{28A0092B-C50C-407E-A947-70E740481C1C}">
-                <a14:useLocalDpi xmlns:a14="http://schemas.microsoft.com/office/drawing/2010/main" val="0"/>
+                <a14:useLocalDpi xmlns:a14="http://schemas.microsoft.com/office/drawing/2010/main" xmlns="" val="0"/>
               </a:ext>
             </a:extLst>
           </a:blip>
@@ -9616,14 +9938,14 @@
           </a:ln>
           <a:extLst>
             <a:ext uri="{909E8E84-426E-40DD-AFC4-6F175D3DCCD1}">
-              <a14:hiddenFill xmlns:a14="http://schemas.microsoft.com/office/drawing/2010/main">
+              <a14:hiddenFill xmlns:a14="http://schemas.microsoft.com/office/drawing/2010/main" xmlns="">
                 <a:solidFill>
                   <a:schemeClr val="accent1"/>
                 </a:solidFill>
               </a14:hiddenFill>
             </a:ext>
             <a:ext uri="{91240B29-F687-4F45-9708-019B960494DF}">
-              <a14:hiddenLine xmlns:a14="http://schemas.microsoft.com/office/drawing/2010/main" w="9525">
+              <a14:hiddenLine xmlns:a14="http://schemas.microsoft.com/office/drawing/2010/main" xmlns="" w="9525">
                 <a:solidFill>
                   <a:schemeClr val="tx1"/>
                 </a:solidFill>
@@ -9647,7 +9969,7 @@
           <a:blip r:embed="rId7" cstate="print">
             <a:extLst>
               <a:ext uri="{28A0092B-C50C-407E-A947-70E740481C1C}">
-                <a14:useLocalDpi xmlns:a14="http://schemas.microsoft.com/office/drawing/2010/main" val="0"/>
+                <a14:useLocalDpi xmlns:a14="http://schemas.microsoft.com/office/drawing/2010/main" xmlns="" val="0"/>
               </a:ext>
             </a:extLst>
           </a:blip>
@@ -9670,14 +9992,14 @@
           </a:ln>
           <a:extLst>
             <a:ext uri="{909E8E84-426E-40DD-AFC4-6F175D3DCCD1}">
-              <a14:hiddenFill xmlns:a14="http://schemas.microsoft.com/office/drawing/2010/main">
+              <a14:hiddenFill xmlns:a14="http://schemas.microsoft.com/office/drawing/2010/main" xmlns="">
                 <a:solidFill>
                   <a:schemeClr val="accent1"/>
                 </a:solidFill>
               </a14:hiddenFill>
             </a:ext>
             <a:ext uri="{91240B29-F687-4F45-9708-019B960494DF}">
-              <a14:hiddenLine xmlns:a14="http://schemas.microsoft.com/office/drawing/2010/main" w="9525">
+              <a14:hiddenLine xmlns:a14="http://schemas.microsoft.com/office/drawing/2010/main" xmlns="" w="9525">
                 <a:solidFill>
                   <a:schemeClr val="tx1"/>
                 </a:solidFill>
@@ -9692,7 +10014,7 @@
     </p:spTree>
     <p:extLst>
       <p:ext uri="{BB962C8B-B14F-4D97-AF65-F5344CB8AC3E}">
-        <p14:creationId xmlns:p14="http://schemas.microsoft.com/office/powerpoint/2010/main" val="2383228027"/>
+        <p14:creationId xmlns:p14="http://schemas.microsoft.com/office/powerpoint/2010/main" xmlns="" val="2383228027"/>
       </p:ext>
     </p:extLst>
   </p:cSld>
@@ -9975,7 +10297,7 @@
 </p:sld>
 </file>
 
-<file path=ppt/slides/slide16.xml><?xml version="1.0" encoding="utf-8"?>
+<file path=ppt/slides/slide17.xml><?xml version="1.0" encoding="utf-8"?>
 <p:sld xmlns:a="http://schemas.openxmlformats.org/drawingml/2006/main" xmlns:r="http://schemas.openxmlformats.org/officeDocument/2006/relationships" xmlns:p="http://schemas.openxmlformats.org/presentationml/2006/main">
   <p:cSld>
     <p:spTree>
@@ -10013,36 +10335,36 @@
               <a:buNone/>
             </a:pPr>
             <a:r>
-              <a:rPr lang="en-US" altLang="zh-CN"/>
+              <a:rPr lang="en-US" altLang="zh-CN" dirty="0"/>
               <a:t> #</a:t>
             </a:r>
             <a:r>
-              <a:rPr lang="zh-CN" altLang="en-US"/>
+              <a:rPr lang="zh-CN" altLang="en-US" dirty="0"/>
               <a:t>陈咬金第三斧：最值得你学习地方一点是</a:t>
             </a:r>
-            <a:endParaRPr lang="en-US" altLang="zh-CN"/>
+            <a:endParaRPr lang="en-US" altLang="zh-CN" dirty="0"/>
           </a:p>
           <a:p>
             <a:pPr marL="0" indent="0">
               <a:buNone/>
             </a:pPr>
             <a:r>
-              <a:rPr lang="en-US" altLang="zh-CN"/>
+              <a:rPr lang="en-US" altLang="zh-CN" dirty="0"/>
               <a:t>  </a:t>
             </a:r>
             <a:r>
-              <a:rPr lang="zh-CN" altLang="en-US"/>
+              <a:rPr lang="zh-CN" altLang="en-US" dirty="0"/>
               <a:t>网络上都说</a:t>
             </a:r>
             <a:r>
-              <a:rPr lang="en-US" altLang="zh-CN"/>
+              <a:rPr lang="en-US" altLang="zh-CN" dirty="0" err="1"/>
               <a:t>redis</a:t>
             </a:r>
             <a:r>
-              <a:rPr lang="zh-CN" altLang="en-US"/>
+              <a:rPr lang="zh-CN" altLang="en-US" dirty="0"/>
               <a:t>复制是异步，这句话不对。在完全同步节点就不是。</a:t>
             </a:r>
-            <a:endParaRPr lang="en-US" altLang="zh-CN"/>
+            <a:endParaRPr lang="en-US" altLang="zh-CN" dirty="0"/>
           </a:p>
           <a:p>
             <a:pPr>
@@ -10050,51 +10372,52 @@
               <a:buChar char="Ø"/>
             </a:pPr>
             <a:r>
-              <a:rPr lang="en-US" altLang="zh-CN"/>
+              <a:rPr lang="en-US" altLang="zh-CN" dirty="0"/>
               <a:t>  </a:t>
             </a:r>
             <a:r>
-              <a:rPr lang="en-US" altLang="zh-CN" smtClean="0">
+              <a:rPr lang="en-US" altLang="zh-CN" dirty="0" smtClean="0">
                 <a:hlinkClick r:id="rId3"/>
               </a:rPr>
               <a:t>replication </a:t>
             </a:r>
             <a:r>
-              <a:rPr lang="en-US" altLang="zh-CN">
+              <a:rPr lang="en-US" altLang="zh-CN" dirty="0">
                 <a:hlinkClick r:id="rId3"/>
               </a:rPr>
               <a:t>buffer</a:t>
             </a:r>
             <a:r>
-              <a:rPr lang="zh-CN" altLang="en-US"/>
+              <a:rPr lang="zh-CN" altLang="en-US" dirty="0"/>
               <a:t>：</a:t>
             </a:r>
             <a:r>
-              <a:rPr lang="zh-CN" altLang="en-US">
+              <a:rPr lang="zh-CN" altLang="en-US" dirty="0">
                 <a:hlinkClick r:id="rId4"/>
               </a:rPr>
               <a:t>同</a:t>
             </a:r>
             <a:r>
-              <a:rPr lang="zh-CN" altLang="en-US" smtClean="0">
+              <a:rPr lang="zh-CN" altLang="en-US" dirty="0" smtClean="0">
                 <a:hlinkClick r:id="rId4"/>
               </a:rPr>
               <a:t>步</a:t>
             </a:r>
             <a:r>
-              <a:rPr lang="en-US" altLang="zh-CN" smtClean="0"/>
+              <a:rPr lang="en-US" altLang="zh-CN" dirty="0" smtClean="0"/>
               <a:t>  -</a:t>
             </a:r>
             <a:r>
-              <a:rPr lang="en-US" altLang="zh-CN" smtClean="0">
+              <a:rPr lang="en-US" altLang="zh-CN" dirty="0" smtClean="0">
                 <a:sym typeface="Wingdings" panose="05000000000000000000" pitchFamily="2" charset="2"/>
               </a:rPr>
               <a:t></a:t>
             </a:r>
             <a:r>
-              <a:rPr lang="en-US" altLang="zh-CN" smtClean="0"/>
+              <a:rPr lang="en-US" altLang="zh-CN" dirty="0" err="1" smtClean="0"/>
               <a:t>checkClientOutputBufferLimits</a:t>
             </a:r>
+            <a:endParaRPr lang="en-US" altLang="zh-CN" dirty="0" smtClean="0"/>
           </a:p>
           <a:p>
             <a:pPr>
@@ -10117,60 +10440,64 @@
               <a:rPr lang="zh-CN" altLang="en-US" sz="1900" dirty="0"/>
               <a:t>保存数据的内存缓冲区</a:t>
             </a:r>
-            <a:endParaRPr lang="en-US" altLang="zh-CN" sz="1900" smtClean="0"/>
+            <a:endParaRPr lang="en-US" altLang="zh-CN" sz="1900" dirty="0" smtClean="0"/>
           </a:p>
           <a:p>
             <a:pPr marL="0" indent="0">
               <a:buNone/>
             </a:pPr>
             <a:r>
-              <a:rPr lang="zh-CN" altLang="en-US" sz="1200" smtClean="0"/>
+              <a:rPr lang="zh-CN" altLang="en-US" sz="1200" dirty="0" smtClean="0"/>
               <a:t> 说明：</a:t>
             </a:r>
             <a:r>
-              <a:rPr lang="en-US" altLang="zh-CN" sz="1200" smtClean="0"/>
+              <a:rPr lang="en-US" altLang="zh-CN" sz="1200" dirty="0" smtClean="0"/>
               <a:t>  replication buffer</a:t>
             </a:r>
             <a:r>
-              <a:rPr lang="zh-CN" altLang="en-US" sz="1200" smtClean="0"/>
+              <a:rPr lang="zh-CN" altLang="en-US" sz="1200" dirty="0" smtClean="0"/>
               <a:t>（</a:t>
             </a:r>
             <a:r>
-              <a:rPr lang="en-US" altLang="zh-CN" sz="1200"/>
-              <a:t> 16k redisClient ::</a:t>
-            </a:r>
-            <a:r>
-              <a:rPr lang="en-US" altLang="zh-CN" sz="1200" smtClean="0"/>
+              <a:rPr lang="en-US" altLang="zh-CN" sz="1200" dirty="0"/>
+              <a:t> 16k </a:t>
+            </a:r>
+            <a:r>
+              <a:rPr lang="en-US" altLang="zh-CN" sz="1200" dirty="0" err="1"/>
+              <a:t>redisClient</a:t>
+            </a:r>
+            <a:r>
+              <a:rPr lang="en-US" altLang="zh-CN" sz="1200" dirty="0"/>
+              <a:t> ::</a:t>
+            </a:r>
+            <a:r>
+              <a:rPr lang="en-US" altLang="zh-CN" sz="1200" dirty="0" smtClean="0"/>
               <a:t> </a:t>
             </a:r>
             <a:r>
-              <a:rPr lang="en-US" altLang="zh-CN" sz="1200"/>
-              <a:t>list *</a:t>
-            </a:r>
-            <a:r>
-              <a:rPr lang="en-US" altLang="zh-CN" sz="1200"/>
-              <a:t>reply </a:t>
-            </a:r>
-            <a:r>
-              <a:rPr lang="zh-CN" altLang="en-US" sz="1200" smtClean="0"/>
+              <a:rPr lang="en-US" altLang="zh-CN" sz="1200" dirty="0"/>
+              <a:t>list *reply </a:t>
+            </a:r>
+            <a:r>
+              <a:rPr lang="zh-CN" altLang="en-US" sz="1200" dirty="0" smtClean="0"/>
               <a:t>）</a:t>
             </a:r>
-            <a:endParaRPr lang="en-US" altLang="zh-CN" sz="1200" smtClean="0"/>
+            <a:endParaRPr lang="en-US" altLang="zh-CN" sz="1200" dirty="0" smtClean="0"/>
           </a:p>
           <a:p>
             <a:pPr marL="0" indent="0">
               <a:buNone/>
             </a:pPr>
             <a:r>
-              <a:rPr lang="en-US" altLang="zh-CN" sz="1200"/>
+              <a:rPr lang="en-US" altLang="zh-CN" sz="1200" dirty="0"/>
               <a:t> </a:t>
             </a:r>
             <a:r>
-              <a:rPr lang="en-US" altLang="zh-CN" sz="1200" smtClean="0"/>
+              <a:rPr lang="en-US" altLang="zh-CN" sz="1200" dirty="0" smtClean="0"/>
               <a:t>           </a:t>
             </a:r>
             <a:r>
-              <a:rPr lang="zh-CN" altLang="en-US" sz="1200" smtClean="0"/>
+              <a:rPr lang="zh-CN" altLang="en-US" sz="1200" dirty="0" smtClean="0"/>
               <a:t>由</a:t>
             </a:r>
             <a:r>
@@ -10179,60 +10506,60 @@
             </a:r>
             <a:r>
               <a:rPr lang="zh-CN" altLang="en-US" sz="1200" dirty="0"/>
-              <a:t>设置，当这个值太小会导致主从复制链接</a:t>
-            </a:r>
-            <a:r>
-              <a:rPr lang="zh-CN" altLang="en-US" sz="1200"/>
-              <a:t>断</a:t>
-            </a:r>
-            <a:r>
-              <a:rPr lang="zh-CN" altLang="en-US" sz="1200" smtClean="0"/>
+              <a:t>设置，当这个值太小会导致主从复制链接断</a:t>
+            </a:r>
+            <a:r>
+              <a:rPr lang="zh-CN" altLang="en-US" sz="1200" dirty="0" smtClean="0"/>
               <a:t>开 </a:t>
             </a:r>
-            <a:endParaRPr lang="en-US" altLang="zh-CN" sz="1200" smtClean="0"/>
+            <a:endParaRPr lang="en-US" altLang="zh-CN" sz="1200" dirty="0" smtClean="0"/>
           </a:p>
           <a:p>
             <a:pPr marL="0" indent="0">
               <a:buNone/>
             </a:pPr>
             <a:r>
-              <a:rPr lang="zh-CN" altLang="en-US" sz="1200"/>
+              <a:rPr lang="zh-CN" altLang="en-US" sz="1200" dirty="0"/>
               <a:t> </a:t>
             </a:r>
             <a:r>
-              <a:rPr lang="zh-CN" altLang="en-US" sz="1200" smtClean="0"/>
+              <a:rPr lang="zh-CN" altLang="en-US" sz="1200" dirty="0" smtClean="0"/>
               <a:t>        </a:t>
             </a:r>
             <a:r>
-              <a:rPr lang="en-US" altLang="zh-CN" sz="1200" smtClean="0"/>
+              <a:rPr lang="en-US" altLang="zh-CN" sz="1200" dirty="0" smtClean="0"/>
               <a:t>// </a:t>
             </a:r>
             <a:r>
-              <a:rPr lang="zh-CN" altLang="en-US" sz="1200"/>
-              <a:t>回复缓冲</a:t>
-            </a:r>
-            <a:r>
-              <a:rPr lang="zh-CN" altLang="en-US" sz="1200"/>
-              <a:t>区 </a:t>
-            </a:r>
-            <a:r>
-              <a:rPr lang="en-US" altLang="zh-CN" sz="1200"/>
+              <a:rPr lang="zh-CN" altLang="en-US" sz="1200" dirty="0"/>
+              <a:t>回复缓冲区 </a:t>
+            </a:r>
+            <a:r>
+              <a:rPr lang="en-US" altLang="zh-CN" sz="1200" dirty="0"/>
               <a:t>16k </a:t>
             </a:r>
             <a:r>
-              <a:rPr lang="en-US" altLang="zh-CN" sz="1200"/>
-              <a:t>redisClient </a:t>
-            </a:r>
-            <a:r>
-              <a:rPr lang="en-US" altLang="zh-CN" sz="1200" smtClean="0"/>
+              <a:rPr lang="en-US" altLang="zh-CN" sz="1200" dirty="0" err="1"/>
+              <a:t>redisClient</a:t>
+            </a:r>
+            <a:r>
+              <a:rPr lang="en-US" altLang="zh-CN" sz="1200" dirty="0"/>
+              <a:t> </a:t>
+            </a:r>
+            <a:r>
+              <a:rPr lang="en-US" altLang="zh-CN" sz="1200" dirty="0" smtClean="0"/>
               <a:t>::char </a:t>
             </a:r>
             <a:r>
-              <a:rPr lang="en-US" altLang="zh-CN" sz="1200"/>
-              <a:t>buf[REDIS_REPLY_CHUNK_BYTES];</a:t>
-            </a:r>
-            <a:r>
-              <a:rPr lang="en-US" altLang="zh-CN" smtClean="0">
+              <a:rPr lang="en-US" altLang="zh-CN" sz="1200" dirty="0" err="1"/>
+              <a:t>buf</a:t>
+            </a:r>
+            <a:r>
+              <a:rPr lang="en-US" altLang="zh-CN" sz="1200" dirty="0"/>
+              <a:t>[REDIS_REPLY_CHUNK_BYTES];</a:t>
+            </a:r>
+            <a:r>
+              <a:rPr lang="en-US" altLang="zh-CN" dirty="0" smtClean="0">
                 <a:solidFill>
                   <a:srgbClr val="FF0000"/>
                 </a:solidFill>
@@ -10240,14 +10567,14 @@
               <a:t>  </a:t>
             </a:r>
             <a:r>
-              <a:rPr lang="zh-CN" altLang="en-US" smtClean="0">
+              <a:rPr lang="zh-CN" altLang="en-US" dirty="0" smtClean="0">
                 <a:solidFill>
                   <a:srgbClr val="FF0000"/>
                 </a:solidFill>
               </a:rPr>
               <a:t>文件传输</a:t>
             </a:r>
-            <a:endParaRPr lang="en-US" altLang="zh-CN" smtClean="0">
+            <a:endParaRPr lang="en-US" altLang="zh-CN" dirty="0" smtClean="0">
               <a:solidFill>
                 <a:srgbClr val="FF0000"/>
               </a:solidFill>
@@ -10257,7 +10584,7 @@
             <a:pPr marL="0" indent="0">
               <a:buNone/>
             </a:pPr>
-            <a:endParaRPr lang="en-US" altLang="zh-CN" smtClean="0">
+            <a:endParaRPr lang="en-US" altLang="zh-CN" dirty="0" smtClean="0">
               <a:solidFill>
                 <a:srgbClr val="FF0000"/>
               </a:solidFill>
@@ -10268,7 +10595,7 @@
               <a:buNone/>
             </a:pPr>
             <a:r>
-              <a:rPr lang="en-US" altLang="zh-CN" smtClean="0">
+              <a:rPr lang="en-US" altLang="zh-CN" dirty="0" smtClean="0">
                 <a:solidFill>
                   <a:srgbClr val="FF0000"/>
                 </a:solidFill>
@@ -10276,7 +10603,7 @@
               <a:t>replication </a:t>
             </a:r>
             <a:r>
-              <a:rPr lang="en-US" altLang="zh-CN">
+              <a:rPr lang="en-US" altLang="zh-CN" dirty="0">
                 <a:solidFill>
                   <a:srgbClr val="FF0000"/>
                 </a:solidFill>
@@ -10284,14 +10611,14 @@
               <a:t>backlog</a:t>
             </a:r>
             <a:r>
-              <a:rPr lang="zh-CN" altLang="en-US" smtClean="0">
+              <a:rPr lang="zh-CN" altLang="en-US" dirty="0" smtClean="0">
                 <a:solidFill>
                   <a:srgbClr val="FF0000"/>
                 </a:solidFill>
               </a:rPr>
               <a:t>：</a:t>
             </a:r>
-            <a:endParaRPr lang="en-US" altLang="zh-CN" smtClean="0">
+            <a:endParaRPr lang="en-US" altLang="zh-CN" dirty="0" smtClean="0">
               <a:solidFill>
                 <a:srgbClr val="FF0000"/>
               </a:solidFill>
@@ -10338,11 +10665,7 @@
             </a:r>
             <a:r>
               <a:rPr lang="en-US" altLang="zh-CN"/>
-              <a:t>How Redis master-slave replication </a:t>
-            </a:r>
-            <a:r>
-              <a:rPr lang="en-US" altLang="zh-CN"/>
-              <a:t>works </a:t>
+              <a:t>How Redis master-slave replication works </a:t>
             </a:r>
             <a:r>
               <a:rPr lang="en-US" altLang="zh-CN" smtClean="0"/>
@@ -10355,7 +10678,7 @@
     </p:spTree>
     <p:extLst>
       <p:ext uri="{BB962C8B-B14F-4D97-AF65-F5344CB8AC3E}">
-        <p14:creationId xmlns:p14="http://schemas.microsoft.com/office/powerpoint/2010/main" val="854360838"/>
+        <p14:creationId xmlns:p14="http://schemas.microsoft.com/office/powerpoint/2010/main" xmlns="" val="854360838"/>
       </p:ext>
     </p:extLst>
   </p:cSld>
@@ -10601,7 +10924,7 @@
 </p:sld>
 </file>
 
-<file path=ppt/slides/slide17.xml><?xml version="1.0" encoding="utf-8"?>
+<file path=ppt/slides/slide18.xml><?xml version="1.0" encoding="utf-8"?>
 <p:sld xmlns:a="http://schemas.openxmlformats.org/drawingml/2006/main" xmlns:r="http://schemas.openxmlformats.org/officeDocument/2006/relationships" xmlns:p="http://schemas.openxmlformats.org/presentationml/2006/main">
   <p:cSld>
     <p:spTree>
@@ -10683,7 +11006,7 @@
           <a:blip r:embed="rId3">
             <a:extLst>
               <a:ext uri="{28A0092B-C50C-407E-A947-70E740481C1C}">
-                <a14:useLocalDpi xmlns:a14="http://schemas.microsoft.com/office/drawing/2010/main" val="0"/>
+                <a14:useLocalDpi xmlns:a14="http://schemas.microsoft.com/office/drawing/2010/main" xmlns="" val="0"/>
               </a:ext>
             </a:extLst>
           </a:blip>
@@ -10706,14 +11029,14 @@
           </a:ln>
           <a:extLst>
             <a:ext uri="{909E8E84-426E-40DD-AFC4-6F175D3DCCD1}">
-              <a14:hiddenFill xmlns:a14="http://schemas.microsoft.com/office/drawing/2010/main">
+              <a14:hiddenFill xmlns:a14="http://schemas.microsoft.com/office/drawing/2010/main" xmlns="">
                 <a:solidFill>
                   <a:schemeClr val="accent1"/>
                 </a:solidFill>
               </a14:hiddenFill>
             </a:ext>
             <a:ext uri="{91240B29-F687-4F45-9708-019B960494DF}">
-              <a14:hiddenLine xmlns:a14="http://schemas.microsoft.com/office/drawing/2010/main" w="9525">
+              <a14:hiddenLine xmlns:a14="http://schemas.microsoft.com/office/drawing/2010/main" xmlns="" w="9525">
                 <a:solidFill>
                   <a:schemeClr val="tx1"/>
                 </a:solidFill>
@@ -10737,7 +11060,7 @@
           <a:blip r:embed="rId4">
             <a:extLst>
               <a:ext uri="{28A0092B-C50C-407E-A947-70E740481C1C}">
-                <a14:useLocalDpi xmlns:a14="http://schemas.microsoft.com/office/drawing/2010/main" val="0"/>
+                <a14:useLocalDpi xmlns:a14="http://schemas.microsoft.com/office/drawing/2010/main" xmlns="" val="0"/>
               </a:ext>
             </a:extLst>
           </a:blip>
@@ -10760,14 +11083,14 @@
           </a:ln>
           <a:extLst>
             <a:ext uri="{909E8E84-426E-40DD-AFC4-6F175D3DCCD1}">
-              <a14:hiddenFill xmlns:a14="http://schemas.microsoft.com/office/drawing/2010/main">
+              <a14:hiddenFill xmlns:a14="http://schemas.microsoft.com/office/drawing/2010/main" xmlns="">
                 <a:solidFill>
                   <a:schemeClr val="accent1"/>
                 </a:solidFill>
               </a14:hiddenFill>
             </a:ext>
             <a:ext uri="{91240B29-F687-4F45-9708-019B960494DF}">
-              <a14:hiddenLine xmlns:a14="http://schemas.microsoft.com/office/drawing/2010/main" w="9525">
+              <a14:hiddenLine xmlns:a14="http://schemas.microsoft.com/office/drawing/2010/main" xmlns="" w="9525">
                 <a:solidFill>
                   <a:schemeClr val="tx1"/>
                 </a:solidFill>
@@ -10782,116 +11105,7 @@
     </p:spTree>
     <p:extLst>
       <p:ext uri="{BB962C8B-B14F-4D97-AF65-F5344CB8AC3E}">
-        <p14:creationId xmlns:p14="http://schemas.microsoft.com/office/powerpoint/2010/main" val="1080634845"/>
-      </p:ext>
-    </p:extLst>
-  </p:cSld>
-  <p:clrMapOvr>
-    <a:masterClrMapping/>
-  </p:clrMapOvr>
-  <p:timing>
-    <p:tnLst>
-      <p:par>
-        <p:cTn id="1" dur="indefinite" restart="never" nodeType="tmRoot"/>
-      </p:par>
-    </p:tnLst>
-  </p:timing>
-</p:sld>
-</file>
-
-<file path=ppt/slides/slide18.xml><?xml version="1.0" encoding="utf-8"?>
-<p:sld xmlns:a="http://schemas.openxmlformats.org/drawingml/2006/main" xmlns:r="http://schemas.openxmlformats.org/officeDocument/2006/relationships" xmlns:p="http://schemas.openxmlformats.org/presentationml/2006/main">
-  <p:cSld>
-    <p:spTree>
-      <p:nvGrpSpPr>
-        <p:cNvPr id="1" name=""/>
-        <p:cNvGrpSpPr/>
-        <p:nvPr/>
-      </p:nvGrpSpPr>
-      <p:grpSpPr>
-        <a:xfrm>
-          <a:off x="0" y="0"/>
-          <a:ext cx="0" cy="0"/>
-          <a:chOff x="0" y="0"/>
-          <a:chExt cx="0" cy="0"/>
-        </a:xfrm>
-      </p:grpSpPr>
-      <p:sp>
-        <p:nvSpPr>
-          <p:cNvPr id="2" name="内容占位符 1"/>
-          <p:cNvSpPr>
-            <a:spLocks noGrp="1"/>
-          </p:cNvSpPr>
-          <p:nvPr>
-            <p:ph idx="1"/>
-          </p:nvPr>
-        </p:nvSpPr>
-        <p:spPr/>
-        <p:txBody>
-          <a:bodyPr/>
-          <a:lstStyle/>
-          <a:p>
-            <a:endParaRPr lang="zh-CN" altLang="en-US"/>
-          </a:p>
-        </p:txBody>
-      </p:sp>
-      <p:sp>
-        <p:nvSpPr>
-          <p:cNvPr id="3" name="标题 2"/>
-          <p:cNvSpPr>
-            <a:spLocks noGrp="1"/>
-          </p:cNvSpPr>
-          <p:nvPr>
-            <p:ph type="title"/>
-          </p:nvPr>
-        </p:nvSpPr>
-        <p:spPr/>
-        <p:style>
-          <a:lnRef idx="2">
-            <a:schemeClr val="dk1">
-              <a:shade val="50000"/>
-            </a:schemeClr>
-          </a:lnRef>
-          <a:fillRef idx="1">
-            <a:schemeClr val="dk1"/>
-          </a:fillRef>
-          <a:effectRef idx="0">
-            <a:schemeClr val="dk1"/>
-          </a:effectRef>
-          <a:fontRef idx="minor">
-            <a:schemeClr val="lt1"/>
-          </a:fontRef>
-        </p:style>
-        <p:txBody>
-          <a:bodyPr>
-            <a:normAutofit/>
-          </a:bodyPr>
-          <a:lstStyle/>
-          <a:p>
-            <a:r>
-              <a:rPr lang="en-US" altLang="zh-CN" sz="2000" smtClean="0"/>
-              <a:t>     FQA:  set msg=</a:t>
-            </a:r>
-            <a:r>
-              <a:rPr lang="zh-CN" altLang="en-US" sz="2000" smtClean="0"/>
-              <a:t>“</a:t>
-            </a:r>
-            <a:r>
-              <a:rPr lang="en-US" altLang="zh-CN" sz="2000" smtClean="0"/>
-              <a:t>hello</a:t>
-            </a:r>
-            <a:r>
-              <a:rPr lang="zh-CN" altLang="en-US" sz="2000" smtClean="0"/>
-              <a:t>” 发送了什么</a:t>
-            </a:r>
-            <a:endParaRPr lang="zh-CN" altLang="en-US" sz="2000"/>
-          </a:p>
-        </p:txBody>
-      </p:sp>
-    </p:spTree>
-    <p:extLst>
-      <p:ext uri="{BB962C8B-B14F-4D97-AF65-F5344CB8AC3E}">
-        <p14:creationId xmlns:p14="http://schemas.microsoft.com/office/powerpoint/2010/main" val="833908138"/>
+        <p14:creationId xmlns:p14="http://schemas.microsoft.com/office/powerpoint/2010/main" xmlns="" val="1080634845"/>
       </p:ext>
     </p:extLst>
   </p:cSld>
@@ -10955,26 +11169,52 @@
           </p:nvPr>
         </p:nvSpPr>
         <p:spPr/>
+        <p:style>
+          <a:lnRef idx="2">
+            <a:schemeClr val="dk1">
+              <a:shade val="50000"/>
+            </a:schemeClr>
+          </a:lnRef>
+          <a:fillRef idx="1">
+            <a:schemeClr val="dk1"/>
+          </a:fillRef>
+          <a:effectRef idx="0">
+            <a:schemeClr val="dk1"/>
+          </a:effectRef>
+          <a:fontRef idx="minor">
+            <a:schemeClr val="lt1"/>
+          </a:fontRef>
+        </p:style>
         <p:txBody>
-          <a:bodyPr/>
+          <a:bodyPr>
+            <a:normAutofit/>
+          </a:bodyPr>
           <a:lstStyle/>
           <a:p>
             <a:r>
-              <a:rPr lang="zh-CN" altLang="en-US" smtClean="0"/>
-              <a:t>协程 如何做到并发 </a:t>
-            </a:r>
-            <a:r>
-              <a:rPr lang="en-US" altLang="zh-CN" smtClean="0"/>
-              <a:t>st</a:t>
-            </a:r>
-            <a:endParaRPr lang="zh-CN" altLang="en-US"/>
+              <a:rPr lang="en-US" altLang="zh-CN" sz="2000" smtClean="0"/>
+              <a:t>     FQA:  set msg=</a:t>
+            </a:r>
+            <a:r>
+              <a:rPr lang="zh-CN" altLang="en-US" sz="2000" smtClean="0"/>
+              <a:t>“</a:t>
+            </a:r>
+            <a:r>
+              <a:rPr lang="en-US" altLang="zh-CN" sz="2000" smtClean="0"/>
+              <a:t>hello</a:t>
+            </a:r>
+            <a:r>
+              <a:rPr lang="zh-CN" altLang="en-US" sz="2000" smtClean="0"/>
+              <a:t>” 发送了什么</a:t>
+            </a:r>
+            <a:endParaRPr lang="zh-CN" altLang="en-US" sz="2000"/>
           </a:p>
         </p:txBody>
       </p:sp>
     </p:spTree>
     <p:extLst>
       <p:ext uri="{BB962C8B-B14F-4D97-AF65-F5344CB8AC3E}">
-        <p14:creationId xmlns:p14="http://schemas.microsoft.com/office/powerpoint/2010/main" val="3694667909"/>
+        <p14:creationId xmlns:p14="http://schemas.microsoft.com/office/powerpoint/2010/main" xmlns="" val="833908138"/>
       </p:ext>
     </p:extLst>
   </p:cSld>
@@ -11183,6 +11423,285 @@
       </p:grpSpPr>
       <p:sp>
         <p:nvSpPr>
+          <p:cNvPr id="2" name="内容占位符 1"/>
+          <p:cNvSpPr>
+            <a:spLocks noGrp="1"/>
+          </p:cNvSpPr>
+          <p:nvPr>
+            <p:ph idx="1"/>
+          </p:nvPr>
+        </p:nvSpPr>
+        <p:spPr/>
+        <p:txBody>
+          <a:bodyPr/>
+          <a:lstStyle/>
+          <a:p>
+            <a:endParaRPr lang="zh-CN" altLang="en-US"/>
+          </a:p>
+        </p:txBody>
+      </p:sp>
+      <p:sp>
+        <p:nvSpPr>
+          <p:cNvPr id="3" name="标题 2"/>
+          <p:cNvSpPr>
+            <a:spLocks noGrp="1"/>
+          </p:cNvSpPr>
+          <p:nvPr>
+            <p:ph type="title"/>
+          </p:nvPr>
+        </p:nvSpPr>
+        <p:spPr/>
+        <p:txBody>
+          <a:bodyPr/>
+          <a:lstStyle/>
+          <a:p>
+            <a:r>
+              <a:rPr lang="zh-CN" altLang="en-US" smtClean="0"/>
+              <a:t>协程 如何做到并发 </a:t>
+            </a:r>
+            <a:r>
+              <a:rPr lang="en-US" altLang="zh-CN" smtClean="0"/>
+              <a:t>st</a:t>
+            </a:r>
+            <a:endParaRPr lang="zh-CN" altLang="en-US"/>
+          </a:p>
+        </p:txBody>
+      </p:sp>
+    </p:spTree>
+    <p:extLst>
+      <p:ext uri="{BB962C8B-B14F-4D97-AF65-F5344CB8AC3E}">
+        <p14:creationId xmlns:p14="http://schemas.microsoft.com/office/powerpoint/2010/main" xmlns="" val="3694667909"/>
+      </p:ext>
+    </p:extLst>
+  </p:cSld>
+  <p:clrMapOvr>
+    <a:masterClrMapping/>
+  </p:clrMapOvr>
+  <p:timing>
+    <p:tnLst>
+      <p:par>
+        <p:cTn id="1" dur="indefinite" restart="never" nodeType="tmRoot"/>
+      </p:par>
+    </p:tnLst>
+  </p:timing>
+</p:sld>
+</file>
+
+<file path=ppt/slides/slide21.xml><?xml version="1.0" encoding="utf-8"?>
+<p:sld xmlns:a="http://schemas.openxmlformats.org/drawingml/2006/main" xmlns:r="http://schemas.openxmlformats.org/officeDocument/2006/relationships" xmlns:p="http://schemas.openxmlformats.org/presentationml/2006/main">
+  <p:cSld>
+    <p:spTree>
+      <p:nvGrpSpPr>
+        <p:cNvPr id="1" name=""/>
+        <p:cNvGrpSpPr/>
+        <p:nvPr/>
+      </p:nvGrpSpPr>
+      <p:grpSpPr>
+        <a:xfrm>
+          <a:off x="0" y="0"/>
+          <a:ext cx="0" cy="0"/>
+          <a:chOff x="0" y="0"/>
+          <a:chExt cx="0" cy="0"/>
+        </a:xfrm>
+      </p:grpSpPr>
+      <p:sp>
+        <p:nvSpPr>
+          <p:cNvPr id="2" name="内容占位符 1"/>
+          <p:cNvSpPr>
+            <a:spLocks noGrp="1"/>
+          </p:cNvSpPr>
+          <p:nvPr>
+            <p:ph idx="1"/>
+          </p:nvPr>
+        </p:nvSpPr>
+        <p:spPr/>
+        <p:txBody>
+          <a:bodyPr/>
+          <a:lstStyle/>
+          <a:p>
+            <a:r>
+              <a:rPr lang="en-US" altLang="zh-CN" dirty="0" err="1" smtClean="0"/>
+              <a:t>Mysql</a:t>
+            </a:r>
+            <a:endParaRPr lang="en-US" altLang="zh-CN" dirty="0" smtClean="0"/>
+          </a:p>
+          <a:p>
+            <a:r>
+              <a:rPr lang="en-US" altLang="zh-CN" dirty="0" err="1" smtClean="0"/>
+              <a:t>Redis</a:t>
+            </a:r>
+            <a:endParaRPr lang="en-US" altLang="zh-CN" dirty="0" smtClean="0"/>
+          </a:p>
+          <a:p>
+            <a:r>
+              <a:rPr lang="en-US" altLang="zh-CN" dirty="0" err="1" smtClean="0"/>
+              <a:t>Zookper</a:t>
+            </a:r>
+            <a:endParaRPr lang="en-US" altLang="zh-CN" dirty="0" smtClean="0"/>
+          </a:p>
+          <a:p>
+            <a:r>
+              <a:rPr lang="en-US" altLang="zh-CN" dirty="0" err="1" smtClean="0"/>
+              <a:t>etec</a:t>
+            </a:r>
+            <a:endParaRPr lang="zh-CN" altLang="en-US" dirty="0"/>
+          </a:p>
+        </p:txBody>
+      </p:sp>
+      <p:sp>
+        <p:nvSpPr>
+          <p:cNvPr id="3" name="标题 2"/>
+          <p:cNvSpPr>
+            <a:spLocks noGrp="1"/>
+          </p:cNvSpPr>
+          <p:nvPr>
+            <p:ph type="title"/>
+          </p:nvPr>
+        </p:nvSpPr>
+        <p:spPr/>
+        <p:txBody>
+          <a:bodyPr/>
+          <a:lstStyle/>
+          <a:p>
+            <a:r>
+              <a:rPr lang="zh-CN" altLang="en-US" dirty="0" smtClean="0"/>
+              <a:t>必须解决下面几个问题，其他人的教训</a:t>
+            </a:r>
+            <a:endParaRPr lang="zh-CN" altLang="en-US" dirty="0"/>
+          </a:p>
+        </p:txBody>
+      </p:sp>
+    </p:spTree>
+  </p:cSld>
+  <p:clrMapOvr>
+    <a:masterClrMapping/>
+  </p:clrMapOvr>
+</p:sld>
+</file>
+
+<file path=ppt/slides/slide22.xml><?xml version="1.0" encoding="utf-8"?>
+<p:sld xmlns:a="http://schemas.openxmlformats.org/drawingml/2006/main" xmlns:r="http://schemas.openxmlformats.org/officeDocument/2006/relationships" xmlns:p="http://schemas.openxmlformats.org/presentationml/2006/main">
+  <p:cSld>
+    <p:spTree>
+      <p:nvGrpSpPr>
+        <p:cNvPr id="1" name=""/>
+        <p:cNvGrpSpPr/>
+        <p:nvPr/>
+      </p:nvGrpSpPr>
+      <p:grpSpPr>
+        <a:xfrm>
+          <a:off x="0" y="0"/>
+          <a:ext cx="0" cy="0"/>
+          <a:chOff x="0" y="0"/>
+          <a:chExt cx="0" cy="0"/>
+        </a:xfrm>
+      </p:grpSpPr>
+      <p:sp>
+        <p:nvSpPr>
+          <p:cNvPr id="2" name="内容占位符 1"/>
+          <p:cNvSpPr>
+            <a:spLocks noGrp="1"/>
+          </p:cNvSpPr>
+          <p:nvPr>
+            <p:ph idx="1"/>
+          </p:nvPr>
+        </p:nvSpPr>
+        <p:spPr/>
+        <p:txBody>
+          <a:bodyPr/>
+          <a:lstStyle/>
+          <a:p>
+            <a:pPr>
+              <a:buNone/>
+            </a:pPr>
+            <a:r>
+              <a:rPr lang="en-US" altLang="zh-CN" dirty="0"/>
+              <a:t>raft</a:t>
+            </a:r>
+            <a:r>
+              <a:rPr dirty="0" smtClean="0"/>
+              <a:t>脑裂</a:t>
+            </a:r>
+            <a:r>
+              <a:rPr lang="en-US" dirty="0" smtClean="0"/>
+              <a:t>,</a:t>
+            </a:r>
+            <a:r>
+              <a:rPr dirty="0" smtClean="0"/>
+              <a:t>一致性 </a:t>
+            </a:r>
+            <a:r>
+              <a:rPr lang="en-US" altLang="zh-CN" dirty="0" smtClean="0"/>
+              <a:t>new</a:t>
+            </a:r>
+            <a:endParaRPr lang="zh-CN" altLang="en-US" dirty="0"/>
+          </a:p>
+        </p:txBody>
+      </p:sp>
+      <p:sp>
+        <p:nvSpPr>
+          <p:cNvPr id="3" name="标题 2"/>
+          <p:cNvSpPr>
+            <a:spLocks noGrp="1"/>
+          </p:cNvSpPr>
+          <p:nvPr>
+            <p:ph type="title"/>
+          </p:nvPr>
+        </p:nvSpPr>
+        <p:spPr/>
+        <p:style>
+          <a:lnRef idx="3">
+            <a:schemeClr val="lt1"/>
+          </a:lnRef>
+          <a:fillRef idx="1">
+            <a:schemeClr val="accent1"/>
+          </a:fillRef>
+          <a:effectRef idx="1">
+            <a:schemeClr val="accent1"/>
+          </a:effectRef>
+          <a:fontRef idx="minor">
+            <a:schemeClr val="lt1"/>
+          </a:fontRef>
+        </p:style>
+        <p:txBody>
+          <a:bodyPr/>
+          <a:lstStyle/>
+          <a:p>
+            <a:r>
+              <a:rPr lang="zh-CN" altLang="en-US" dirty="0" smtClean="0"/>
+              <a:t>必须解决下面几个问题，其他人的教训</a:t>
+            </a:r>
+            <a:endParaRPr lang="zh-CN" altLang="en-US" dirty="0"/>
+          </a:p>
+        </p:txBody>
+      </p:sp>
+    </p:spTree>
+  </p:cSld>
+  <p:clrMapOvr>
+    <a:masterClrMapping/>
+  </p:clrMapOvr>
+</p:sld>
+</file>
+
+<file path=ppt/slides/slide23.xml><?xml version="1.0" encoding="utf-8"?>
+<p:sld xmlns:a="http://schemas.openxmlformats.org/drawingml/2006/main" xmlns:r="http://schemas.openxmlformats.org/officeDocument/2006/relationships" xmlns:p="http://schemas.openxmlformats.org/presentationml/2006/main">
+  <p:cSld>
+    <p:spTree>
+      <p:nvGrpSpPr>
+        <p:cNvPr id="1" name=""/>
+        <p:cNvGrpSpPr/>
+        <p:nvPr/>
+      </p:nvGrpSpPr>
+      <p:grpSpPr>
+        <a:xfrm>
+          <a:off x="0" y="0"/>
+          <a:ext cx="0" cy="0"/>
+          <a:chOff x="0" y="0"/>
+          <a:chExt cx="0" cy="0"/>
+        </a:xfrm>
+      </p:grpSpPr>
+      <p:sp>
+        <p:nvSpPr>
           <p:cNvPr id="2" name="文本占位符 1"/>
           <p:cNvSpPr>
             <a:spLocks noGrp="1"/>
@@ -11212,7 +11731,7 @@
           <a:blip r:embed="rId2">
             <a:extLst>
               <a:ext uri="{28A0092B-C50C-407E-A947-70E740481C1C}">
-                <a14:useLocalDpi xmlns:a14="http://schemas.microsoft.com/office/drawing/2010/main" val="0"/>
+                <a14:useLocalDpi xmlns:a14="http://schemas.microsoft.com/office/drawing/2010/main" xmlns="" val="0"/>
               </a:ext>
             </a:extLst>
           </a:blip>
@@ -11235,14 +11754,14 @@
           </a:ln>
           <a:extLst>
             <a:ext uri="{909E8E84-426E-40DD-AFC4-6F175D3DCCD1}">
-              <a14:hiddenFill xmlns:a14="http://schemas.microsoft.com/office/drawing/2010/main">
+              <a14:hiddenFill xmlns:a14="http://schemas.microsoft.com/office/drawing/2010/main" xmlns="">
                 <a:solidFill>
                   <a:schemeClr val="accent1"/>
                 </a:solidFill>
               </a14:hiddenFill>
             </a:ext>
             <a:ext uri="{91240B29-F687-4F45-9708-019B960494DF}">
-              <a14:hiddenLine xmlns:a14="http://schemas.microsoft.com/office/drawing/2010/main" w="9525">
+              <a14:hiddenLine xmlns:a14="http://schemas.microsoft.com/office/drawing/2010/main" xmlns="" w="9525">
                 <a:solidFill>
                   <a:schemeClr val="tx1"/>
                 </a:solidFill>
@@ -11361,11 +11880,11 @@
   <p:clrMapOvr>
     <a:masterClrMapping/>
   </p:clrMapOvr>
-  <mc:AlternateContent xmlns:mc="http://schemas.openxmlformats.org/markup-compatibility/2006" xmlns:p14="http://schemas.microsoft.com/office/powerpoint/2010/main">
-    <mc:Choice Requires="p14">
+  <mc:AlternateContent xmlns:mc="http://schemas.openxmlformats.org/markup-compatibility/2006">
+    <mc:Choice xmlns:p14="http://schemas.microsoft.com/office/powerpoint/2010/main" xmlns="" Requires="p14">
       <p:transition spd="slow" p14:dur="2000"/>
     </mc:Choice>
-    <mc:Fallback xmlns="">
+    <mc:Fallback>
       <p:transition spd="slow"/>
     </mc:Fallback>
   </mc:AlternateContent>
@@ -11512,11 +12031,11 @@
   <p:clrMapOvr>
     <a:masterClrMapping/>
   </p:clrMapOvr>
-  <mc:AlternateContent xmlns:mc="http://schemas.openxmlformats.org/markup-compatibility/2006" xmlns:p14="http://schemas.microsoft.com/office/powerpoint/2010/main">
-    <mc:Choice Requires="p14">
+  <mc:AlternateContent xmlns:mc="http://schemas.openxmlformats.org/markup-compatibility/2006">
+    <mc:Choice xmlns:p14="http://schemas.microsoft.com/office/powerpoint/2010/main" xmlns="" Requires="p14">
       <p:transition spd="slow" p14:dur="2000"/>
     </mc:Choice>
-    <mc:Fallback xmlns="">
+    <mc:Fallback>
       <p:transition spd="slow"/>
     </mc:Fallback>
   </mc:AlternateContent>
@@ -11656,11 +12175,11 @@
   <p:clrMapOvr>
     <a:masterClrMapping/>
   </p:clrMapOvr>
-  <mc:AlternateContent xmlns:mc="http://schemas.openxmlformats.org/markup-compatibility/2006" xmlns:p14="http://schemas.microsoft.com/office/powerpoint/2010/main">
-    <mc:Choice Requires="p14">
+  <mc:AlternateContent xmlns:mc="http://schemas.openxmlformats.org/markup-compatibility/2006">
+    <mc:Choice xmlns:p14="http://schemas.microsoft.com/office/powerpoint/2010/main" xmlns="" Requires="p14">
       <p:transition spd="slow" p14:dur="2000"/>
     </mc:Choice>
-    <mc:Fallback xmlns="">
+    <mc:Fallback>
       <p:transition spd="slow"/>
     </mc:Fallback>
   </mc:AlternateContent>
@@ -11702,37 +12221,37 @@
           <a:lstStyle/>
           <a:p>
             <a:r>
-              <a:rPr lang="en-US">
+              <a:rPr lang="en-US" dirty="0">
                 <a:hlinkClick r:id="rId3"/>
               </a:rPr>
               <a:t>https://raft.github.io</a:t>
             </a:r>
             <a:r>
-              <a:rPr lang="en-US" smtClean="0">
+              <a:rPr lang="en-US" dirty="0" smtClean="0">
                 <a:hlinkClick r:id="rId3"/>
               </a:rPr>
               <a:t>/</a:t>
             </a:r>
-            <a:endParaRPr lang="en-US" smtClean="0"/>
-          </a:p>
-          <a:p>
-            <a:r>
-              <a:rPr lang="en-US" altLang="zh-CN" smtClean="0"/>
+            <a:endParaRPr lang="en-US" dirty="0" smtClean="0"/>
+          </a:p>
+          <a:p>
+            <a:r>
+              <a:rPr lang="en-US" altLang="zh-CN" dirty="0" smtClean="0"/>
               <a:t>Select  </a:t>
             </a:r>
             <a:r>
-              <a:rPr lang="en-US" altLang="zh-CN"/>
+              <a:rPr lang="en-US" altLang="zh-CN" dirty="0"/>
               <a:t>Leader </a:t>
             </a:r>
             <a:r>
-              <a:rPr lang="en-US" altLang="zh-CN" smtClean="0"/>
+              <a:rPr lang="en-US" altLang="zh-CN" dirty="0" smtClean="0"/>
               <a:t>  </a:t>
             </a:r>
-            <a:endParaRPr lang="en-US" altLang="zh-CN"/>
-          </a:p>
-          <a:p>
-            <a:r>
-              <a:rPr lang="en-US" smtClean="0">
+            <a:endParaRPr lang="en-US" altLang="zh-CN" dirty="0"/>
+          </a:p>
+          <a:p>
+            <a:r>
+              <a:rPr lang="en-US" dirty="0" smtClean="0">
                 <a:solidFill>
                   <a:srgbClr val="FF0000"/>
                 </a:solidFill>
@@ -11745,14 +12264,14 @@
               <a:buAutoNum type="arabicPeriod"/>
             </a:pPr>
             <a:r>
-              <a:rPr smtClean="0">
+              <a:rPr dirty="0" smtClean="0">
                 <a:solidFill>
                   <a:srgbClr val="FF0000"/>
                 </a:solidFill>
               </a:rPr>
               <a:t>任期号为王，任期异常覆盖日志情况不考虑 （什么网络分区舍去 正常如何）</a:t>
             </a:r>
-            <a:endParaRPr lang="en-US" smtClean="0">
+            <a:endParaRPr lang="en-US" dirty="0" smtClean="0">
               <a:solidFill>
                 <a:srgbClr val="FF0000"/>
               </a:solidFill>
@@ -11763,7 +12282,7 @@
               <a:buAutoNum type="arabicPeriod"/>
             </a:pPr>
             <a:r>
-              <a:rPr lang="en-US" smtClean="0">
+              <a:rPr lang="en-US" dirty="0" smtClean="0">
                 <a:solidFill>
                   <a:srgbClr val="FF0000"/>
                 </a:solidFill>
@@ -11771,7 +12290,7 @@
               <a:t>2</a:t>
             </a:r>
             <a:r>
-              <a:rPr smtClean="0">
+              <a:rPr dirty="0" smtClean="0">
                 <a:solidFill>
                   <a:srgbClr val="FF0000"/>
                 </a:solidFill>
@@ -11779,7 +12298,7 @@
               <a:t>个候选人无限重复选举</a:t>
             </a:r>
             <a:r>
-              <a:rPr lang="en-US" altLang="zh-CN" smtClean="0">
+              <a:rPr lang="en-US" altLang="zh-CN" dirty="0" smtClean="0">
                 <a:solidFill>
                   <a:srgbClr val="FF0000"/>
                 </a:solidFill>
@@ -11787,7 +12306,7 @@
               <a:t>split</a:t>
             </a:r>
             <a:r>
-              <a:rPr smtClean="0">
+              <a:rPr dirty="0" smtClean="0">
                 <a:solidFill>
                   <a:srgbClr val="FF0000"/>
                 </a:solidFill>
@@ -11795,7 +12314,7 @@
               <a:t>一样的（</a:t>
             </a:r>
             <a:r>
-              <a:rPr>
+              <a:rPr dirty="0">
                 <a:solidFill>
                   <a:srgbClr val="FF0000"/>
                 </a:solidFill>
@@ -11803,14 +12322,14 @@
               <a:t>什么网络分区舍去 正常如何</a:t>
             </a:r>
             <a:r>
-              <a:rPr smtClean="0">
+              <a:rPr dirty="0" smtClean="0">
                 <a:solidFill>
                   <a:srgbClr val="FF0000"/>
                 </a:solidFill>
               </a:rPr>
               <a:t>）</a:t>
             </a:r>
-            <a:endParaRPr lang="en-US" smtClean="0">
+            <a:endParaRPr lang="en-US" dirty="0" smtClean="0">
               <a:solidFill>
                 <a:srgbClr val="FF0000"/>
               </a:solidFill>
@@ -11821,7 +12340,7 @@
               <a:buNone/>
             </a:pPr>
             <a:r>
-              <a:rPr lang="en-US">
+              <a:rPr lang="en-US" dirty="0">
                 <a:solidFill>
                   <a:srgbClr val="FF0000"/>
                 </a:solidFill>
@@ -11831,7 +12350,7 @@
           </a:p>
           <a:p>
             <a:r>
-              <a:rPr>
+              <a:rPr dirty="0">
                 <a:solidFill>
                   <a:srgbClr val="FF0000"/>
                 </a:solidFill>
@@ -11839,30 +12358,30 @@
               <a:t>看懂</a:t>
             </a:r>
             <a:r>
-              <a:rPr lang="en-US"/>
+              <a:rPr lang="en-US" dirty="0"/>
               <a:t>Figure </a:t>
             </a:r>
             <a:r>
-              <a:rPr lang="en-US" smtClean="0"/>
+              <a:rPr lang="en-US" dirty="0" smtClean="0"/>
               <a:t>1 2 4 </a:t>
             </a:r>
             <a:r>
-              <a:rPr smtClean="0"/>
+              <a:rPr dirty="0" smtClean="0"/>
               <a:t>举例</a:t>
             </a:r>
-            <a:endParaRPr lang="en-US" smtClean="0"/>
-          </a:p>
-          <a:p>
-            <a:r>
-              <a:rPr lang="en-US" altLang="zh-CN" smtClean="0"/>
+            <a:endParaRPr lang="en-US" dirty="0" smtClean="0"/>
+          </a:p>
+          <a:p>
+            <a:r>
+              <a:rPr lang="en-US" altLang="zh-CN" dirty="0" smtClean="0"/>
               <a:t>Raft </a:t>
             </a:r>
             <a:r>
-              <a:rPr smtClean="0"/>
+              <a:rPr dirty="0" smtClean="0"/>
               <a:t>一共</a:t>
             </a:r>
             <a:r>
-              <a:rPr lang="en-US" smtClean="0">
+              <a:rPr lang="en-US" dirty="0" smtClean="0">
                 <a:solidFill>
                   <a:srgbClr val="FF0000"/>
                 </a:solidFill>
@@ -11870,7 +12389,7 @@
               <a:t>18</a:t>
             </a:r>
             <a:r>
-              <a:rPr smtClean="0">
+              <a:rPr dirty="0" smtClean="0">
                 <a:solidFill>
                   <a:srgbClr val="FF0000"/>
                 </a:solidFill>
@@ -11878,46 +12397,46 @@
               <a:t>个视频</a:t>
             </a:r>
             <a:r>
-              <a:rPr smtClean="0"/>
+              <a:rPr dirty="0" smtClean="0"/>
               <a:t>，全部看完 </a:t>
             </a:r>
             <a:r>
-              <a:rPr lang="en-US" smtClean="0"/>
+              <a:rPr lang="en-US" dirty="0" smtClean="0"/>
               <a:t> </a:t>
             </a:r>
             <a:r>
-              <a:rPr smtClean="0"/>
+              <a:rPr dirty="0" smtClean="0"/>
               <a:t>（</a:t>
             </a:r>
             <a:r>
-              <a:rPr lang="en-US" smtClean="0"/>
+              <a:rPr lang="en-US" dirty="0" smtClean="0"/>
               <a:t>2</a:t>
             </a:r>
             <a:r>
-              <a:rPr smtClean="0"/>
+              <a:rPr dirty="0" smtClean="0"/>
               <a:t>）</a:t>
             </a:r>
-            <a:endParaRPr lang="en-US" smtClean="0"/>
+            <a:endParaRPr lang="en-US" dirty="0" smtClean="0"/>
           </a:p>
           <a:p>
             <a:pPr>
               <a:buNone/>
             </a:pPr>
             <a:r>
-              <a:rPr lang="en-US"/>
+              <a:rPr lang="en-US" dirty="0"/>
               <a:t/>
             </a:r>
             <a:br>
-              <a:rPr lang="en-US"/>
+              <a:rPr lang="en-US" dirty="0"/>
             </a:br>
             <a:r>
-              <a:rPr lang="en-US"/>
+              <a:rPr lang="en-US" dirty="0"/>
               <a:t/>
             </a:r>
             <a:br>
-              <a:rPr lang="en-US"/>
+              <a:rPr lang="en-US" dirty="0"/>
             </a:br>
-            <a:endParaRPr lang="zh-CN" altLang="en-US"/>
+            <a:endParaRPr lang="zh-CN" altLang="en-US" dirty="0"/>
           </a:p>
         </p:txBody>
       </p:sp>
@@ -11949,11 +12468,11 @@
   <p:clrMapOvr>
     <a:masterClrMapping/>
   </p:clrMapOvr>
-  <mc:AlternateContent xmlns:mc="http://schemas.openxmlformats.org/markup-compatibility/2006" xmlns:p14="http://schemas.microsoft.com/office/powerpoint/2010/main">
-    <mc:Choice Requires="p14">
+  <mc:AlternateContent xmlns:mc="http://schemas.openxmlformats.org/markup-compatibility/2006">
+    <mc:Choice xmlns:p14="http://schemas.microsoft.com/office/powerpoint/2010/main" xmlns="" Requires="p14">
       <p:transition spd="slow" p14:dur="2000"/>
     </mc:Choice>
-    <mc:Fallback xmlns="">
+    <mc:Fallback>
       <p:transition spd="slow"/>
     </mc:Fallback>
   </mc:AlternateContent>
@@ -11993,30 +12512,30 @@
           <a:lstStyle/>
           <a:p>
             <a:r>
-              <a:rPr lang="en-US"/>
+              <a:rPr lang="en-US" dirty="0"/>
               <a:t>5.3 Log </a:t>
             </a:r>
             <a:r>
-              <a:rPr lang="en-US" smtClean="0"/>
+              <a:rPr lang="en-US" dirty="0" smtClean="0"/>
               <a:t>replication  </a:t>
             </a:r>
             <a:r>
-              <a:rPr lang="en-US" altLang="zh-CN" smtClean="0"/>
+              <a:rPr lang="en-US" altLang="zh-CN" dirty="0" smtClean="0"/>
               <a:t>time-5</a:t>
             </a:r>
-            <a:endParaRPr lang="en-US" smtClean="0"/>
-          </a:p>
-          <a:p>
-            <a:r>
-              <a:rPr lang="en-US" altLang="zh-CN"/>
+            <a:endParaRPr lang="en-US" dirty="0" smtClean="0"/>
+          </a:p>
+          <a:p>
+            <a:r>
+              <a:rPr lang="en-US" altLang="zh-CN" dirty="0"/>
               <a:t>Raft </a:t>
             </a:r>
             <a:r>
-              <a:rPr/>
+              <a:rPr dirty="0"/>
               <a:t>一共</a:t>
             </a:r>
             <a:r>
-              <a:rPr lang="en-US" altLang="zh-CN">
+              <a:rPr lang="en-US" altLang="zh-CN" dirty="0">
                 <a:solidFill>
                   <a:srgbClr val="FF0000"/>
                 </a:solidFill>
@@ -12024,7 +12543,7 @@
               <a:t>18</a:t>
             </a:r>
             <a:r>
-              <a:rPr>
+              <a:rPr dirty="0">
                 <a:solidFill>
                   <a:srgbClr val="FF0000"/>
                 </a:solidFill>
@@ -12032,56 +12551,71 @@
               <a:t>个视频</a:t>
             </a:r>
             <a:r>
-              <a:rPr/>
+              <a:rPr dirty="0"/>
               <a:t>，全部看完  （</a:t>
             </a:r>
             <a:r>
-              <a:rPr lang="en-US" altLang="zh-CN"/>
+              <a:rPr lang="en-US" altLang="zh-CN" dirty="0"/>
               <a:t>2</a:t>
             </a:r>
             <a:r>
-              <a:rPr smtClean="0"/>
+              <a:rPr dirty="0" smtClean="0"/>
               <a:t>）</a:t>
             </a:r>
-            <a:endParaRPr lang="en-US" smtClean="0"/>
+            <a:endParaRPr lang="en-US" dirty="0" smtClean="0"/>
+          </a:p>
+          <a:p>
+            <a:r>
+              <a:rPr lang="en-US" dirty="0">
+                <a:hlinkClick r:id="rId3"/>
+              </a:rPr>
+              <a:t>https://raft.github.io</a:t>
+            </a:r>
+            <a:r>
+              <a:rPr lang="en-US" dirty="0" smtClean="0">
+                <a:hlinkClick r:id="rId3"/>
+              </a:rPr>
+              <a:t>/</a:t>
+            </a:r>
+            <a:endParaRPr lang="en-US" dirty="0" smtClean="0"/>
+          </a:p>
+          <a:p>
+            <a:r>
+              <a:rPr lang="en-US" dirty="0">
+                <a:hlinkClick r:id="rId4"/>
+              </a:rPr>
+              <a:t>http://thesecretlivesofdata.com/raft/</a:t>
+            </a:r>
+            <a:endParaRPr lang="en-US" dirty="0" smtClean="0"/>
           </a:p>
           <a:p>
             <a:r>
               <a:rPr lang="en-US">
-                <a:hlinkClick r:id="rId3"/>
-              </a:rPr>
-              <a:t>https://raft.github.io</a:t>
-            </a:r>
-            <a:r>
-              <a:rPr lang="en-US" smtClean="0">
-                <a:hlinkClick r:id="rId3"/>
-              </a:rPr>
-              <a:t>/</a:t>
-            </a:r>
-            <a:endParaRPr lang="en-US" smtClean="0"/>
-          </a:p>
-          <a:p>
-            <a:endParaRPr lang="en-US"/>
-          </a:p>
-          <a:p>
-            <a:endParaRPr/>
+                <a:hlinkClick r:id="rId5"/>
+              </a:rPr>
+              <a:t>https://www.youtube.com/watch?v=YbZ3zDzDnrw&amp;t=3064s</a:t>
+            </a:r>
+            <a:endParaRPr lang="en-US" dirty="0"/>
+          </a:p>
+          <a:p>
+            <a:endParaRPr dirty="0"/>
           </a:p>
           <a:p>
             <a:pPr>
               <a:buNone/>
             </a:pPr>
             <a:r>
-              <a:rPr lang="en-US" smtClean="0"/>
+              <a:rPr lang="en-US" dirty="0" smtClean="0"/>
               <a:t> </a:t>
             </a:r>
             <a:r>
-              <a:rPr lang="en-US"/>
+              <a:rPr lang="en-US" dirty="0"/>
               <a:t/>
             </a:r>
             <a:br>
-              <a:rPr lang="en-US"/>
+              <a:rPr lang="en-US" dirty="0"/>
             </a:br>
-            <a:endParaRPr lang="zh-CN" altLang="en-US"/>
+            <a:endParaRPr lang="zh-CN" altLang="en-US" dirty="0"/>
           </a:p>
         </p:txBody>
       </p:sp>
@@ -12095,16 +12629,37 @@
             <p:ph type="title"/>
           </p:nvPr>
         </p:nvSpPr>
-        <p:spPr/>
+        <p:spPr>
+          <a:xfrm>
+            <a:off x="417600" y="230400"/>
+            <a:ext cx="8583556" cy="857250"/>
+          </a:xfrm>
+        </p:spPr>
+        <p:style>
+          <a:lnRef idx="2">
+            <a:schemeClr val="accent2">
+              <a:shade val="50000"/>
+            </a:schemeClr>
+          </a:lnRef>
+          <a:fillRef idx="1">
+            <a:schemeClr val="accent2"/>
+          </a:fillRef>
+          <a:effectRef idx="0">
+            <a:schemeClr val="accent2"/>
+          </a:effectRef>
+          <a:fontRef idx="minor">
+            <a:schemeClr val="lt1"/>
+          </a:fontRef>
+        </p:style>
         <p:txBody>
           <a:bodyPr/>
           <a:lstStyle/>
           <a:p>
             <a:r>
-              <a:rPr lang="en-US" altLang="zh-CN" smtClean="0"/>
+              <a:rPr lang="en-US" altLang="zh-CN" dirty="0" smtClean="0"/>
               <a:t>Raft-2</a:t>
             </a:r>
-            <a:endParaRPr lang="zh-CN" altLang="en-US"/>
+            <a:endParaRPr lang="zh-CN" altLang="en-US" dirty="0"/>
           </a:p>
         </p:txBody>
       </p:sp>
@@ -12117,7 +12672,7 @@
           <p:nvPr/>
         </p:nvPicPr>
         <p:blipFill>
-          <a:blip r:embed="rId4"/>
+          <a:blip r:embed="rId6"/>
           <a:srcRect/>
           <a:stretch>
             <a:fillRect/>
@@ -12125,7 +12680,7 @@
         </p:blipFill>
         <p:spPr bwMode="auto">
           <a:xfrm>
-            <a:off x="4572000" y="2857502"/>
+            <a:off x="571472" y="2857502"/>
             <a:ext cx="4432102" cy="1533581"/>
           </a:xfrm>
           <a:prstGeom prst="rect">
@@ -12146,11 +12701,11 @@
   <p:clrMapOvr>
     <a:masterClrMapping/>
   </p:clrMapOvr>
-  <mc:AlternateContent xmlns:mc="http://schemas.openxmlformats.org/markup-compatibility/2006" xmlns:p14="http://schemas.microsoft.com/office/powerpoint/2010/main">
-    <mc:Choice Requires="p14">
+  <mc:AlternateContent xmlns:mc="http://schemas.openxmlformats.org/markup-compatibility/2006">
+    <mc:Choice xmlns:p14="http://schemas.microsoft.com/office/powerpoint/2010/main" xmlns="" Requires="p14">
       <p:transition spd="slow" p14:dur="2000"/>
     </mc:Choice>
-    <mc:Fallback xmlns="">
+    <mc:Fallback>
       <p:transition spd="slow"/>
     </mc:Fallback>
   </mc:AlternateContent>
@@ -12158,7 +12713,7 @@
 </file>
 
 <file path=ppt/slides/slide8.xml><?xml version="1.0" encoding="utf-8"?>
-<p:sld xmlns:a="http://schemas.openxmlformats.org/drawingml/2006/main" xmlns:r="http://schemas.openxmlformats.org/officeDocument/2006/relationships" xmlns:p="http://schemas.openxmlformats.org/presentationml/2006/main" show="0">
+<p:sld xmlns:a="http://schemas.openxmlformats.org/drawingml/2006/main" xmlns:r="http://schemas.openxmlformats.org/officeDocument/2006/relationships" xmlns:p="http://schemas.openxmlformats.org/presentationml/2006/main">
   <p:cSld>
     <p:spTree>
       <p:nvGrpSpPr>
@@ -12190,124 +12745,12 @@
           <a:lstStyle/>
           <a:p>
             <a:r>
-              <a:rPr lang="en-US" altLang="zh-CN" smtClean="0"/>
-              <a:t>Slave</a:t>
-            </a:r>
-            <a:r>
-              <a:rPr smtClean="0"/>
-              <a:t>：</a:t>
-            </a:r>
-            <a:r>
-              <a:rPr altLang="en-US" smtClean="0"/>
-              <a:t>回滚失败怎么办？</a:t>
-            </a:r>
-            <a:r>
-              <a:rPr lang="en-US" altLang="en-US" smtClean="0"/>
-              <a:t>(</a:t>
-            </a:r>
-            <a:r>
-              <a:rPr altLang="en-US" smtClean="0"/>
-              <a:t>如果是业务问题肯定无法解决，过网络和主机问题可以</a:t>
-            </a:r>
-            <a:r>
-              <a:rPr lang="en-US" altLang="en-US" smtClean="0"/>
-              <a:t>)</a:t>
-            </a:r>
-          </a:p>
-          <a:p>
-            <a:r>
-              <a:rPr lang="en-US" altLang="zh-CN" err="1" smtClean="0"/>
-              <a:t>commIndex</a:t>
-            </a:r>
-            <a:r>
-              <a:rPr smtClean="0"/>
-              <a:t>如何界定</a:t>
-            </a:r>
-            <a:endParaRPr lang="en-US" smtClean="0"/>
-          </a:p>
-          <a:p>
-            <a:r>
-              <a:rPr lang="en-US" altLang="zh-CN"/>
-              <a:t>Leader </a:t>
-            </a:r>
-            <a:r>
-              <a:rPr/>
-              <a:t>全部</a:t>
-            </a:r>
-            <a:r>
-              <a:rPr lang="en-US" altLang="zh-CN"/>
-              <a:t>get </a:t>
-            </a:r>
-            <a:r>
-              <a:rPr lang="en-US" altLang="zh-CN" err="1" smtClean="0"/>
-              <a:t>commited</a:t>
-            </a:r>
-            <a:r>
-              <a:rPr lang="en-US" altLang="zh-CN" smtClean="0"/>
-              <a:t> </a:t>
-            </a:r>
-            <a:r>
-              <a:rPr smtClean="0"/>
-              <a:t>，然后马上失败怎办？（一般， 特殊情 客户端再次查询）</a:t>
-            </a:r>
-            <a:endParaRPr lang="en-US" smtClean="0"/>
-          </a:p>
-          <a:p>
-            <a:r>
-              <a:rPr smtClean="0"/>
-              <a:t>这个地方一致是模糊地方，被问</a:t>
-            </a:r>
-            <a:r>
-              <a:rPr lang="en-US" smtClean="0"/>
-              <a:t>N</a:t>
-            </a:r>
-            <a:r>
-              <a:rPr smtClean="0"/>
-              <a:t>次，从来没有正确回复过</a:t>
-            </a:r>
-            <a:endParaRPr lang="en-US" smtClean="0"/>
-          </a:p>
-          <a:p>
-            <a:r>
-              <a:rPr lang="en-US" smtClean="0"/>
-              <a:t>(</a:t>
-            </a:r>
-            <a:r>
-              <a:rPr smtClean="0"/>
-              <a:t>客户端肯定失败，内部保持统一，需要客户端再次查询</a:t>
-            </a:r>
-            <a:r>
-              <a:rPr lang="en-US" smtClean="0"/>
-              <a:t>)</a:t>
-            </a:r>
-          </a:p>
-          <a:p>
-            <a:r>
-              <a:rPr/>
-              <a:t>服务</a:t>
-            </a:r>
-            <a:r>
-              <a:rPr smtClean="0"/>
-              <a:t>状态变化：</a:t>
-            </a:r>
-            <a:endParaRPr lang="en-US" smtClean="0"/>
-          </a:p>
-          <a:p>
-            <a:r>
-              <a:rPr smtClean="0"/>
-              <a:t>业务的数据变化</a:t>
-            </a:r>
-            <a:endParaRPr lang="en-US" smtClean="0"/>
-          </a:p>
-          <a:p>
-            <a:r>
-              <a:rPr smtClean="0"/>
-              <a:t>内存管理</a:t>
-            </a:r>
-            <a:endParaRPr/>
-          </a:p>
-          <a:p>
-            <a:endParaRPr lang="zh-CN" altLang="en-US"/>
+              <a:rPr lang="en-US" dirty="0">
+                <a:hlinkClick r:id="rId2"/>
+              </a:rPr>
+              <a:t>http://thesecretlivesofdata.com/raft/</a:t>
+            </a:r>
+            <a:endParaRPr lang="zh-CN" altLang="en-US" dirty="0"/>
           </a:p>
         </p:txBody>
       </p:sp>
@@ -12322,31 +12765,109 @@
           </p:nvPr>
         </p:nvSpPr>
         <p:spPr/>
+        <p:style>
+          <a:lnRef idx="2">
+            <a:schemeClr val="accent3">
+              <a:shade val="50000"/>
+            </a:schemeClr>
+          </a:lnRef>
+          <a:fillRef idx="1">
+            <a:schemeClr val="accent3"/>
+          </a:fillRef>
+          <a:effectRef idx="0">
+            <a:schemeClr val="accent3"/>
+          </a:effectRef>
+          <a:fontRef idx="minor">
+            <a:schemeClr val="lt1"/>
+          </a:fontRef>
+        </p:style>
         <p:txBody>
           <a:bodyPr/>
           <a:lstStyle/>
           <a:p>
             <a:r>
-              <a:rPr lang="en-US" altLang="zh-CN" smtClean="0"/>
-              <a:t> MDB</a:t>
-            </a:r>
-            <a:endParaRPr lang="zh-CN" altLang="en-US"/>
+              <a:rPr lang="en-US" altLang="zh-CN" dirty="0" smtClean="0"/>
+              <a:t>Raft </a:t>
+            </a:r>
+            <a:r>
+              <a:rPr lang="zh-CN" altLang="en-US" dirty="0" smtClean="0"/>
+              <a:t>演示</a:t>
+            </a:r>
+            <a:endParaRPr lang="zh-CN" altLang="en-US" dirty="0"/>
           </a:p>
         </p:txBody>
       </p:sp>
+      <p:pic>
+        <p:nvPicPr>
+          <p:cNvPr id="1026" name="Picture 2"/>
+          <p:cNvPicPr>
+            <a:picLocks noChangeAspect="1" noChangeArrowheads="1"/>
+          </p:cNvPicPr>
+          <p:nvPr/>
+        </p:nvPicPr>
+        <p:blipFill>
+          <a:blip r:embed="rId3"/>
+          <a:srcRect/>
+          <a:stretch>
+            <a:fillRect/>
+          </a:stretch>
+        </p:blipFill>
+        <p:spPr bwMode="auto">
+          <a:xfrm>
+            <a:off x="642910" y="1785932"/>
+            <a:ext cx="5981692" cy="2870892"/>
+          </a:xfrm>
+          <a:prstGeom prst="rect">
+            <a:avLst/>
+          </a:prstGeom>
+          <a:noFill/>
+          <a:ln w="9525">
+            <a:noFill/>
+            <a:miter lim="800000"/>
+            <a:headEnd/>
+            <a:tailEnd/>
+          </a:ln>
+          <a:effectLst/>
+        </p:spPr>
+      </p:pic>
+      <p:pic>
+        <p:nvPicPr>
+          <p:cNvPr id="5" name="Picture 2"/>
+          <p:cNvPicPr>
+            <a:picLocks noChangeAspect="1" noChangeArrowheads="1"/>
+          </p:cNvPicPr>
+          <p:nvPr/>
+        </p:nvPicPr>
+        <p:blipFill>
+          <a:blip r:embed="rId3"/>
+          <a:srcRect/>
+          <a:stretch>
+            <a:fillRect/>
+          </a:stretch>
+        </p:blipFill>
+        <p:spPr bwMode="auto">
+          <a:xfrm>
+            <a:off x="571472" y="1714494"/>
+            <a:ext cx="5981692" cy="2870892"/>
+          </a:xfrm>
+          <a:prstGeom prst="rect">
+            <a:avLst/>
+          </a:prstGeom>
+          <a:noFill/>
+          <a:ln w="9525">
+            <a:noFill/>
+            <a:miter lim="800000"/>
+            <a:headEnd/>
+            <a:tailEnd/>
+          </a:ln>
+          <a:effectLst/>
+        </p:spPr>
+      </p:pic>
     </p:spTree>
   </p:cSld>
   <p:clrMapOvr>
     <a:masterClrMapping/>
   </p:clrMapOvr>
-  <mc:AlternateContent xmlns:mc="http://schemas.openxmlformats.org/markup-compatibility/2006" xmlns:p14="http://schemas.microsoft.com/office/powerpoint/2010/main">
-    <mc:Choice Requires="p14">
-      <p:transition spd="slow" p14:dur="2000"/>
-    </mc:Choice>
-    <mc:Fallback xmlns="">
-      <p:transition spd="slow"/>
-    </mc:Fallback>
-  </mc:AlternateContent>
 </p:sld>
 </file>
 
@@ -12383,93 +12904,121 @@
           <a:lstStyle/>
           <a:p>
             <a:r>
-              <a:rPr lang="en-US" altLang="zh-CN">
-                <a:hlinkClick r:id="rId3"/>
-              </a:rPr>
-              <a:t>https://</a:t>
-            </a:r>
-            <a:r>
-              <a:rPr lang="en-US" altLang="zh-CN" err="1">
-                <a:hlinkClick r:id="rId3"/>
-              </a:rPr>
-              <a:t>wangcy6.github.io</a:t>
-            </a:r>
-            <a:r>
-              <a:rPr lang="en-US" altLang="zh-CN">
-                <a:hlinkClick r:id="rId3"/>
-              </a:rPr>
-              <a:t>/</a:t>
-            </a:r>
-            <a:r>
-              <a:rPr lang="en-US" altLang="zh-CN">
-                <a:hlinkClick r:id="rId4"/>
-              </a:rPr>
-              <a:t>/post/</a:t>
-            </a:r>
-            <a:r>
-              <a:rPr lang="en-US" altLang="zh-CN" err="1">
-                <a:hlinkClick r:id="rId4"/>
-              </a:rPr>
-              <a:t>DataBase</a:t>
-            </a:r>
-            <a:r>
-              <a:rPr lang="en-US" altLang="zh-CN">
-                <a:hlinkClick r:id="rId4"/>
-              </a:rPr>
-              <a:t>/</a:t>
-            </a:r>
-            <a:r>
-              <a:rPr lang="en-US" altLang="zh-CN" err="1">
-                <a:hlinkClick r:id="rId4"/>
-              </a:rPr>
-              <a:t>server_redis</a:t>
-            </a:r>
-            <a:r>
-              <a:rPr lang="en-US" altLang="zh-CN" smtClean="0">
-                <a:hlinkClick r:id="rId4"/>
-              </a:rPr>
-              <a:t>/</a:t>
-            </a:r>
-            <a:endParaRPr b="1"/>
-          </a:p>
-          <a:p>
-            <a:r>
-              <a:rPr lang="zh-CN" altLang="en-US" smtClean="0"/>
-              <a:t>释</a:t>
-            </a:r>
+              <a:rPr lang="en-US" altLang="zh-CN" smtClean="0"/>
+              <a:t>Slave</a:t>
+            </a:r>
+            <a:r>
+              <a:rPr smtClean="0"/>
+              <a:t>：</a:t>
+            </a:r>
+            <a:r>
+              <a:rPr altLang="en-US" smtClean="0"/>
+              <a:t>回滚失败怎么办？</a:t>
+            </a:r>
+            <a:r>
+              <a:rPr lang="en-US" altLang="en-US" smtClean="0"/>
+              <a:t>(</a:t>
+            </a:r>
+            <a:r>
+              <a:rPr altLang="en-US" smtClean="0"/>
+              <a:t>如果是业务问题肯定无法解决，过网络和主机问题可以</a:t>
+            </a:r>
+            <a:r>
+              <a:rPr lang="en-US" altLang="en-US" smtClean="0"/>
+              <a:t>)</a:t>
+            </a:r>
+          </a:p>
+          <a:p>
+            <a:r>
+              <a:rPr lang="en-US" altLang="zh-CN" err="1" smtClean="0"/>
+              <a:t>commIndex</a:t>
+            </a:r>
+            <a:r>
+              <a:rPr smtClean="0"/>
+              <a:t>如何界定</a:t>
+            </a:r>
+            <a:endParaRPr lang="en-US" smtClean="0"/>
+          </a:p>
+          <a:p>
             <a:r>
               <a:rPr lang="en-US" altLang="zh-CN"/>
-              <a:t>Redis</a:t>
-            </a:r>
-            <a:r>
-              <a:rPr lang="zh-CN" altLang="en-US"/>
-              <a:t>是单线程的，为什么能这么高</a:t>
-            </a:r>
-            <a:r>
-              <a:rPr lang="zh-CN" altLang="en-US" smtClean="0"/>
-              <a:t>效！</a:t>
-            </a:r>
-            <a:endParaRPr lang="en-US" altLang="zh-CN" smtClean="0"/>
-          </a:p>
-          <a:p>
+              <a:t>Leader </a:t>
+            </a:r>
+            <a:r>
+              <a:rPr/>
+              <a:t>全部</a:t>
+            </a:r>
+            <a:r>
+              <a:rPr lang="en-US" altLang="zh-CN"/>
+              <a:t>get </a:t>
+            </a:r>
+            <a:r>
+              <a:rPr lang="en-US" altLang="zh-CN" err="1" smtClean="0"/>
+              <a:t>commited</a:t>
+            </a:r>
             <a:r>
               <a:rPr lang="en-US" altLang="zh-CN" smtClean="0"/>
-              <a:t>whys-the-design-</a:t>
-            </a:r>
-            <a:r>
-              <a:rPr lang="en-US" altLang="zh-CN" err="1" smtClean="0"/>
-              <a:t>redis</a:t>
-            </a:r>
-            <a:r>
-              <a:rPr lang="en-US" altLang="zh-CN" smtClean="0"/>
-              <a:t>-single-thread</a:t>
-            </a:r>
-          </a:p>
-          <a:p>
-            <a:pPr marL="0" indent="0">
-              <a:buNone/>
-            </a:pPr>
-            <a:endParaRPr lang="en-US" altLang="zh-CN" smtClean="0"/>
+              <a:t> </a:t>
+            </a:r>
+            <a:r>
+              <a:rPr smtClean="0"/>
+              <a:t>，然后马上失败怎办？（一般， 特殊情 客户端再次查询）</a:t>
+            </a:r>
+            <a:endParaRPr lang="en-US" smtClean="0"/>
+          </a:p>
+          <a:p>
+            <a:r>
+              <a:rPr smtClean="0"/>
+              <a:t>这个地方一致是模糊地方，被问</a:t>
+            </a:r>
+            <a:r>
+              <a:rPr lang="en-US" smtClean="0"/>
+              <a:t>N</a:t>
+            </a:r>
+            <a:r>
+              <a:rPr smtClean="0"/>
+              <a:t>次，从来没有正确回复过</a:t>
+            </a:r>
+            <a:endParaRPr lang="en-US" smtClean="0"/>
+          </a:p>
+          <a:p>
+            <a:r>
+              <a:rPr lang="en-US" smtClean="0"/>
+              <a:t>(</a:t>
+            </a:r>
+            <a:r>
+              <a:rPr smtClean="0"/>
+              <a:t>客户端肯定失败，内部保持统一，需要客户端再次查询</a:t>
+            </a:r>
+            <a:r>
+              <a:rPr lang="en-US" smtClean="0"/>
+              <a:t>)</a:t>
+            </a:r>
+          </a:p>
+          <a:p>
+            <a:r>
+              <a:rPr/>
+              <a:t>服务</a:t>
+            </a:r>
+            <a:r>
+              <a:rPr smtClean="0"/>
+              <a:t>状态变化：</a:t>
+            </a:r>
+            <a:endParaRPr lang="en-US" smtClean="0"/>
+          </a:p>
+          <a:p>
+            <a:r>
+              <a:rPr smtClean="0"/>
+              <a:t>业务的数据变化</a:t>
+            </a:r>
+            <a:endParaRPr lang="en-US" smtClean="0"/>
+          </a:p>
+          <a:p>
+            <a:r>
+              <a:rPr smtClean="0"/>
+              <a:t>内存管理</a:t>
+            </a:r>
+            <a:endParaRPr/>
           </a:p>
           <a:p>
             <a:endParaRPr lang="zh-CN" altLang="en-US"/>
@@ -12493,15 +13042,7 @@
           <a:p>
             <a:r>
               <a:rPr lang="en-US" altLang="zh-CN" smtClean="0"/>
-              <a:t> </a:t>
-            </a:r>
-            <a:r>
-              <a:rPr lang="en-US" altLang="zh-CN" err="1" smtClean="0"/>
-              <a:t>redis</a:t>
-            </a:r>
-            <a:r>
-              <a:rPr lang="en-US" altLang="zh-CN" smtClean="0"/>
-              <a:t>-</a:t>
+              <a:t> MDB</a:t>
             </a:r>
             <a:endParaRPr lang="zh-CN" altLang="en-US"/>
           </a:p>
@@ -12512,21 +13053,14 @@
   <p:clrMapOvr>
     <a:masterClrMapping/>
   </p:clrMapOvr>
-  <mc:AlternateContent xmlns:mc="http://schemas.openxmlformats.org/markup-compatibility/2006" xmlns:p14="http://schemas.microsoft.com/office/powerpoint/2010/main">
-    <mc:Choice Requires="p14">
+  <mc:AlternateContent xmlns:mc="http://schemas.openxmlformats.org/markup-compatibility/2006">
+    <mc:Choice xmlns:p14="http://schemas.microsoft.com/office/powerpoint/2010/main" xmlns="" Requires="p14">
       <p:transition spd="slow" p14:dur="2000"/>
     </mc:Choice>
-    <mc:Fallback xmlns="">
+    <mc:Fallback>
       <p:transition spd="slow"/>
     </mc:Fallback>
   </mc:AlternateContent>
-  <p:timing>
-    <p:tnLst>
-      <p:par>
-        <p:cTn id="1" dur="indefinite" restart="never" nodeType="tmRoot"/>
-      </p:par>
-    </p:tnLst>
-  </p:timing>
 </p:sld>
 </file>
 
@@ -12538,7 +13072,7 @@
         <a:sysClr val="windowText" lastClr="000000"/>
       </a:dk1>
       <a:lt1>
-        <a:sysClr val="window" lastClr="CCE8CF"/>
+        <a:sysClr val="window" lastClr="FFFFFF"/>
       </a:lt1>
       <a:dk2>
         <a:srgbClr val="1F497D"/>
@@ -12862,7 +13396,7 @@
   <a:extraClrSchemeLst/>
   <a:extLst>
     <a:ext uri="{05A4C25C-085E-4340-85A3-A5531E510DB2}">
-      <thm15:themeFamily xmlns="" xmlns:thm15="http://schemas.microsoft.com/office/thememl/2012/main" name="Office Theme" id="{62F939B6-93AF-4DB8-9C6B-D6C7DFDC589F}" vid="{4A3C46E8-61CC-4603-A589-7422A47A8E4A}"/>
+      <thm15:themeFamily xmlns:thm15="http://schemas.microsoft.com/office/thememl/2012/main" xmlns="" name="Office Theme" id="{62F939B6-93AF-4DB8-9C6B-D6C7DFDC589F}" vid="{4A3C46E8-61CC-4603-A589-7422A47A8E4A}"/>
     </a:ext>
   </a:extLst>
 </a:theme>
@@ -12876,7 +13410,7 @@
         <a:sysClr val="windowText" lastClr="000000"/>
       </a:dk1>
       <a:lt1>
-        <a:sysClr val="window" lastClr="CCE8CF"/>
+        <a:sysClr val="window" lastClr="FFFFFF"/>
       </a:lt1>
       <a:dk2>
         <a:srgbClr val="44546A"/>
@@ -13123,7 +13657,7 @@
   <a:extraClrSchemeLst/>
   <a:extLst>
     <a:ext uri="{05A4C25C-085E-4340-85A3-A5531E510DB2}">
-      <thm15:themeFamily xmlns="" xmlns:thm15="http://schemas.microsoft.com/office/thememl/2012/main" name="Office Theme" id="{62F939B6-93AF-4DB8-9C6B-D6C7DFDC589F}" vid="{4A3C46E8-61CC-4603-A589-7422A47A8E4A}"/>
+      <thm15:themeFamily xmlns:thm15="http://schemas.microsoft.com/office/thememl/2012/main" xmlns="" name="Office Theme" id="{62F939B6-93AF-4DB8-9C6B-D6C7DFDC589F}" vid="{4A3C46E8-61CC-4603-A589-7422A47A8E4A}"/>
     </a:ext>
   </a:extLst>
 </a:theme>
@@ -13137,7 +13671,7 @@
         <a:sysClr val="windowText" lastClr="000000"/>
       </a:dk1>
       <a:lt1>
-        <a:sysClr val="window" lastClr="CCE8CF"/>
+        <a:sysClr val="window" lastClr="FFFFFF"/>
       </a:lt1>
       <a:dk2>
         <a:srgbClr val="1F497D"/>
@@ -13448,7 +13982,7 @@
   <a:extraClrSchemeLst/>
   <a:extLst>
     <a:ext uri="{05A4C25C-085E-4340-85A3-A5531E510DB2}">
-      <thm15:themeFamily xmlns="" xmlns:thm15="http://schemas.microsoft.com/office/thememl/2012/main" name="Office Theme" id="{62F939B6-93AF-4DB8-9C6B-D6C7DFDC589F}" vid="{4A3C46E8-61CC-4603-A589-7422A47A8E4A}"/>
+      <thm15:themeFamily xmlns:thm15="http://schemas.microsoft.com/office/thememl/2012/main" xmlns="" name="Office Theme" id="{62F939B6-93AF-4DB8-9C6B-D6C7DFDC589F}" vid="{4A3C46E8-61CC-4603-A589-7422A47A8E4A}"/>
     </a:ext>
   </a:extLst>
 </a:theme>

--- a/ppt/2020/服务器设计_组件篇.pptx
+++ b/ppt/2020/服务器设计_组件篇.pptx
@@ -216,7 +216,7 @@
           <a:p>
             <a:fld id="{5F920F0F-0E56-2B45-B1BF-268524318682}" type="datetimeFigureOut">
               <a:rPr kumimoji="1" lang="zh-CN" altLang="en-US" smtClean="0"/>
-              <a:t>2020/3/22</a:t>
+              <a:t>2020/4/21</a:t>
             </a:fld>
             <a:endParaRPr kumimoji="1" lang="zh-CN" altLang="en-US"/>
           </a:p>
@@ -382,7 +382,7 @@
           <a:p>
             <a:fld id="{FB86081A-1E41-D34E-AC33-11FD77CCCD8D}" type="datetimeFigureOut">
               <a:rPr kumimoji="1" lang="zh-CN" altLang="en-US" smtClean="0"/>
-              <a:t>2020/3/22</a:t>
+              <a:t>2020/4/21</a:t>
             </a:fld>
             <a:endParaRPr kumimoji="1" lang="zh-CN" altLang="en-US"/>
           </a:p>
@@ -1308,15 +1308,7 @@
             </a:r>
             <a:r>
               <a:rPr lang="en-US" altLang="zh-CN" smtClean="0"/>
-              <a:t>4) </a:t>
-            </a:r>
-            <a:r>
-              <a:rPr lang="en-US" altLang="zh-CN" smtClean="0"/>
-              <a:t>1 The </a:t>
-            </a:r>
-            <a:r>
-              <a:rPr lang="en-US" altLang="zh-CN" smtClean="0"/>
-              <a:t>parent will trap the exit code, if it's OK, will append the</a:t>
+              <a:t>4) 1 The parent will trap the exit code, if it's OK, will append the</a:t>
             </a:r>
           </a:p>
           <a:p>
@@ -2159,19 +2151,7 @@
               <a:rPr lang="en-US" altLang="zh-CN" smtClean="0">
                 <a:hlinkClick r:id="rId5"/>
               </a:rPr>
-              <a:t>https</a:t>
-            </a:r>
-            <a:r>
-              <a:rPr lang="en-US" altLang="zh-CN" smtClean="0">
-                <a:hlinkClick r:id="rId5"/>
-              </a:rPr>
-              <a:t>://</a:t>
-            </a:r>
-            <a:r>
-              <a:rPr lang="en-US" altLang="zh-CN" smtClean="0">
-                <a:hlinkClick r:id="rId5"/>
-              </a:rPr>
-              <a:t>github.com/spotahome/redis-operator/issues/118</a:t>
+              <a:t>https://github.com/spotahome/redis-operator/issues/118</a:t>
             </a:r>
             <a:endParaRPr lang="en-US" altLang="zh-CN" smtClean="0"/>
           </a:p>
@@ -5524,7 +5504,7 @@
           <a:p>
             <a:fld id="{7BC3C6E0-25AE-8A44-A617-CADD813DE539}" type="datetime1">
               <a:rPr lang="zh-CN" altLang="en-US" smtClean="0"/>
-              <a:t>2020/3/22</a:t>
+              <a:t>2020/4/21</a:t>
             </a:fld>
             <a:endParaRPr lang="zh-CN" altLang="en-US"/>
           </a:p>
@@ -5933,7 +5913,7 @@
           <a:p>
             <a:fld id="{B8DE94C4-0AC0-E74D-83DE-D1778C094258}" type="datetime1">
               <a:rPr lang="zh-CN" altLang="en-US" smtClean="0"/>
-              <a:t>2020/3/22</a:t>
+              <a:t>2020/4/21</a:t>
             </a:fld>
             <a:endParaRPr lang="zh-CN" altLang="en-US"/>
           </a:p>
@@ -9857,11 +9837,7 @@
             </a:r>
             <a:r>
               <a:rPr lang="en-US" altLang="zh-CN" sz="2000" smtClean="0"/>
-              <a:t>(</a:t>
-            </a:r>
-            <a:r>
-              <a:rPr lang="en-US" altLang="zh-CN" sz="2000" smtClean="0"/>
-              <a:t>2)</a:t>
+              <a:t>(2)</a:t>
             </a:r>
             <a:endParaRPr lang="zh-CN" altLang="en-US" sz="2000"/>
           </a:p>
@@ -10747,11 +10723,6 @@
               </a:rPr>
               <a:t>CAP</a:t>
             </a:r>
-            <a:endParaRPr lang="en-US" altLang="zh-CN" smtClean="0">
-              <a:solidFill>
-                <a:srgbClr val="FF0000"/>
-              </a:solidFill>
-            </a:endParaRPr>
           </a:p>
         </p:txBody>
       </p:sp>
@@ -10806,11 +10777,7 @@
             </a:r>
             <a:r>
               <a:rPr lang="en-US" altLang="zh-CN" smtClean="0"/>
-              <a:t> </a:t>
-            </a:r>
-            <a:r>
-              <a:rPr lang="en-US" altLang="zh-CN" smtClean="0"/>
-              <a:t>(3)</a:t>
+              <a:t> (3)</a:t>
             </a:r>
             <a:endParaRPr lang="zh-CN" altLang="en-US"/>
           </a:p>
@@ -13517,7 +13484,7 @@
   <a:extraClrSchemeLst/>
   <a:extLst>
     <a:ext uri="{05A4C25C-085E-4340-85A3-A5531E510DB2}">
-      <thm15:themeFamily xmlns:thm15="http://schemas.microsoft.com/office/thememl/2012/main" xmlns="" name="Office Theme" id="{62F939B6-93AF-4DB8-9C6B-D6C7DFDC589F}" vid="{4A3C46E8-61CC-4603-A589-7422A47A8E4A}"/>
+      <thm15:themeFamily xmlns="" xmlns:thm15="http://schemas.microsoft.com/office/thememl/2012/main" name="Office Theme" id="{62F939B6-93AF-4DB8-9C6B-D6C7DFDC589F}" vid="{4A3C46E8-61CC-4603-A589-7422A47A8E4A}"/>
     </a:ext>
   </a:extLst>
 </a:theme>
@@ -13778,7 +13745,7 @@
   <a:extraClrSchemeLst/>
   <a:extLst>
     <a:ext uri="{05A4C25C-085E-4340-85A3-A5531E510DB2}">
-      <thm15:themeFamily xmlns:thm15="http://schemas.microsoft.com/office/thememl/2012/main" xmlns="" name="Office Theme" id="{62F939B6-93AF-4DB8-9C6B-D6C7DFDC589F}" vid="{4A3C46E8-61CC-4603-A589-7422A47A8E4A}"/>
+      <thm15:themeFamily xmlns="" xmlns:thm15="http://schemas.microsoft.com/office/thememl/2012/main" name="Office Theme" id="{62F939B6-93AF-4DB8-9C6B-D6C7DFDC589F}" vid="{4A3C46E8-61CC-4603-A589-7422A47A8E4A}"/>
     </a:ext>
   </a:extLst>
 </a:theme>
@@ -14103,7 +14070,7 @@
   <a:extraClrSchemeLst/>
   <a:extLst>
     <a:ext uri="{05A4C25C-085E-4340-85A3-A5531E510DB2}">
-      <thm15:themeFamily xmlns:thm15="http://schemas.microsoft.com/office/thememl/2012/main" xmlns="" name="Office Theme" id="{62F939B6-93AF-4DB8-9C6B-D6C7DFDC589F}" vid="{4A3C46E8-61CC-4603-A589-7422A47A8E4A}"/>
+      <thm15:themeFamily xmlns="" xmlns:thm15="http://schemas.microsoft.com/office/thememl/2012/main" name="Office Theme" id="{62F939B6-93AF-4DB8-9C6B-D6C7DFDC589F}" vid="{4A3C46E8-61CC-4603-A589-7422A47A8E4A}"/>
     </a:ext>
   </a:extLst>
 </a:theme>

--- a/ppt/2020/服务器设计_组件篇.pptx
+++ b/ppt/2020/服务器设计_组件篇.pptx
@@ -5,10 +5,10 @@
     <p:sldMasterId id="2147483648" r:id="rId1"/>
   </p:sldMasterIdLst>
   <p:notesMasterIdLst>
-    <p:notesMasterId r:id="rId24"/>
+    <p:notesMasterId r:id="rId25"/>
   </p:notesMasterIdLst>
   <p:handoutMasterIdLst>
-    <p:handoutMasterId r:id="rId25"/>
+    <p:handoutMasterId r:id="rId26"/>
   </p:handoutMasterIdLst>
   <p:sldIdLst>
     <p:sldId id="274" r:id="rId2"/>
@@ -31,8 +31,9 @@
     <p:sldId id="294" r:id="rId19"/>
     <p:sldId id="295" r:id="rId20"/>
     <p:sldId id="293" r:id="rId21"/>
-    <p:sldId id="298" r:id="rId22"/>
-    <p:sldId id="281" r:id="rId23"/>
+    <p:sldId id="299" r:id="rId22"/>
+    <p:sldId id="300" r:id="rId23"/>
+    <p:sldId id="281" r:id="rId24"/>
   </p:sldIdLst>
   <p:sldSz cx="9144000" cy="5143500" type="screen16x9"/>
   <p:notesSz cx="6858000" cy="9144000"/>
@@ -216,7 +217,8 @@
           <a:p>
             <a:fld id="{5F920F0F-0E56-2B45-B1BF-268524318682}" type="datetimeFigureOut">
               <a:rPr kumimoji="1" lang="zh-CN" altLang="en-US" smtClean="0"/>
-              <a:t>2020/3/22</a:t>
+              <a:pPr/>
+              <a:t>2020/4/21</a:t>
             </a:fld>
             <a:endParaRPr kumimoji="1" lang="zh-CN" altLang="en-US"/>
           </a:p>
@@ -282,6 +284,7 @@
           <a:p>
             <a:fld id="{DE1A26BA-2BD7-424D-9E31-04AA10F01EFC}" type="slidenum">
               <a:rPr kumimoji="1" lang="zh-CN" altLang="en-US" smtClean="0"/>
+              <a:pPr/>
               <a:t>‹#›</a:t>
             </a:fld>
             <a:endParaRPr kumimoji="1" lang="zh-CN" altLang="en-US"/>
@@ -291,7 +294,7 @@
     </p:spTree>
     <p:extLst>
       <p:ext uri="{BB962C8B-B14F-4D97-AF65-F5344CB8AC3E}">
-        <p14:creationId xmlns:p14="http://schemas.microsoft.com/office/powerpoint/2010/main" val="4176984933"/>
+        <p14:creationId xmlns:p14="http://schemas.microsoft.com/office/powerpoint/2010/main" xmlns="" val="4176984933"/>
       </p:ext>
     </p:extLst>
   </p:cSld>
@@ -382,7 +385,8 @@
           <a:p>
             <a:fld id="{FB86081A-1E41-D34E-AC33-11FD77CCCD8D}" type="datetimeFigureOut">
               <a:rPr kumimoji="1" lang="zh-CN" altLang="en-US" smtClean="0"/>
-              <a:t>2020/3/22</a:t>
+              <a:pPr/>
+              <a:t>2020/4/21</a:t>
             </a:fld>
             <a:endParaRPr kumimoji="1" lang="zh-CN" altLang="en-US"/>
           </a:p>
@@ -541,6 +545,7 @@
           <a:p>
             <a:fld id="{8AF453D5-9B32-8F40-BF12-CF5772967439}" type="slidenum">
               <a:rPr kumimoji="1" lang="zh-CN" altLang="en-US" smtClean="0"/>
+              <a:pPr/>
               <a:t>‹#›</a:t>
             </a:fld>
             <a:endParaRPr kumimoji="1" lang="zh-CN" altLang="en-US"/>
@@ -550,7 +555,7 @@
     </p:spTree>
     <p:extLst>
       <p:ext uri="{BB962C8B-B14F-4D97-AF65-F5344CB8AC3E}">
-        <p14:creationId xmlns:p14="http://schemas.microsoft.com/office/powerpoint/2010/main" val="3264454653"/>
+        <p14:creationId xmlns:p14="http://schemas.microsoft.com/office/powerpoint/2010/main" xmlns="" val="3264454653"/>
       </p:ext>
     </p:extLst>
   </p:cSld>
@@ -826,6 +831,7 @@
           <a:p>
             <a:fld id="{8AF453D5-9B32-8F40-BF12-CF5772967439}" type="slidenum">
               <a:rPr kumimoji="1" lang="zh-CN" altLang="en-US" smtClean="0"/>
+              <a:pPr/>
               <a:t>2</a:t>
             </a:fld>
             <a:endParaRPr kumimoji="1" lang="zh-CN" altLang="en-US"/>
@@ -885,68 +891,88 @@
           <a:lstStyle/>
           <a:p>
             <a:r>
-              <a:rPr lang="zh-CN" altLang="en-US" smtClean="0"/>
+              <a:rPr lang="zh-CN" altLang="en-US" dirty="0" smtClean="0"/>
               <a:t>将 </a:t>
             </a:r>
             <a:r>
-              <a:rPr lang="en-US" altLang="zh-CN" smtClean="0"/>
+              <a:rPr lang="en-US" altLang="zh-CN" dirty="0" smtClean="0"/>
               <a:t>AOF </a:t>
             </a:r>
             <a:r>
-              <a:rPr lang="zh-CN" altLang="en-US" smtClean="0"/>
+              <a:rPr lang="zh-CN" altLang="en-US" dirty="0" smtClean="0"/>
               <a:t>缓存写入到文件中</a:t>
             </a:r>
-            <a:endParaRPr lang="en-US" altLang="zh-CN" smtClean="0"/>
-          </a:p>
-          <a:p>
-            <a:endParaRPr lang="en-US" altLang="zh-CN" smtClean="0"/>
-          </a:p>
-          <a:p>
-            <a:endParaRPr lang="en-US" altLang="zh-CN" smtClean="0"/>
-          </a:p>
-          <a:p>
-            <a:r>
-              <a:rPr lang="en-US" altLang="zh-CN" smtClean="0"/>
+            <a:endParaRPr lang="en-US" altLang="zh-CN" dirty="0" smtClean="0"/>
+          </a:p>
+          <a:p>
+            <a:endParaRPr lang="en-US" altLang="zh-CN" dirty="0" smtClean="0"/>
+          </a:p>
+          <a:p>
+            <a:endParaRPr lang="en-US" altLang="zh-CN" dirty="0" smtClean="0"/>
+          </a:p>
+          <a:p>
+            <a:r>
+              <a:rPr lang="en-US" altLang="zh-CN" dirty="0" smtClean="0"/>
               <a:t>/ AOF </a:t>
             </a:r>
             <a:r>
-              <a:rPr lang="zh-CN" altLang="en-US" smtClean="0"/>
+              <a:rPr lang="zh-CN" altLang="en-US" dirty="0" smtClean="0"/>
               <a:t>重写缓存链表，链接着多个缓存块</a:t>
             </a:r>
           </a:p>
           <a:p>
             <a:r>
-              <a:rPr lang="zh-CN" altLang="en-US" smtClean="0"/>
+              <a:rPr lang="zh-CN" altLang="en-US" dirty="0" smtClean="0"/>
               <a:t>    </a:t>
             </a:r>
             <a:r>
-              <a:rPr lang="en-US" altLang="zh-CN" smtClean="0"/>
-              <a:t>list *aof_rewrite_buf_blocks;   /* Hold changes during an AOF rewrite. */</a:t>
-            </a:r>
-          </a:p>
-          <a:p>
-            <a:endParaRPr lang="en-US" altLang="zh-CN" smtClean="0"/>
-          </a:p>
-          <a:p>
-            <a:r>
-              <a:rPr lang="en-US" altLang="zh-CN" smtClean="0"/>
+              <a:rPr lang="en-US" altLang="zh-CN" dirty="0" smtClean="0"/>
+              <a:t>list *</a:t>
+            </a:r>
+            <a:r>
+              <a:rPr lang="en-US" altLang="zh-CN" dirty="0" err="1" smtClean="0"/>
+              <a:t>aof_rewrite_buf_blocks</a:t>
+            </a:r>
+            <a:r>
+              <a:rPr lang="en-US" altLang="zh-CN" dirty="0" smtClean="0"/>
+              <a:t>;   /* Hold changes during an AOF rewrite. */</a:t>
+            </a:r>
+          </a:p>
+          <a:p>
+            <a:endParaRPr lang="en-US" altLang="zh-CN" dirty="0" smtClean="0"/>
+          </a:p>
+          <a:p>
+            <a:r>
+              <a:rPr lang="en-US" altLang="zh-CN" dirty="0" smtClean="0"/>
               <a:t>    // AOF </a:t>
             </a:r>
             <a:r>
-              <a:rPr lang="zh-CN" altLang="en-US" smtClean="0"/>
+              <a:rPr lang="zh-CN" altLang="en-US" dirty="0" smtClean="0"/>
               <a:t>缓冲区</a:t>
             </a:r>
           </a:p>
           <a:p>
             <a:r>
-              <a:rPr lang="zh-CN" altLang="en-US" smtClean="0"/>
+              <a:rPr lang="zh-CN" altLang="en-US" dirty="0" smtClean="0"/>
               <a:t>    </a:t>
             </a:r>
             <a:r>
-              <a:rPr lang="en-US" altLang="zh-CN" smtClean="0"/>
-              <a:t>sds aof_buf;      /* AOF buffer, written before entering the event loop */</a:t>
-            </a:r>
-            <a:endParaRPr lang="zh-CN" altLang="en-US"/>
+              <a:rPr lang="en-US" altLang="zh-CN" dirty="0" err="1" smtClean="0"/>
+              <a:t>sds</a:t>
+            </a:r>
+            <a:r>
+              <a:rPr lang="en-US" altLang="zh-CN" dirty="0" smtClean="0"/>
+              <a:t> </a:t>
+            </a:r>
+            <a:r>
+              <a:rPr lang="en-US" altLang="zh-CN" dirty="0" err="1" smtClean="0"/>
+              <a:t>aof_buf</a:t>
+            </a:r>
+            <a:r>
+              <a:rPr lang="en-US" altLang="zh-CN" dirty="0" smtClean="0"/>
+              <a:t>;      /* AOF buffer, written before entering the event loop */</a:t>
+            </a:r>
+            <a:endParaRPr lang="zh-CN" altLang="en-US" dirty="0"/>
           </a:p>
         </p:txBody>
       </p:sp>
@@ -967,6 +993,7 @@
           <a:p>
             <a:fld id="{8AF453D5-9B32-8F40-BF12-CF5772967439}" type="slidenum">
               <a:rPr kumimoji="1" lang="zh-CN" altLang="en-US" smtClean="0"/>
+              <a:pPr/>
               <a:t>12</a:t>
             </a:fld>
             <a:endParaRPr kumimoji="1" lang="zh-CN" altLang="en-US"/>
@@ -976,7 +1003,7 @@
     </p:spTree>
     <p:extLst>
       <p:ext uri="{BB962C8B-B14F-4D97-AF65-F5344CB8AC3E}">
-        <p14:creationId xmlns:p14="http://schemas.microsoft.com/office/powerpoint/2010/main" val="1587342960"/>
+        <p14:creationId xmlns:p14="http://schemas.microsoft.com/office/powerpoint/2010/main" xmlns="" val="1587342960"/>
       </p:ext>
     </p:extLst>
   </p:cSld>
@@ -1308,15 +1335,7 @@
             </a:r>
             <a:r>
               <a:rPr lang="en-US" altLang="zh-CN" smtClean="0"/>
-              <a:t>4) </a:t>
-            </a:r>
-            <a:r>
-              <a:rPr lang="en-US" altLang="zh-CN" smtClean="0"/>
-              <a:t>1 The </a:t>
-            </a:r>
-            <a:r>
-              <a:rPr lang="en-US" altLang="zh-CN" smtClean="0"/>
-              <a:t>parent will trap the exit code, if it's OK, will append the</a:t>
+              <a:t>4) 1 The parent will trap the exit code, if it's OK, will append the</a:t>
             </a:r>
           </a:p>
           <a:p>
@@ -1522,6 +1541,7 @@
           <a:p>
             <a:fld id="{8AF453D5-9B32-8F40-BF12-CF5772967439}" type="slidenum">
               <a:rPr kumimoji="1" lang="zh-CN" altLang="en-US" smtClean="0"/>
+              <a:pPr/>
               <a:t>13</a:t>
             </a:fld>
             <a:endParaRPr kumimoji="1" lang="zh-CN" altLang="en-US"/>
@@ -1531,7 +1551,7 @@
     </p:spTree>
     <p:extLst>
       <p:ext uri="{BB962C8B-B14F-4D97-AF65-F5344CB8AC3E}">
-        <p14:creationId xmlns:p14="http://schemas.microsoft.com/office/powerpoint/2010/main" val="18662629"/>
+        <p14:creationId xmlns:p14="http://schemas.microsoft.com/office/powerpoint/2010/main" xmlns="" val="18662629"/>
       </p:ext>
     </p:extLst>
   </p:cSld>
@@ -1900,6 +1920,7 @@
           <a:p>
             <a:fld id="{8AF453D5-9B32-8F40-BF12-CF5772967439}" type="slidenum">
               <a:rPr kumimoji="1" lang="zh-CN" altLang="en-US" smtClean="0"/>
+              <a:pPr/>
               <a:t>14</a:t>
             </a:fld>
             <a:endParaRPr kumimoji="1" lang="zh-CN" altLang="en-US"/>
@@ -1909,7 +1930,7 @@
     </p:spTree>
     <p:extLst>
       <p:ext uri="{BB962C8B-B14F-4D97-AF65-F5344CB8AC3E}">
-        <p14:creationId xmlns:p14="http://schemas.microsoft.com/office/powerpoint/2010/main" val="537998496"/>
+        <p14:creationId xmlns:p14="http://schemas.microsoft.com/office/powerpoint/2010/main" xmlns="" val="537998496"/>
       </p:ext>
     </p:extLst>
   </p:cSld>
@@ -2069,6 +2090,7 @@
           <a:p>
             <a:fld id="{8AF453D5-9B32-8F40-BF12-CF5772967439}" type="slidenum">
               <a:rPr kumimoji="1" lang="zh-CN" altLang="en-US" smtClean="0"/>
+              <a:pPr/>
               <a:t>15</a:t>
             </a:fld>
             <a:endParaRPr kumimoji="1" lang="zh-CN" altLang="en-US"/>
@@ -2078,7 +2100,7 @@
     </p:spTree>
     <p:extLst>
       <p:ext uri="{BB962C8B-B14F-4D97-AF65-F5344CB8AC3E}">
-        <p14:creationId xmlns:p14="http://schemas.microsoft.com/office/powerpoint/2010/main" val="1947671427"/>
+        <p14:creationId xmlns:p14="http://schemas.microsoft.com/office/powerpoint/2010/main" xmlns="" val="1947671427"/>
       </p:ext>
     </p:extLst>
   </p:cSld>
@@ -2159,19 +2181,7 @@
               <a:rPr lang="en-US" altLang="zh-CN" smtClean="0">
                 <a:hlinkClick r:id="rId5"/>
               </a:rPr>
-              <a:t>https</a:t>
-            </a:r>
-            <a:r>
-              <a:rPr lang="en-US" altLang="zh-CN" smtClean="0">
-                <a:hlinkClick r:id="rId5"/>
-              </a:rPr>
-              <a:t>://</a:t>
-            </a:r>
-            <a:r>
-              <a:rPr lang="en-US" altLang="zh-CN" smtClean="0">
-                <a:hlinkClick r:id="rId5"/>
-              </a:rPr>
-              <a:t>github.com/spotahome/redis-operator/issues/118</a:t>
+              <a:t>https://github.com/spotahome/redis-operator/issues/118</a:t>
             </a:r>
             <a:endParaRPr lang="en-US" altLang="zh-CN" smtClean="0"/>
           </a:p>
@@ -2222,6 +2232,7 @@
           <a:p>
             <a:fld id="{8AF453D5-9B32-8F40-BF12-CF5772967439}" type="slidenum">
               <a:rPr kumimoji="1" lang="zh-CN" altLang="en-US" smtClean="0"/>
+              <a:pPr/>
               <a:t>16</a:t>
             </a:fld>
             <a:endParaRPr kumimoji="1" lang="zh-CN" altLang="en-US"/>
@@ -2231,7 +2242,7 @@
     </p:spTree>
     <p:extLst>
       <p:ext uri="{BB962C8B-B14F-4D97-AF65-F5344CB8AC3E}">
-        <p14:creationId xmlns:p14="http://schemas.microsoft.com/office/powerpoint/2010/main" val="3856187530"/>
+        <p14:creationId xmlns:p14="http://schemas.microsoft.com/office/powerpoint/2010/main" xmlns="" val="3856187530"/>
       </p:ext>
     </p:extLst>
   </p:cSld>
@@ -2391,6 +2402,7 @@
           <a:p>
             <a:fld id="{8AF453D5-9B32-8F40-BF12-CF5772967439}" type="slidenum">
               <a:rPr kumimoji="1" lang="zh-CN" altLang="en-US" smtClean="0"/>
+              <a:pPr/>
               <a:t>17</a:t>
             </a:fld>
             <a:endParaRPr kumimoji="1" lang="zh-CN" altLang="en-US"/>
@@ -2400,9 +2412,129 @@
     </p:spTree>
     <p:extLst>
       <p:ext uri="{BB962C8B-B14F-4D97-AF65-F5344CB8AC3E}">
-        <p14:creationId xmlns:p14="http://schemas.microsoft.com/office/powerpoint/2010/main" val="4049119720"/>
+        <p14:creationId xmlns:p14="http://schemas.microsoft.com/office/powerpoint/2010/main" xmlns="" val="4049119720"/>
       </p:ext>
     </p:extLst>
+  </p:cSld>
+  <p:clrMapOvr>
+    <a:masterClrMapping/>
+  </p:clrMapOvr>
+</p:notes>
+</file>
+
+<file path=ppt/notesSlides/notesSlide16.xml><?xml version="1.0" encoding="utf-8"?>
+<p:notes xmlns:a="http://schemas.openxmlformats.org/drawingml/2006/main" xmlns:r="http://schemas.openxmlformats.org/officeDocument/2006/relationships" xmlns:p="http://schemas.openxmlformats.org/presentationml/2006/main">
+  <p:cSld>
+    <p:spTree>
+      <p:nvGrpSpPr>
+        <p:cNvPr id="1" name=""/>
+        <p:cNvGrpSpPr/>
+        <p:nvPr/>
+      </p:nvGrpSpPr>
+      <p:grpSpPr>
+        <a:xfrm>
+          <a:off x="0" y="0"/>
+          <a:ext cx="0" cy="0"/>
+          <a:chOff x="0" y="0"/>
+          <a:chExt cx="0" cy="0"/>
+        </a:xfrm>
+      </p:grpSpPr>
+      <p:sp>
+        <p:nvSpPr>
+          <p:cNvPr id="2" name="幻灯片图像占位符 1"/>
+          <p:cNvSpPr>
+            <a:spLocks noGrp="1" noRot="1" noChangeAspect="1"/>
+          </p:cNvSpPr>
+          <p:nvPr>
+            <p:ph type="sldImg"/>
+          </p:nvPr>
+        </p:nvSpPr>
+        <p:spPr/>
+      </p:sp>
+      <p:sp>
+        <p:nvSpPr>
+          <p:cNvPr id="3" name="备注占位符 2"/>
+          <p:cNvSpPr>
+            <a:spLocks noGrp="1"/>
+          </p:cNvSpPr>
+          <p:nvPr>
+            <p:ph type="body" idx="1"/>
+          </p:nvPr>
+        </p:nvSpPr>
+        <p:spPr/>
+        <p:txBody>
+          <a:bodyPr>
+            <a:normAutofit/>
+          </a:bodyPr>
+          <a:lstStyle/>
+          <a:p>
+            <a:r>
+              <a:rPr lang="zh-CN" altLang="en-US" dirty="0" smtClean="0"/>
+              <a:t>开始时间：</a:t>
+            </a:r>
+            <a:r>
+              <a:rPr lang="en-US" altLang="zh-CN" dirty="0" smtClean="0"/>
+              <a:t>2020-4-21</a:t>
+            </a:r>
+            <a:r>
+              <a:rPr lang="zh-CN" altLang="en-US" dirty="0" smtClean="0"/>
+              <a:t>：</a:t>
+            </a:r>
+            <a:r>
+              <a:rPr lang="en-US" altLang="zh-CN" dirty="0" smtClean="0"/>
+              <a:t>18</a:t>
+            </a:r>
+            <a:r>
+              <a:rPr lang="zh-CN" altLang="en-US" dirty="0" smtClean="0"/>
+              <a:t>：</a:t>
+            </a:r>
+            <a:r>
+              <a:rPr lang="en-US" altLang="zh-CN" dirty="0" smtClean="0"/>
+              <a:t>12</a:t>
+            </a:r>
+          </a:p>
+          <a:p>
+            <a:r>
+              <a:rPr lang="en-US" altLang="zh-CN" dirty="0" smtClean="0"/>
+              <a:t>-</a:t>
+            </a:r>
+            <a:r>
+              <a:rPr lang="en-US" altLang="zh-CN" baseline="0" dirty="0" smtClean="0"/>
+              <a:t> </a:t>
+            </a:r>
+            <a:r>
+              <a:rPr lang="zh-CN" altLang="en-US" baseline="0" smtClean="0"/>
+              <a:t>脑子根本没有这个概念。</a:t>
+            </a:r>
+            <a:endParaRPr lang="zh-CN" altLang="en-US" dirty="0"/>
+          </a:p>
+        </p:txBody>
+      </p:sp>
+      <p:sp>
+        <p:nvSpPr>
+          <p:cNvPr id="4" name="灯片编号占位符 3"/>
+          <p:cNvSpPr>
+            <a:spLocks noGrp="1"/>
+          </p:cNvSpPr>
+          <p:nvPr>
+            <p:ph type="sldNum" sz="quarter" idx="10"/>
+          </p:nvPr>
+        </p:nvSpPr>
+        <p:spPr/>
+        <p:txBody>
+          <a:bodyPr/>
+          <a:lstStyle/>
+          <a:p>
+            <a:fld id="{8AF453D5-9B32-8F40-BF12-CF5772967439}" type="slidenum">
+              <a:rPr kumimoji="1" lang="zh-CN" altLang="en-US" smtClean="0"/>
+              <a:pPr/>
+              <a:t>20</a:t>
+            </a:fld>
+            <a:endParaRPr kumimoji="1" lang="zh-CN" altLang="en-US"/>
+          </a:p>
+        </p:txBody>
+      </p:sp>
+    </p:spTree>
   </p:cSld>
   <p:clrMapOvr>
     <a:masterClrMapping/>
@@ -2529,6 +2661,7 @@
           <a:p>
             <a:fld id="{8AF453D5-9B32-8F40-BF12-CF5772967439}" type="slidenum">
               <a:rPr kumimoji="1" lang="zh-CN" altLang="en-US" smtClean="0"/>
+              <a:pPr/>
               <a:t>3</a:t>
             </a:fld>
             <a:endParaRPr kumimoji="1" lang="zh-CN" altLang="en-US"/>
@@ -2610,6 +2743,7 @@
           <a:p>
             <a:fld id="{8AF453D5-9B32-8F40-BF12-CF5772967439}" type="slidenum">
               <a:rPr kumimoji="1" lang="zh-CN" altLang="en-US" smtClean="0"/>
+              <a:pPr/>
               <a:t>4</a:t>
             </a:fld>
             <a:endParaRPr kumimoji="1" lang="zh-CN" altLang="en-US"/>
@@ -2729,6 +2863,7 @@
           <a:p>
             <a:fld id="{8AF453D5-9B32-8F40-BF12-CF5772967439}" type="slidenum">
               <a:rPr kumimoji="1" lang="zh-CN" altLang="en-US" smtClean="0"/>
+              <a:pPr/>
               <a:t>5</a:t>
             </a:fld>
             <a:endParaRPr kumimoji="1" lang="zh-CN" altLang="en-US"/>
@@ -2816,6 +2951,7 @@
           <a:p>
             <a:fld id="{8AF453D5-9B32-8F40-BF12-CF5772967439}" type="slidenum">
               <a:rPr kumimoji="1" lang="zh-CN" altLang="en-US" smtClean="0"/>
+              <a:pPr/>
               <a:t>6</a:t>
             </a:fld>
             <a:endParaRPr kumimoji="1" lang="zh-CN" altLang="en-US"/>
@@ -3102,6 +3238,7 @@
           <a:p>
             <a:fld id="{8AF453D5-9B32-8F40-BF12-CF5772967439}" type="slidenum">
               <a:rPr kumimoji="1" lang="zh-CN" altLang="en-US" smtClean="0"/>
+              <a:pPr/>
               <a:t>8</a:t>
             </a:fld>
             <a:endParaRPr kumimoji="1" lang="zh-CN" altLang="en-US"/>
@@ -3245,6 +3382,7 @@
           <a:p>
             <a:fld id="{8AF453D5-9B32-8F40-BF12-CF5772967439}" type="slidenum">
               <a:rPr kumimoji="1" lang="zh-CN" altLang="en-US" smtClean="0"/>
+              <a:pPr/>
               <a:t>9</a:t>
             </a:fld>
             <a:endParaRPr kumimoji="1" lang="zh-CN" altLang="en-US"/>
@@ -3493,6 +3631,7 @@
           <a:p>
             <a:fld id="{8AF453D5-9B32-8F40-BF12-CF5772967439}" type="slidenum">
               <a:rPr kumimoji="1" lang="zh-CN" altLang="en-US" smtClean="0"/>
+              <a:pPr/>
               <a:t>10</a:t>
             </a:fld>
             <a:endParaRPr kumimoji="1" lang="zh-CN" altLang="en-US"/>
@@ -3502,7 +3641,7 @@
     </p:spTree>
     <p:extLst>
       <p:ext uri="{BB962C8B-B14F-4D97-AF65-F5344CB8AC3E}">
-        <p14:creationId xmlns:p14="http://schemas.microsoft.com/office/powerpoint/2010/main" val="1114621081"/>
+        <p14:creationId xmlns:p14="http://schemas.microsoft.com/office/powerpoint/2010/main" xmlns="" val="1114621081"/>
       </p:ext>
     </p:extLst>
   </p:cSld>
@@ -3556,87 +3695,234 @@
           <a:bodyPr/>
           <a:lstStyle/>
           <a:p>
-            <a:r>
-              <a:rPr lang="en-US" altLang="zh-CN" smtClean="0">
+            <a:endParaRPr lang="en-US" altLang="zh-CN" dirty="0" smtClean="0">
+              <a:hlinkClick r:id="rId3"/>
+            </a:endParaRPr>
+          </a:p>
+          <a:p>
+            <a:r>
+              <a:rPr lang="zh-CN" altLang="en-US" dirty="0" smtClean="0">
                 <a:hlinkClick r:id="rId3"/>
               </a:rPr>
-              <a:t>https://www.toutiao.com/a1661858461586509/</a:t>
-            </a:r>
-            <a:endParaRPr lang="en-US" altLang="zh-CN" smtClean="0"/>
-          </a:p>
-          <a:p>
-            <a:r>
-              <a:rPr lang="en-US" altLang="zh-CN" smtClean="0">
+              <a:t>自己输出：</a:t>
+            </a:r>
+            <a:endParaRPr lang="en-US" altLang="zh-CN" dirty="0" smtClean="0">
+              <a:hlinkClick r:id="rId3"/>
+            </a:endParaRPr>
+          </a:p>
+          <a:p>
+            <a:r>
+              <a:rPr lang="en-US" altLang="zh-CN" dirty="0" smtClean="0">
+                <a:hlinkClick r:id="rId3"/>
+              </a:rPr>
+              <a:t>https</a:t>
+            </a:r>
+            <a:r>
+              <a:rPr lang="en-US" altLang="zh-CN" dirty="0" smtClean="0">
+                <a:hlinkClick r:id="rId3"/>
+              </a:rPr>
+              <a:t>://</a:t>
+            </a:r>
+            <a:r>
+              <a:rPr lang="en-US" altLang="zh-CN" dirty="0" smtClean="0">
+                <a:hlinkClick r:id="rId3"/>
+              </a:rPr>
+              <a:t>www.toutiao.com/a1661858461586509/</a:t>
+            </a:r>
+            <a:r>
+              <a:rPr lang="en-US" sz="1200" b="0" i="0" kern="1200" dirty="0" smtClean="0">
+                <a:solidFill>
+                  <a:schemeClr val="tx1"/>
+                </a:solidFill>
+                <a:latin typeface="+mn-lt"/>
+                <a:ea typeface="+mn-ea"/>
+                <a:cs typeface="+mn-cs"/>
+              </a:rPr>
+              <a:t>RDB snapshots are also used by </a:t>
+            </a:r>
+            <a:r>
+              <a:rPr lang="en-US" sz="1200" b="0" i="0" kern="1200" dirty="0" err="1" smtClean="0">
+                <a:solidFill>
+                  <a:schemeClr val="tx1"/>
+                </a:solidFill>
+                <a:latin typeface="+mn-lt"/>
+                <a:ea typeface="+mn-ea"/>
+                <a:cs typeface="+mn-cs"/>
+              </a:rPr>
+              <a:t>Redis</a:t>
+            </a:r>
+            <a:r>
+              <a:rPr lang="en-US" sz="1200" b="0" i="0" kern="1200" dirty="0" smtClean="0">
+                <a:solidFill>
+                  <a:schemeClr val="tx1"/>
+                </a:solidFill>
+                <a:latin typeface="+mn-lt"/>
+                <a:ea typeface="+mn-ea"/>
+                <a:cs typeface="+mn-cs"/>
+              </a:rPr>
+              <a:t> when performing a master -&gt; slave synchronization.</a:t>
+            </a:r>
+            <a:endParaRPr lang="en-US" altLang="zh-CN" dirty="0" smtClean="0"/>
+          </a:p>
+          <a:p>
+            <a:r>
+              <a:rPr lang="en-US" sz="1200" b="0" i="0" kern="1200" dirty="0" smtClean="0">
+                <a:solidFill>
+                  <a:schemeClr val="tx1"/>
+                </a:solidFill>
+                <a:latin typeface="+mn-lt"/>
+                <a:ea typeface="+mn-ea"/>
+                <a:cs typeface="+mn-cs"/>
+              </a:rPr>
+              <a:t>It's worth to note that</a:t>
+            </a:r>
+          </a:p>
+          <a:p>
+            <a:r>
+              <a:rPr lang="en-US" sz="1200" b="0" i="0" kern="1200" dirty="0" smtClean="0">
+                <a:solidFill>
+                  <a:schemeClr val="tx1"/>
+                </a:solidFill>
+                <a:latin typeface="+mn-lt"/>
+                <a:ea typeface="+mn-ea"/>
+                <a:cs typeface="+mn-cs"/>
+              </a:rPr>
+              <a:t>The Append Only File, usually called simply AOF, is the main </a:t>
+            </a:r>
+            <a:r>
+              <a:rPr lang="en-US" sz="1200" b="0" i="0" kern="1200" dirty="0" err="1" smtClean="0">
+                <a:solidFill>
+                  <a:schemeClr val="tx1"/>
+                </a:solidFill>
+                <a:latin typeface="+mn-lt"/>
+                <a:ea typeface="+mn-ea"/>
+                <a:cs typeface="+mn-cs"/>
+              </a:rPr>
+              <a:t>Redis</a:t>
+            </a:r>
+            <a:r>
+              <a:rPr lang="en-US" sz="1200" b="0" i="0" kern="1200" dirty="0" smtClean="0">
+                <a:solidFill>
+                  <a:schemeClr val="tx1"/>
+                </a:solidFill>
+                <a:latin typeface="+mn-lt"/>
+                <a:ea typeface="+mn-ea"/>
+                <a:cs typeface="+mn-cs"/>
+              </a:rPr>
+              <a:t> persistence option.</a:t>
+            </a:r>
+            <a:endParaRPr lang="en-US" altLang="zh-CN" dirty="0" smtClean="0"/>
+          </a:p>
+          <a:p>
+            <a:r>
+              <a:rPr lang="en-US" altLang="zh-CN" dirty="0" smtClean="0">
                 <a:hlinkClick r:id="rId4"/>
               </a:rPr>
               <a:t>http://oldblog.antirez.com/post/redis-persistence-demystified.html</a:t>
             </a:r>
-            <a:endParaRPr lang="en-US" altLang="zh-CN" smtClean="0"/>
-          </a:p>
-          <a:p>
-            <a:r>
-              <a:rPr lang="zh-CN" altLang="en-US" smtClean="0"/>
+            <a:endParaRPr lang="en-US" altLang="zh-CN" dirty="0" smtClean="0"/>
+          </a:p>
+          <a:p>
+            <a:endParaRPr lang="en-US" altLang="zh-CN" dirty="0" smtClean="0"/>
+          </a:p>
+          <a:p>
+            <a:r>
+              <a:rPr lang="zh-CN" altLang="en-US" dirty="0" smtClean="0"/>
+              <a:t>别人输出：</a:t>
+            </a:r>
+            <a:endParaRPr lang="en-US" altLang="zh-CN" dirty="0" smtClean="0"/>
+          </a:p>
+          <a:p>
+            <a:endParaRPr lang="en-US" altLang="zh-CN" dirty="0" smtClean="0"/>
+          </a:p>
+          <a:p>
+            <a:r>
+              <a:rPr lang="zh-CN" altLang="en-US" dirty="0" smtClean="0"/>
               <a:t>将 </a:t>
             </a:r>
             <a:r>
-              <a:rPr lang="en-US" altLang="zh-CN" smtClean="0"/>
+              <a:rPr lang="en-US" altLang="zh-CN" dirty="0" smtClean="0"/>
               <a:t>AOF </a:t>
             </a:r>
             <a:r>
-              <a:rPr lang="zh-CN" altLang="en-US" smtClean="0"/>
+              <a:rPr lang="zh-CN" altLang="en-US" dirty="0" smtClean="0"/>
               <a:t>缓存写入到文件中</a:t>
             </a:r>
-            <a:endParaRPr lang="en-US" altLang="zh-CN" smtClean="0"/>
-          </a:p>
-          <a:p>
-            <a:endParaRPr lang="en-US" altLang="zh-CN" smtClean="0"/>
-          </a:p>
-          <a:p>
-            <a:endParaRPr lang="en-US" altLang="zh-CN" smtClean="0"/>
-          </a:p>
-          <a:p>
-            <a:r>
-              <a:rPr lang="en-US" altLang="zh-CN" smtClean="0"/>
-              <a:t>/ AOF </a:t>
-            </a:r>
-            <a:r>
-              <a:rPr lang="zh-CN" altLang="en-US" smtClean="0"/>
-              <a:t>重写缓存链表，链接着多个缓存块</a:t>
-            </a:r>
-          </a:p>
-          <a:p>
-            <a:r>
-              <a:rPr lang="zh-CN" altLang="en-US" smtClean="0"/>
+            <a:endParaRPr lang="en-US" altLang="zh-CN" dirty="0" smtClean="0"/>
+          </a:p>
+          <a:p>
+            <a:endParaRPr lang="en-US" altLang="zh-CN" dirty="0" smtClean="0"/>
+          </a:p>
+          <a:p>
+            <a:endParaRPr lang="en-US" altLang="zh-CN" dirty="0" smtClean="0"/>
+          </a:p>
+          <a:p>
+            <a:r>
+              <a:rPr lang="en-US" altLang="zh-CN" dirty="0" smtClean="0"/>
+              <a:t>    /AOF</a:t>
+            </a:r>
+            <a:r>
+              <a:rPr lang="zh-CN" altLang="en-US" dirty="0" smtClean="0"/>
+              <a:t>重写</a:t>
+            </a:r>
+            <a:r>
+              <a:rPr lang="zh-CN" altLang="en-US" dirty="0" smtClean="0"/>
+              <a:t>缓存链表，链接着多个缓存块</a:t>
+            </a:r>
+          </a:p>
+          <a:p>
+            <a:r>
+              <a:rPr lang="zh-CN" altLang="en-US" dirty="0" smtClean="0"/>
               <a:t>    </a:t>
             </a:r>
             <a:r>
-              <a:rPr lang="en-US" altLang="zh-CN" smtClean="0"/>
-              <a:t>list *aof_rewrite_buf_blocks;   /* Hold changes during an AOF rewrite. */</a:t>
-            </a:r>
-          </a:p>
-          <a:p>
-            <a:endParaRPr lang="en-US" altLang="zh-CN" smtClean="0"/>
-          </a:p>
-          <a:p>
-            <a:r>
-              <a:rPr lang="en-US" altLang="zh-CN" smtClean="0"/>
+              <a:rPr lang="en-US" altLang="zh-CN" dirty="0" smtClean="0"/>
+              <a:t>list *</a:t>
+            </a:r>
+            <a:r>
+              <a:rPr lang="en-US" altLang="zh-CN" dirty="0" err="1" smtClean="0"/>
+              <a:t>aof_rewrite_buf_blocks</a:t>
+            </a:r>
+            <a:r>
+              <a:rPr lang="en-US" altLang="zh-CN" dirty="0" smtClean="0"/>
+              <a:t>;   /* Hold changes during an AOF rewrite. */</a:t>
+            </a:r>
+          </a:p>
+          <a:p>
+            <a:endParaRPr lang="en-US" altLang="zh-CN" dirty="0" smtClean="0"/>
+          </a:p>
+          <a:p>
+            <a:r>
+              <a:rPr lang="en-US" altLang="zh-CN" dirty="0" smtClean="0"/>
               <a:t>    // AOF </a:t>
             </a:r>
             <a:r>
-              <a:rPr lang="zh-CN" altLang="en-US" smtClean="0"/>
+              <a:rPr lang="zh-CN" altLang="en-US" dirty="0" smtClean="0"/>
               <a:t>缓冲区</a:t>
             </a:r>
           </a:p>
           <a:p>
             <a:r>
-              <a:rPr lang="zh-CN" altLang="en-US" smtClean="0"/>
+              <a:rPr lang="zh-CN" altLang="en-US" dirty="0" smtClean="0"/>
               <a:t>    </a:t>
             </a:r>
             <a:r>
-              <a:rPr lang="en-US" altLang="zh-CN" smtClean="0"/>
-              <a:t>sds aof_buf;      /* AOF buffer, written before entering the event loop */</a:t>
-            </a:r>
-            <a:endParaRPr lang="zh-CN" altLang="en-US"/>
+              <a:rPr lang="en-US" altLang="zh-CN" dirty="0" err="1" smtClean="0"/>
+              <a:t>sds</a:t>
+            </a:r>
+            <a:r>
+              <a:rPr lang="en-US" altLang="zh-CN" dirty="0" smtClean="0"/>
+              <a:t> </a:t>
+            </a:r>
+            <a:r>
+              <a:rPr lang="en-US" altLang="zh-CN" dirty="0" err="1" smtClean="0"/>
+              <a:t>aof_buf</a:t>
+            </a:r>
+            <a:r>
+              <a:rPr lang="en-US" altLang="zh-CN" dirty="0" smtClean="0"/>
+              <a:t>;      /* AOF buffer, written before entering the event loop */</a:t>
+            </a:r>
+            <a:endParaRPr lang="zh-CN" altLang="en-US" dirty="0"/>
           </a:p>
         </p:txBody>
       </p:sp>
@@ -3657,6 +3943,7 @@
           <a:p>
             <a:fld id="{8AF453D5-9B32-8F40-BF12-CF5772967439}" type="slidenum">
               <a:rPr kumimoji="1" lang="zh-CN" altLang="en-US" smtClean="0"/>
+              <a:pPr/>
               <a:t>11</a:t>
             </a:fld>
             <a:endParaRPr kumimoji="1" lang="zh-CN" altLang="en-US"/>
@@ -3666,7 +3953,7 @@
     </p:spTree>
     <p:extLst>
       <p:ext uri="{BB962C8B-B14F-4D97-AF65-F5344CB8AC3E}">
-        <p14:creationId xmlns:p14="http://schemas.microsoft.com/office/powerpoint/2010/main" val="1587342960"/>
+        <p14:creationId xmlns:p14="http://schemas.microsoft.com/office/powerpoint/2010/main" xmlns="" val="1587342960"/>
       </p:ext>
     </p:extLst>
   </p:cSld>
@@ -3705,7 +3992,7 @@
           <a:blip r:embed="rId2">
             <a:extLst>
               <a:ext uri="{28A0092B-C50C-407E-A947-70E740481C1C}">
-                <a14:useLocalDpi xmlns:a14="http://schemas.microsoft.com/office/drawing/2010/main" val="0"/>
+                <a14:useLocalDpi xmlns:a14="http://schemas.microsoft.com/office/drawing/2010/main" xmlns="" val="0"/>
               </a:ext>
             </a:extLst>
           </a:blip>
@@ -3994,7 +4281,7 @@
           <a:blip r:embed="rId3">
             <a:extLst>
               <a:ext uri="{28A0092B-C50C-407E-A947-70E740481C1C}">
-                <a14:useLocalDpi xmlns:a14="http://schemas.microsoft.com/office/drawing/2010/main" val="0"/>
+                <a14:useLocalDpi xmlns:a14="http://schemas.microsoft.com/office/drawing/2010/main" xmlns="" val="0"/>
               </a:ext>
             </a:extLst>
           </a:blip>
@@ -4290,7 +4577,7 @@
           <a:blip r:embed="rId2">
             <a:extLst>
               <a:ext uri="{28A0092B-C50C-407E-A947-70E740481C1C}">
-                <a14:useLocalDpi xmlns:a14="http://schemas.microsoft.com/office/drawing/2010/main" val="0"/>
+                <a14:useLocalDpi xmlns:a14="http://schemas.microsoft.com/office/drawing/2010/main" xmlns="" val="0"/>
               </a:ext>
             </a:extLst>
           </a:blip>
@@ -4320,7 +4607,7 @@
           <a:blip r:embed="rId3">
             <a:extLst>
               <a:ext uri="{28A0092B-C50C-407E-A947-70E740481C1C}">
-                <a14:useLocalDpi xmlns:a14="http://schemas.microsoft.com/office/drawing/2010/main" val="0"/>
+                <a14:useLocalDpi xmlns:a14="http://schemas.microsoft.com/office/drawing/2010/main" xmlns="" val="0"/>
               </a:ext>
             </a:extLst>
           </a:blip>
@@ -4592,7 +4879,7 @@
           <a:blip r:embed="rId2">
             <a:extLst>
               <a:ext uri="{28A0092B-C50C-407E-A947-70E740481C1C}">
-                <a14:useLocalDpi xmlns:a14="http://schemas.microsoft.com/office/drawing/2010/main" val="0"/>
+                <a14:useLocalDpi xmlns:a14="http://schemas.microsoft.com/office/drawing/2010/main" xmlns="" val="0"/>
               </a:ext>
             </a:extLst>
           </a:blip>
@@ -4622,7 +4909,7 @@
           <a:blip r:embed="rId3">
             <a:extLst>
               <a:ext uri="{28A0092B-C50C-407E-A947-70E740481C1C}">
-                <a14:useLocalDpi xmlns:a14="http://schemas.microsoft.com/office/drawing/2010/main" val="0"/>
+                <a14:useLocalDpi xmlns:a14="http://schemas.microsoft.com/office/drawing/2010/main" xmlns="" val="0"/>
               </a:ext>
             </a:extLst>
           </a:blip>
@@ -4958,7 +5245,7 @@
           <a:blip r:embed="rId2">
             <a:extLst>
               <a:ext uri="{28A0092B-C50C-407E-A947-70E740481C1C}">
-                <a14:useLocalDpi xmlns:a14="http://schemas.microsoft.com/office/drawing/2010/main" val="0"/>
+                <a14:useLocalDpi xmlns:a14="http://schemas.microsoft.com/office/drawing/2010/main" xmlns="" val="0"/>
               </a:ext>
             </a:extLst>
           </a:blip>
@@ -4988,7 +5275,7 @@
           <a:blip r:embed="rId3">
             <a:extLst>
               <a:ext uri="{28A0092B-C50C-407E-A947-70E740481C1C}">
-                <a14:useLocalDpi xmlns:a14="http://schemas.microsoft.com/office/drawing/2010/main" val="0"/>
+                <a14:useLocalDpi xmlns:a14="http://schemas.microsoft.com/office/drawing/2010/main" xmlns="" val="0"/>
               </a:ext>
             </a:extLst>
           </a:blip>
@@ -5303,7 +5590,7 @@
           <a:blip r:embed="rId2">
             <a:extLst>
               <a:ext uri="{28A0092B-C50C-407E-A947-70E740481C1C}">
-                <a14:useLocalDpi xmlns:a14="http://schemas.microsoft.com/office/drawing/2010/main" val="0"/>
+                <a14:useLocalDpi xmlns:a14="http://schemas.microsoft.com/office/drawing/2010/main" xmlns="" val="0"/>
               </a:ext>
             </a:extLst>
           </a:blip>
@@ -5333,7 +5620,7 @@
           <a:blip r:embed="rId3">
             <a:extLst>
               <a:ext uri="{28A0092B-C50C-407E-A947-70E740481C1C}">
-                <a14:useLocalDpi xmlns:a14="http://schemas.microsoft.com/office/drawing/2010/main" val="0"/>
+                <a14:useLocalDpi xmlns:a14="http://schemas.microsoft.com/office/drawing/2010/main" xmlns="" val="0"/>
               </a:ext>
             </a:extLst>
           </a:blip>
@@ -5524,7 +5811,8 @@
           <a:p>
             <a:fld id="{7BC3C6E0-25AE-8A44-A617-CADD813DE539}" type="datetime1">
               <a:rPr lang="zh-CN" altLang="en-US" smtClean="0"/>
-              <a:t>2020/3/22</a:t>
+              <a:pPr/>
+              <a:t>2020/4/21</a:t>
             </a:fld>
             <a:endParaRPr lang="zh-CN" altLang="en-US"/>
           </a:p>
@@ -5748,7 +6036,7 @@
           <a:blip r:embed="rId2">
             <a:extLst>
               <a:ext uri="{28A0092B-C50C-407E-A947-70E740481C1C}">
-                <a14:useLocalDpi xmlns:a14="http://schemas.microsoft.com/office/drawing/2010/main" val="0"/>
+                <a14:useLocalDpi xmlns:a14="http://schemas.microsoft.com/office/drawing/2010/main" xmlns="" val="0"/>
               </a:ext>
             </a:extLst>
           </a:blip>
@@ -5933,7 +6221,8 @@
           <a:p>
             <a:fld id="{B8DE94C4-0AC0-E74D-83DE-D1778C094258}" type="datetime1">
               <a:rPr lang="zh-CN" altLang="en-US" smtClean="0"/>
-              <a:t>2020/3/22</a:t>
+              <a:pPr/>
+              <a:t>2020/4/21</a:t>
             </a:fld>
             <a:endParaRPr lang="zh-CN" altLang="en-US"/>
           </a:p>
@@ -6011,6 +6300,7 @@
           <a:p>
             <a:fld id="{0C913308-F349-4B6D-A68A-DD1791B4A57B}" type="slidenum">
               <a:rPr lang="zh-CN" altLang="en-US" smtClean="0"/>
+              <a:pPr/>
               <a:t>‹#›</a:t>
             </a:fld>
             <a:endParaRPr lang="zh-CN" altLang="en-US"/>
@@ -6500,6 +6790,7 @@
           <a:p>
             <a:fld id="{0C913308-F349-4B6D-A68A-DD1791B4A57B}" type="slidenum">
               <a:rPr lang="zh-CN" altLang="en-US" smtClean="0"/>
+              <a:pPr/>
               <a:t>0</a:t>
             </a:fld>
             <a:endParaRPr lang="zh-CN" altLang="en-US"/>
@@ -6593,7 +6884,7 @@
           <a:blip r:embed="rId3">
             <a:extLst>
               <a:ext uri="{28A0092B-C50C-407E-A947-70E740481C1C}">
-                <a14:useLocalDpi xmlns:a14="http://schemas.microsoft.com/office/drawing/2010/main" val="0"/>
+                <a14:useLocalDpi xmlns:a14="http://schemas.microsoft.com/office/drawing/2010/main" xmlns="" val="0"/>
               </a:ext>
             </a:extLst>
           </a:blip>
@@ -6616,14 +6907,14 @@
           </a:ln>
           <a:extLst>
             <a:ext uri="{909E8E84-426E-40DD-AFC4-6F175D3DCCD1}">
-              <a14:hiddenFill xmlns:a14="http://schemas.microsoft.com/office/drawing/2010/main">
+              <a14:hiddenFill xmlns:a14="http://schemas.microsoft.com/office/drawing/2010/main" xmlns="">
                 <a:solidFill>
                   <a:schemeClr val="accent1"/>
                 </a:solidFill>
               </a14:hiddenFill>
             </a:ext>
             <a:ext uri="{91240B29-F687-4F45-9708-019B960494DF}">
-              <a14:hiddenLine xmlns:a14="http://schemas.microsoft.com/office/drawing/2010/main" w="9525">
+              <a14:hiddenLine xmlns:a14="http://schemas.microsoft.com/office/drawing/2010/main" xmlns="" w="9525">
                 <a:solidFill>
                   <a:schemeClr val="tx1"/>
                 </a:solidFill>
@@ -6640,11 +6931,11 @@
   <p:clrMapOvr>
     <a:masterClrMapping/>
   </p:clrMapOvr>
-  <mc:AlternateContent xmlns:mc="http://schemas.openxmlformats.org/markup-compatibility/2006" xmlns:p14="http://schemas.microsoft.com/office/powerpoint/2010/main">
-    <mc:Choice Requires="p14">
+  <mc:AlternateContent xmlns:mc="http://schemas.openxmlformats.org/markup-compatibility/2006">
+    <mc:Choice xmlns:p14="http://schemas.microsoft.com/office/powerpoint/2010/main" xmlns="" Requires="p14">
       <p:transition spd="slow" p14:dur="2000"/>
     </mc:Choice>
-    <mc:Fallback xmlns="">
+    <mc:Fallback>
       <p:transition spd="slow"/>
     </mc:Fallback>
   </mc:AlternateContent>
@@ -6765,7 +7056,7 @@
           <a:blip r:embed="rId3">
             <a:extLst>
               <a:ext uri="{28A0092B-C50C-407E-A947-70E740481C1C}">
-                <a14:useLocalDpi xmlns:a14="http://schemas.microsoft.com/office/drawing/2010/main" val="0"/>
+                <a14:useLocalDpi xmlns:a14="http://schemas.microsoft.com/office/drawing/2010/main" xmlns="" val="0"/>
               </a:ext>
             </a:extLst>
           </a:blip>
@@ -6788,14 +7079,14 @@
           </a:ln>
           <a:extLst>
             <a:ext uri="{909E8E84-426E-40DD-AFC4-6F175D3DCCD1}">
-              <a14:hiddenFill xmlns:a14="http://schemas.microsoft.com/office/drawing/2010/main">
+              <a14:hiddenFill xmlns:a14="http://schemas.microsoft.com/office/drawing/2010/main" xmlns="">
                 <a:solidFill>
                   <a:schemeClr val="accent1"/>
                 </a:solidFill>
               </a14:hiddenFill>
             </a:ext>
             <a:ext uri="{91240B29-F687-4F45-9708-019B960494DF}">
-              <a14:hiddenLine xmlns:a14="http://schemas.microsoft.com/office/drawing/2010/main" w="9525">
+              <a14:hiddenLine xmlns:a14="http://schemas.microsoft.com/office/drawing/2010/main" xmlns="" w="9525">
                 <a:solidFill>
                   <a:schemeClr val="tx1"/>
                 </a:solidFill>
@@ -6819,7 +7110,7 @@
           <a:blip r:embed="rId4">
             <a:extLst>
               <a:ext uri="{28A0092B-C50C-407E-A947-70E740481C1C}">
-                <a14:useLocalDpi xmlns:a14="http://schemas.microsoft.com/office/drawing/2010/main" val="0"/>
+                <a14:useLocalDpi xmlns:a14="http://schemas.microsoft.com/office/drawing/2010/main" xmlns="" val="0"/>
               </a:ext>
             </a:extLst>
           </a:blip>
@@ -6842,14 +7133,14 @@
           </a:ln>
           <a:extLst>
             <a:ext uri="{909E8E84-426E-40DD-AFC4-6F175D3DCCD1}">
-              <a14:hiddenFill xmlns:a14="http://schemas.microsoft.com/office/drawing/2010/main">
+              <a14:hiddenFill xmlns:a14="http://schemas.microsoft.com/office/drawing/2010/main" xmlns="">
                 <a:solidFill>
                   <a:schemeClr val="accent1"/>
                 </a:solidFill>
               </a14:hiddenFill>
             </a:ext>
             <a:ext uri="{91240B29-F687-4F45-9708-019B960494DF}">
-              <a14:hiddenLine xmlns:a14="http://schemas.microsoft.com/office/drawing/2010/main" w="9525">
+              <a14:hiddenLine xmlns:a14="http://schemas.microsoft.com/office/drawing/2010/main" xmlns="" w="9525">
                 <a:solidFill>
                   <a:schemeClr val="tx1"/>
                 </a:solidFill>
@@ -6914,54 +7205,70 @@
               <a:buNone/>
             </a:pPr>
             <a:r>
-              <a:rPr lang="en-US" altLang="zh-CN" sz="1400"/>
+              <a:rPr lang="en-US" altLang="zh-CN" sz="1400" dirty="0"/>
               <a:t>#</a:t>
             </a:r>
             <a:r>
-              <a:rPr lang="zh-CN" altLang="en-US" sz="1400"/>
+              <a:rPr lang="zh-CN" altLang="en-US" sz="1400" dirty="0"/>
               <a:t>陈咬金第一</a:t>
             </a:r>
             <a:r>
-              <a:rPr lang="zh-CN" altLang="en-US" sz="1400" smtClean="0"/>
+              <a:rPr lang="zh-CN" altLang="en-US" sz="1400" dirty="0" smtClean="0"/>
               <a:t>斧： </a:t>
             </a:r>
             <a:r>
-              <a:rPr lang="zh-CN" altLang="en-US" sz="1400"/>
+              <a:rPr lang="zh-CN" altLang="en-US" sz="1400" dirty="0"/>
               <a:t>如何解</a:t>
             </a:r>
             <a:r>
-              <a:rPr lang="zh-CN" altLang="en-US" sz="1400" smtClean="0"/>
+              <a:rPr lang="zh-CN" altLang="en-US" sz="1400" dirty="0" smtClean="0"/>
               <a:t>决？，思路必须正确。</a:t>
             </a:r>
-            <a:endParaRPr lang="en-US" altLang="zh-CN" sz="1400" smtClean="0"/>
-          </a:p>
-          <a:p>
-            <a:r>
-              <a:rPr lang="en-US" altLang="zh-CN" sz="1400" smtClean="0">
+            <a:endParaRPr lang="en-US" altLang="zh-CN" sz="1400" dirty="0" smtClean="0"/>
+          </a:p>
+          <a:p>
+            <a:r>
+              <a:rPr lang="en-US" altLang="zh-CN" sz="1400" dirty="0" smtClean="0">
                 <a:solidFill>
                   <a:srgbClr val="FF0000"/>
                 </a:solidFill>
               </a:rPr>
-              <a:t> book:    redis</a:t>
-            </a:r>
-            <a:r>
-              <a:rPr lang="zh-CN" altLang="en-US" sz="1400" smtClean="0">
+              <a:t> </a:t>
+            </a:r>
+            <a:r>
+              <a:rPr lang="en-US" altLang="zh-CN" sz="1400" dirty="0">
                 <a:solidFill>
                   <a:srgbClr val="FF0000"/>
                 </a:solidFill>
               </a:rPr>
-              <a:t>设计第</a:t>
-            </a:r>
-            <a:r>
-              <a:rPr lang="en-US" altLang="zh-CN" sz="1400" smtClean="0">
+              <a:t>book </a:t>
+            </a:r>
+            <a:r>
+              <a:rPr lang="en-US" altLang="zh-CN" sz="1400" dirty="0" err="1">
                 <a:solidFill>
                   <a:srgbClr val="FF0000"/>
                 </a:solidFill>
               </a:rPr>
+              <a:t>Redis</a:t>
+            </a:r>
+            <a:r>
+              <a:rPr sz="1400" dirty="0" smtClean="0">
+                <a:solidFill>
+                  <a:srgbClr val="FF0000"/>
+                </a:solidFill>
+              </a:rPr>
+              <a:t>设计与实现 第</a:t>
+            </a:r>
+            <a:r>
+              <a:rPr lang="en-US" altLang="zh-CN" sz="1400" dirty="0" smtClean="0">
+                <a:solidFill>
+                  <a:srgbClr val="FF0000"/>
+                </a:solidFill>
+              </a:rPr>
               <a:t>10</a:t>
             </a:r>
             <a:r>
-              <a:rPr lang="zh-CN" altLang="en-US" sz="1400" smtClean="0">
+              <a:rPr lang="zh-CN" altLang="en-US" sz="1400" dirty="0" smtClean="0">
                 <a:solidFill>
                   <a:srgbClr val="FF0000"/>
                 </a:solidFill>
@@ -6969,38 +7276,50 @@
               <a:t>章节 </a:t>
             </a:r>
             <a:r>
-              <a:rPr lang="en-US" altLang="zh-CN" sz="1400"/>
+              <a:rPr lang="en-US" altLang="zh-CN" sz="1400" dirty="0"/>
               <a:t>RDB </a:t>
             </a:r>
             <a:r>
-              <a:rPr lang="zh-CN" altLang="en-US" sz="1400"/>
+              <a:rPr lang="zh-CN" altLang="en-US" sz="1400" dirty="0"/>
               <a:t>持久</a:t>
             </a:r>
             <a:r>
-              <a:rPr lang="zh-CN" altLang="en-US" sz="1400" smtClean="0"/>
+              <a:rPr lang="zh-CN" altLang="en-US" sz="1400" dirty="0" smtClean="0"/>
               <a:t>化，第</a:t>
             </a:r>
             <a:r>
-              <a:rPr lang="en-US" altLang="zh-CN" sz="1400" smtClean="0"/>
+              <a:rPr lang="en-US" altLang="zh-CN" sz="1400" dirty="0" smtClean="0"/>
               <a:t>11</a:t>
             </a:r>
             <a:r>
-              <a:rPr lang="zh-CN" altLang="en-US" sz="1400" smtClean="0"/>
+              <a:rPr lang="zh-CN" altLang="en-US" sz="1400" dirty="0" smtClean="0"/>
               <a:t>章节 </a:t>
             </a:r>
             <a:r>
-              <a:rPr lang="en-US" altLang="zh-CN" sz="1400"/>
+              <a:rPr lang="en-US" altLang="zh-CN" sz="1400" dirty="0"/>
               <a:t>AOF </a:t>
             </a:r>
             <a:r>
-              <a:rPr lang="zh-CN" altLang="en-US" sz="1400"/>
+              <a:rPr lang="zh-CN" altLang="en-US" sz="1400" dirty="0"/>
               <a:t>持久</a:t>
             </a:r>
             <a:r>
-              <a:rPr lang="zh-CN" altLang="en-US" sz="1400" smtClean="0"/>
+              <a:rPr lang="zh-CN" altLang="en-US" sz="1400" dirty="0" smtClean="0"/>
               <a:t>化</a:t>
             </a:r>
-            <a:endParaRPr lang="en-US" altLang="zh-CN" sz="1400">
+            <a:r>
+              <a:rPr lang="en-US" altLang="zh-CN" sz="1400" dirty="0" smtClean="0"/>
+              <a:t>【new </a:t>
+            </a:r>
+            <a:r>
+              <a:rPr lang="en-US" altLang="zh-CN" sz="1400" dirty="0" err="1" smtClean="0"/>
+              <a:t>requeust</a:t>
+            </a:r>
+            <a:r>
+              <a:rPr lang="en-US" altLang="zh-CN" sz="1400" dirty="0" smtClean="0"/>
+              <a:t>】</a:t>
+            </a:r>
+            <a:endParaRPr lang="en-US" altLang="zh-CN" sz="1400" dirty="0">
               <a:solidFill>
                 <a:srgbClr val="FF0000"/>
               </a:solidFill>
@@ -7008,7 +7327,7 @@
           </a:p>
           <a:p>
             <a:r>
-              <a:rPr lang="en-US" altLang="zh-CN" sz="1400">
+              <a:rPr lang="en-US" altLang="zh-CN" sz="1400" dirty="0">
                 <a:solidFill>
                   <a:srgbClr val="FF0000"/>
                 </a:solidFill>
@@ -7016,7 +7335,7 @@
               <a:t> </a:t>
             </a:r>
             <a:r>
-              <a:rPr lang="en-US" altLang="zh-CN" sz="1400" smtClean="0">
+              <a:rPr lang="en-US" altLang="zh-CN" sz="1400" dirty="0" smtClean="0">
                 <a:solidFill>
                   <a:srgbClr val="FF0000"/>
                 </a:solidFill>
@@ -7024,7 +7343,7 @@
               <a:t>coding</a:t>
             </a:r>
             <a:r>
-              <a:rPr lang="zh-CN" altLang="en-US" sz="1400" smtClean="0">
+              <a:rPr lang="zh-CN" altLang="en-US" sz="1400" dirty="0" smtClean="0">
                 <a:solidFill>
                   <a:srgbClr val="FF0000"/>
                 </a:solidFill>
@@ -7032,7 +7351,7 @@
               <a:t>：</a:t>
             </a:r>
             <a:r>
-              <a:rPr lang="en-US" altLang="zh-CN" sz="1400" err="1" smtClean="0">
+              <a:rPr lang="en-US" altLang="zh-CN" sz="1400" dirty="0" err="1" smtClean="0">
                 <a:solidFill>
                   <a:srgbClr val="FF0000"/>
                 </a:solidFill>
@@ -7040,7 +7359,7 @@
               <a:t>rdbSaveBackground</a:t>
             </a:r>
             <a:r>
-              <a:rPr lang="en-US" altLang="zh-CN" sz="1400" smtClean="0">
+              <a:rPr lang="en-US" altLang="zh-CN" sz="1400" dirty="0" smtClean="0">
                 <a:solidFill>
                   <a:srgbClr val="FF0000"/>
                 </a:solidFill>
@@ -7048,7 +7367,7 @@
               <a:t> </a:t>
             </a:r>
             <a:r>
-              <a:rPr lang="zh-CN" altLang="en-US" sz="1400" smtClean="0">
+              <a:rPr lang="zh-CN" altLang="en-US" sz="1400" dirty="0" smtClean="0">
                 <a:solidFill>
                   <a:srgbClr val="FF0000"/>
                 </a:solidFill>
@@ -7056,14 +7375,14 @@
               <a:t> </a:t>
             </a:r>
             <a:r>
-              <a:rPr lang="en-US" altLang="zh-CN" sz="1400" smtClean="0">
+              <a:rPr lang="en-US" altLang="zh-CN" sz="1400" dirty="0" err="1" smtClean="0">
                 <a:solidFill>
                   <a:srgbClr val="FF0000"/>
                 </a:solidFill>
               </a:rPr>
               <a:t>rdbSaveObject</a:t>
             </a:r>
-            <a:endParaRPr lang="en-US" altLang="zh-CN" sz="1400" b="1">
+            <a:endParaRPr lang="en-US" altLang="zh-CN" sz="1400" b="1" dirty="0">
               <a:solidFill>
                 <a:srgbClr val="FF0000"/>
               </a:solidFill>
@@ -7074,7 +7393,7 @@
               <a:buNone/>
             </a:pPr>
             <a:r>
-              <a:rPr lang="en-US" altLang="zh-CN" sz="1400" b="1" smtClean="0">
+              <a:rPr lang="en-US" altLang="zh-CN" sz="1400" b="1" dirty="0" smtClean="0">
                 <a:solidFill>
                   <a:srgbClr val="FF0000"/>
                 </a:solidFill>
@@ -7084,7 +7403,7 @@
           </a:p>
           <a:p>
             <a:r>
-              <a:rPr lang="zh-CN" altLang="en-US" sz="1400" b="1" smtClean="0">
+              <a:rPr lang="zh-CN" altLang="en-US" sz="1400" b="1" dirty="0" smtClean="0">
                 <a:solidFill>
                   <a:schemeClr val="tx1"/>
                 </a:solidFill>
@@ -7092,7 +7411,7 @@
               <a:t>将</a:t>
             </a:r>
             <a:r>
-              <a:rPr lang="zh-CN" altLang="en-US" sz="1400" b="1">
+              <a:rPr lang="zh-CN" altLang="en-US" sz="1400" b="1" dirty="0">
                 <a:solidFill>
                   <a:schemeClr val="tx1"/>
                 </a:solidFill>
@@ -7100,7 +7419,7 @@
               <a:t>命令追加到 </a:t>
             </a:r>
             <a:r>
-              <a:rPr lang="en-US" altLang="zh-CN" sz="1400" b="1">
+              <a:rPr lang="en-US" altLang="zh-CN" sz="1400" b="1" dirty="0">
                 <a:solidFill>
                   <a:schemeClr val="tx1"/>
                 </a:solidFill>
@@ -7108,7 +7427,7 @@
               <a:t>AOF </a:t>
             </a:r>
             <a:r>
-              <a:rPr lang="zh-CN" altLang="en-US" sz="1400" b="1">
+              <a:rPr lang="zh-CN" altLang="en-US" sz="1400" b="1" dirty="0">
                 <a:solidFill>
                   <a:schemeClr val="tx1"/>
                 </a:solidFill>
@@ -7116,7 +7435,7 @@
               <a:t>缓冲</a:t>
             </a:r>
             <a:r>
-              <a:rPr lang="zh-CN" altLang="en-US" sz="1400" b="1" smtClean="0">
+              <a:rPr lang="zh-CN" altLang="en-US" sz="1400" b="1" dirty="0" smtClean="0">
                 <a:solidFill>
                   <a:schemeClr val="tx1"/>
                 </a:solidFill>
@@ -7124,7 +7443,7 @@
               <a:t>区和 </a:t>
             </a:r>
             <a:r>
-              <a:rPr lang="en-US" altLang="zh-CN" sz="1400" b="1" smtClean="0">
+              <a:rPr lang="en-US" altLang="zh-CN" sz="1400" b="1" dirty="0" smtClean="0">
                 <a:solidFill>
                   <a:schemeClr val="tx1"/>
                 </a:solidFill>
@@ -7132,7 +7451,7 @@
               <a:t>AOF</a:t>
             </a:r>
             <a:r>
-              <a:rPr lang="zh-CN" altLang="en-US" sz="1400" b="1" smtClean="0">
+              <a:rPr lang="zh-CN" altLang="en-US" sz="1400" b="1" dirty="0" smtClean="0">
                 <a:solidFill>
                   <a:schemeClr val="tx1"/>
                 </a:solidFill>
@@ -7140,48 +7459,14 @@
               <a:t>重写缓冲区  </a:t>
             </a:r>
             <a:r>
-              <a:rPr lang="en-US" altLang="zh-CN" sz="1400" b="1" smtClean="0">
+              <a:rPr lang="en-US" altLang="zh-CN" sz="1400" b="1" dirty="0" err="1" smtClean="0">
                 <a:solidFill>
                   <a:schemeClr val="tx1"/>
                 </a:solidFill>
               </a:rPr>
               <a:t>feedAppendOnlyFile</a:t>
             </a:r>
-          </a:p>
-          <a:p>
-            <a:r>
-              <a:rPr lang="zh-CN" altLang="en-US" sz="1400" b="1" smtClean="0">
-                <a:solidFill>
-                  <a:schemeClr val="tx1"/>
-                </a:solidFill>
-              </a:rPr>
-              <a:t>将</a:t>
-            </a:r>
-            <a:r>
-              <a:rPr lang="zh-CN" altLang="en-US" sz="1400" b="1">
-                <a:solidFill>
-                  <a:schemeClr val="tx1"/>
-                </a:solidFill>
-              </a:rPr>
-              <a:t>协议内容备份到 </a:t>
-            </a:r>
-            <a:r>
-              <a:rPr lang="en-US" altLang="zh-CN" sz="1400" b="1">
-                <a:solidFill>
-                  <a:schemeClr val="tx1"/>
-                </a:solidFill>
-              </a:rPr>
-              <a:t>backlog </a:t>
-            </a:r>
-            <a:r>
-              <a:rPr lang="en-US" altLang="zh-CN" sz="1400" b="1" smtClean="0">
-                <a:solidFill>
-                  <a:schemeClr val="tx1"/>
-                </a:solidFill>
-              </a:rPr>
-              <a:t> replicationFeedSlaves</a:t>
-            </a:r>
-            <a:endParaRPr lang="en-US" altLang="zh-CN" sz="1400" b="1">
+            <a:endParaRPr lang="en-US" altLang="zh-CN" sz="1400" b="1" dirty="0" smtClean="0">
               <a:solidFill>
                 <a:schemeClr val="tx1"/>
               </a:solidFill>
@@ -7189,30 +7474,46 @@
           </a:p>
           <a:p>
             <a:r>
-              <a:rPr lang="en-US" altLang="zh-CN" sz="1400" b="1" smtClean="0">
+              <a:rPr lang="zh-CN" altLang="en-US" sz="1400" b="1" dirty="0" smtClean="0">
                 <a:solidFill>
                   <a:schemeClr val="tx1"/>
                 </a:solidFill>
               </a:rPr>
-              <a:t>bioProcessBackgroundJobs </a:t>
-            </a:r>
-            <a:r>
-              <a:rPr lang="zh-CN" altLang="en-US" sz="1400" b="1">
+              <a:t>将</a:t>
+            </a:r>
+            <a:r>
+              <a:rPr lang="zh-CN" altLang="en-US" sz="1400" b="1" dirty="0">
                 <a:solidFill>
                   <a:schemeClr val="tx1"/>
                 </a:solidFill>
               </a:rPr>
-              <a:t>线程</a:t>
-            </a:r>
-            <a:r>
-              <a:rPr lang="zh-CN" altLang="en-US" sz="1400" b="1" smtClean="0">
+              <a:t>协议内容备份到 </a:t>
+            </a:r>
+            <a:r>
+              <a:rPr lang="en-US" altLang="zh-CN" sz="1400" b="1" dirty="0">
                 <a:solidFill>
                   <a:schemeClr val="tx1"/>
                 </a:solidFill>
               </a:rPr>
-              <a:t>：</a:t>
-            </a:r>
-            <a:endParaRPr lang="en-US" altLang="zh-CN" sz="1400" b="1" smtClean="0">
+              <a:t>backlog </a:t>
+            </a:r>
+            <a:r>
+              <a:rPr lang="en-US" altLang="zh-CN" sz="1400" b="1" dirty="0" smtClean="0">
+                <a:solidFill>
+                  <a:schemeClr val="tx1"/>
+                </a:solidFill>
+              </a:rPr>
+              <a:t> </a:t>
+            </a:r>
+            <a:r>
+              <a:rPr lang="en-US" altLang="zh-CN" sz="1400" b="1" dirty="0" err="1" smtClean="0">
+                <a:solidFill>
+                  <a:schemeClr val="tx1"/>
+                </a:solidFill>
+              </a:rPr>
+              <a:t>replicationFeedSlaves</a:t>
+            </a:r>
+            <a:endParaRPr lang="en-US" altLang="zh-CN" sz="1400" b="1" dirty="0">
               <a:solidFill>
                 <a:schemeClr val="tx1"/>
               </a:solidFill>
@@ -7220,48 +7521,69 @@
           </a:p>
           <a:p>
             <a:r>
-              <a:rPr lang="en-US" altLang="zh-CN" sz="1400" b="1">
+              <a:rPr lang="en-US" altLang="zh-CN" sz="1400" b="1" dirty="0" err="1" smtClean="0">
                 <a:solidFill>
                   <a:schemeClr val="tx1"/>
                 </a:solidFill>
               </a:rPr>
-              <a:t>Write the append only file buffer on disk. flushAppendOnlyFile</a:t>
-            </a:r>
-            <a:r>
-              <a:rPr lang="zh-CN" altLang="en-US" sz="1400" b="1" smtClean="0">
+              <a:t>bioProcessBackgroundJobs</a:t>
+            </a:r>
+            <a:r>
+              <a:rPr lang="en-US" altLang="zh-CN" sz="1400" b="1" dirty="0" smtClean="0">
                 <a:solidFill>
                   <a:schemeClr val="tx1"/>
                 </a:solidFill>
               </a:rPr>
-              <a:t>（）</a:t>
-            </a:r>
-            <a:endParaRPr lang="en-US" altLang="zh-CN" sz="1400" b="1" smtClean="0">
+              <a:t> </a:t>
+            </a:r>
+            <a:r>
+              <a:rPr lang="zh-CN" altLang="en-US" sz="1400" b="1" dirty="0">
+                <a:solidFill>
+                  <a:schemeClr val="tx1"/>
+                </a:solidFill>
+              </a:rPr>
+              <a:t>线程</a:t>
+            </a:r>
+            <a:r>
+              <a:rPr lang="zh-CN" altLang="en-US" sz="1400" b="1" dirty="0" smtClean="0">
+                <a:solidFill>
+                  <a:schemeClr val="tx1"/>
+                </a:solidFill>
+              </a:rPr>
+              <a:t>：</a:t>
+            </a:r>
+            <a:endParaRPr lang="en-US" altLang="zh-CN" sz="1400" b="1" dirty="0" smtClean="0">
               <a:solidFill>
                 <a:schemeClr val="tx1"/>
               </a:solidFill>
             </a:endParaRPr>
           </a:p>
           <a:p>
-            <a:pPr marL="0" indent="0">
-              <a:buNone/>
-            </a:pPr>
-            <a:r>
-              <a:rPr lang="en-US" altLang="zh-CN" sz="1400" b="1" smtClean="0">
+            <a:r>
+              <a:rPr lang="en-US" altLang="zh-CN" sz="1400" b="1" dirty="0">
                 <a:solidFill>
                   <a:schemeClr val="tx1"/>
                 </a:solidFill>
               </a:rPr>
-              <a:t>AOF </a:t>
-            </a:r>
-            <a:r>
-              <a:rPr lang="zh-CN" altLang="en-US" sz="1400" b="1" smtClean="0">
+              <a:t>Write the append only file buffer on disk. </a:t>
+            </a:r>
+            <a:r>
+              <a:rPr lang="en-US" altLang="zh-CN" sz="1400" b="1" dirty="0" err="1">
                 <a:solidFill>
                   <a:schemeClr val="tx1"/>
                 </a:solidFill>
               </a:rPr>
-              <a:t>重写：</a:t>
-            </a:r>
-            <a:endParaRPr lang="en-US" altLang="zh-CN" sz="1400" b="1">
+              <a:t>flushAppendOnlyFile</a:t>
+            </a:r>
+            <a:r>
+              <a:rPr lang="zh-CN" altLang="en-US" sz="1400" b="1" dirty="0" smtClean="0">
+                <a:solidFill>
+                  <a:schemeClr val="tx1"/>
+                </a:solidFill>
+              </a:rPr>
+              <a:t>（）</a:t>
+            </a:r>
+            <a:endParaRPr lang="en-US" altLang="zh-CN" sz="1400" b="1" dirty="0" smtClean="0">
               <a:solidFill>
                 <a:schemeClr val="tx1"/>
               </a:solidFill>
@@ -7272,10 +7594,22 @@
               <a:buNone/>
             </a:pPr>
             <a:r>
-              <a:rPr lang="en-US" altLang="zh-CN" sz="1400" smtClean="0"/>
-              <a:t>  bgrewriteaofCommand</a:t>
-            </a:r>
-            <a:endParaRPr lang="en-US" altLang="zh-CN" sz="1400" b="1" smtClean="0">
+              <a:rPr lang="en-US" altLang="zh-CN" sz="1400" b="1" dirty="0" smtClean="0">
+                <a:solidFill>
+                  <a:schemeClr val="tx1"/>
+                </a:solidFill>
+              </a:rPr>
+              <a:t>AOF </a:t>
+            </a:r>
+            <a:r>
+              <a:rPr lang="zh-CN" altLang="en-US" sz="1400" b="1" dirty="0" smtClean="0">
+                <a:solidFill>
+                  <a:schemeClr val="tx1"/>
+                </a:solidFill>
+              </a:rPr>
+              <a:t>重写：</a:t>
+            </a:r>
+            <a:endParaRPr lang="en-US" altLang="zh-CN" sz="1400" b="1" dirty="0">
               <a:solidFill>
                 <a:schemeClr val="tx1"/>
               </a:solidFill>
@@ -7286,62 +7620,88 @@
               <a:buNone/>
             </a:pPr>
             <a:r>
-              <a:rPr lang="zh-CN" altLang="en-US" sz="1400" b="1" smtClean="0"/>
-              <a:t> 当</a:t>
-            </a:r>
-            <a:r>
-              <a:rPr lang="zh-CN" altLang="en-US" sz="1400" b="1"/>
-              <a:t>子线程完成 </a:t>
-            </a:r>
-            <a:r>
-              <a:rPr lang="en-US" altLang="zh-CN" sz="1400" b="1"/>
-              <a:t>AOF </a:t>
-            </a:r>
-            <a:r>
-              <a:rPr lang="zh-CN" altLang="en-US" sz="1400" b="1"/>
-              <a:t>重</a:t>
-            </a:r>
-            <a:r>
-              <a:rPr lang="zh-CN" altLang="en-US" sz="1400" b="1" smtClean="0"/>
-              <a:t>写</a:t>
-            </a:r>
-            <a:r>
-              <a:rPr lang="en-US" altLang="zh-CN" sz="1400" b="1" smtClean="0"/>
-              <a:t>::backgroundRewriteDoneHandler(</a:t>
-            </a:r>
-            <a:r>
-              <a:rPr lang="en-US" altLang="zh-CN" sz="1400" dirty="0"/>
-              <a:t>aof_rewrite_buf_blocks</a:t>
-            </a:r>
-            <a:r>
-              <a:rPr lang="en-US" altLang="zh-CN" sz="1400" b="1" smtClean="0"/>
-              <a:t>)</a:t>
-            </a:r>
-            <a:endParaRPr lang="en-US" altLang="zh-CN" sz="1400" b="1"/>
+              <a:rPr lang="en-US" altLang="zh-CN" sz="1400" dirty="0" smtClean="0"/>
+              <a:t>  </a:t>
+            </a:r>
+            <a:r>
+              <a:rPr lang="en-US" altLang="zh-CN" sz="1400" dirty="0" err="1" smtClean="0"/>
+              <a:t>bgrewriteaofCommand</a:t>
+            </a:r>
+            <a:endParaRPr lang="en-US" altLang="zh-CN" sz="1400" b="1" dirty="0" smtClean="0">
+              <a:solidFill>
+                <a:schemeClr val="tx1"/>
+              </a:solidFill>
+            </a:endParaRPr>
           </a:p>
           <a:p>
             <a:pPr marL="0" indent="0">
               <a:buNone/>
             </a:pPr>
-            <a:endParaRPr lang="en-US" altLang="zh-CN" sz="1400" b="1" smtClean="0"/>
+            <a:r>
+              <a:rPr lang="zh-CN" altLang="en-US" sz="1400" b="1" dirty="0" smtClean="0"/>
+              <a:t> 当</a:t>
+            </a:r>
+            <a:r>
+              <a:rPr lang="zh-CN" altLang="en-US" sz="1400" b="1" dirty="0"/>
+              <a:t>子线程完成 </a:t>
+            </a:r>
+            <a:r>
+              <a:rPr lang="en-US" altLang="zh-CN" sz="1400" b="1" dirty="0"/>
+              <a:t>AOF </a:t>
+            </a:r>
+            <a:r>
+              <a:rPr lang="zh-CN" altLang="en-US" sz="1400" b="1" dirty="0"/>
+              <a:t>重</a:t>
+            </a:r>
+            <a:r>
+              <a:rPr lang="zh-CN" altLang="en-US" sz="1400" b="1" dirty="0" smtClean="0"/>
+              <a:t>写</a:t>
+            </a:r>
+            <a:r>
+              <a:rPr lang="en-US" altLang="zh-CN" sz="1400" b="1" dirty="0" smtClean="0"/>
+              <a:t>::</a:t>
+            </a:r>
+            <a:r>
+              <a:rPr lang="en-US" altLang="zh-CN" sz="1400" b="1" dirty="0" err="1" smtClean="0"/>
+              <a:t>backgroundRewriteDoneHandler</a:t>
+            </a:r>
+            <a:r>
+              <a:rPr lang="en-US" altLang="zh-CN" sz="1400" b="1" dirty="0" smtClean="0"/>
+              <a:t>(</a:t>
+            </a:r>
+            <a:r>
+              <a:rPr lang="en-US" altLang="zh-CN" sz="1400" dirty="0"/>
+              <a:t>aof_rewrite_buf_blocks</a:t>
+            </a:r>
+            <a:r>
+              <a:rPr lang="en-US" altLang="zh-CN" sz="1400" b="1" dirty="0" smtClean="0"/>
+              <a:t>)</a:t>
+            </a:r>
+            <a:endParaRPr lang="en-US" altLang="zh-CN" sz="1400" b="1" dirty="0"/>
           </a:p>
           <a:p>
             <a:pPr marL="0" indent="0">
               <a:buNone/>
             </a:pPr>
-            <a:r>
-              <a:rPr lang="en-US" altLang="zh-CN" sz="1400" b="1" smtClean="0"/>
+            <a:endParaRPr lang="en-US" altLang="zh-CN" sz="1400" b="1" dirty="0" smtClean="0"/>
+          </a:p>
+          <a:p>
+            <a:pPr marL="0" indent="0">
+              <a:buNone/>
+            </a:pPr>
+            <a:r>
+              <a:rPr lang="en-US" altLang="zh-CN" sz="1400" b="1" dirty="0" smtClean="0"/>
               <a:t>#</a:t>
             </a:r>
             <a:r>
-              <a:rPr lang="zh-CN" altLang="en-US" sz="1400" b="1"/>
+              <a:rPr lang="zh-CN" altLang="en-US" sz="1400" b="1" dirty="0"/>
               <a:t>陈咬金第二斧 </a:t>
             </a:r>
             <a:r>
-              <a:rPr lang="zh-CN" altLang="en-US" sz="1400" b="1" smtClean="0"/>
+              <a:rPr lang="zh-CN" altLang="en-US" sz="1400" b="1" dirty="0" smtClean="0"/>
               <a:t>：实际操作中最关心的一个？不知道根本无法操作</a:t>
             </a:r>
-            <a:endParaRPr lang="en-US" altLang="zh-CN" sz="1400" b="1" smtClean="0"/>
+            <a:endParaRPr lang="en-US" altLang="zh-CN" sz="1400" b="1" dirty="0" smtClean="0"/>
           </a:p>
           <a:p>
             <a:pPr>
@@ -7349,49 +7709,49 @@
               <a:buChar char="-"/>
             </a:pPr>
             <a:r>
-              <a:rPr lang="en-US" altLang="zh-CN" sz="1400" smtClean="0"/>
+              <a:rPr lang="en-US" altLang="zh-CN" sz="1400" dirty="0" smtClean="0"/>
               <a:t>AOF </a:t>
             </a:r>
             <a:r>
-              <a:rPr lang="zh-CN" altLang="en-US" sz="1400" smtClean="0"/>
+              <a:rPr lang="zh-CN" altLang="en-US" sz="1400" dirty="0" smtClean="0"/>
               <a:t>重写原理</a:t>
             </a:r>
-            <a:endParaRPr lang="en-US" altLang="zh-CN" sz="1400" smtClean="0"/>
+            <a:endParaRPr lang="en-US" altLang="zh-CN" sz="1400" dirty="0" smtClean="0"/>
           </a:p>
           <a:p>
             <a:pPr marL="0" indent="0">
               <a:buNone/>
             </a:pPr>
-            <a:endParaRPr lang="zh-CN" altLang="en-US" sz="1400" b="1"/>
+            <a:endParaRPr lang="zh-CN" altLang="en-US" sz="1400" b="1" dirty="0"/>
           </a:p>
           <a:p>
             <a:pPr marL="0" indent="0">
               <a:buNone/>
             </a:pPr>
             <a:r>
-              <a:rPr lang="en-US" altLang="zh-CN" sz="1400" smtClean="0"/>
+              <a:rPr lang="en-US" altLang="zh-CN" sz="1400" dirty="0" smtClean="0"/>
               <a:t># </a:t>
             </a:r>
             <a:r>
-              <a:rPr lang="zh-CN" altLang="en-US" sz="1400" smtClean="0"/>
+              <a:rPr lang="zh-CN" altLang="en-US" sz="1400" dirty="0" smtClean="0"/>
               <a:t>陈咬</a:t>
             </a:r>
             <a:r>
-              <a:rPr lang="zh-CN" altLang="en-US" sz="1400"/>
+              <a:rPr lang="zh-CN" altLang="en-US" sz="1400" dirty="0"/>
               <a:t>金第三</a:t>
             </a:r>
             <a:r>
-              <a:rPr lang="zh-CN" altLang="en-US" sz="1400" smtClean="0"/>
+              <a:rPr lang="zh-CN" altLang="en-US" sz="1400" dirty="0" smtClean="0"/>
               <a:t>斧：解决了一个什么问题？最值得学习一点是，是你不清楚，不是别人。</a:t>
             </a:r>
-            <a:endParaRPr lang="en-US" altLang="zh-CN" sz="1400"/>
+            <a:endParaRPr lang="en-US" altLang="zh-CN" sz="1400" dirty="0"/>
           </a:p>
           <a:p>
             <a:pPr marL="0" indent="0">
               <a:buNone/>
             </a:pPr>
             <a:r>
-              <a:rPr lang="en-US" altLang="zh-CN" sz="1400" smtClean="0">
+              <a:rPr lang="en-US" altLang="zh-CN" sz="1400" dirty="0" smtClean="0">
                 <a:solidFill>
                   <a:srgbClr val="FF0000"/>
                 </a:solidFill>
@@ -7399,14 +7759,14 @@
               <a:t>   </a:t>
             </a:r>
             <a:r>
-              <a:rPr lang="zh-CN" altLang="en-US" sz="1400" smtClean="0">
+              <a:rPr lang="zh-CN" altLang="en-US" sz="1400" dirty="0" smtClean="0">
                 <a:solidFill>
                   <a:srgbClr val="FF0000"/>
                 </a:solidFill>
               </a:rPr>
               <a:t>持久化过中，如果有新业务来怎么办？</a:t>
             </a:r>
-            <a:endParaRPr lang="en-US" altLang="zh-CN" sz="1400" smtClean="0">
+            <a:endParaRPr lang="en-US" altLang="zh-CN" sz="1400" dirty="0" smtClean="0">
               <a:solidFill>
                 <a:srgbClr val="FF0000"/>
               </a:solidFill>
@@ -7502,7 +7862,7 @@
     </p:spTree>
     <p:extLst>
       <p:ext uri="{BB962C8B-B14F-4D97-AF65-F5344CB8AC3E}">
-        <p14:creationId xmlns:p14="http://schemas.microsoft.com/office/powerpoint/2010/main" val="3088158287"/>
+        <p14:creationId xmlns:p14="http://schemas.microsoft.com/office/powerpoint/2010/main" xmlns="" val="3088158287"/>
       </p:ext>
     </p:extLst>
   </p:cSld>
@@ -7557,7 +7917,7 @@
               <a:buAutoNum type="arabicPeriod"/>
             </a:pPr>
             <a:r>
-              <a:rPr lang="en-US" altLang="zh-CN" sz="1400" smtClean="0">
+              <a:rPr lang="en-US" altLang="zh-CN" sz="1400" dirty="0" err="1" smtClean="0">
                 <a:solidFill>
                   <a:srgbClr val="FF0000"/>
                 </a:solidFill>
@@ -7565,7 +7925,7 @@
               <a:t>Mdb</a:t>
             </a:r>
             <a:r>
-              <a:rPr lang="zh-CN" altLang="en-US" sz="1400" smtClean="0">
+              <a:rPr lang="zh-CN" altLang="en-US" sz="1400" dirty="0" smtClean="0">
                 <a:solidFill>
                   <a:srgbClr val="FF0000"/>
                 </a:solidFill>
@@ -7573,7 +7933,7 @@
               <a:t>你一直说持久化 持久化，但是没有说出具体哪个类型的持久化，你没有名词描述 </a:t>
             </a:r>
             <a:r>
-              <a:rPr lang="en-US" altLang="zh-CN" sz="1400" smtClean="0">
+              <a:rPr lang="en-US" altLang="zh-CN" sz="1400" dirty="0" smtClean="0">
                 <a:solidFill>
                   <a:srgbClr val="FF0000"/>
                 </a:solidFill>
@@ -7586,14 +7946,14 @@
               <a:buNone/>
             </a:pPr>
             <a:r>
-              <a:rPr lang="zh-CN" altLang="en-US" sz="1400" smtClean="0">
+              <a:rPr lang="zh-CN" altLang="en-US" sz="1400" dirty="0" smtClean="0">
                 <a:solidFill>
                   <a:srgbClr val="FF0000"/>
                 </a:solidFill>
               </a:rPr>
               <a:t>全量：增量</a:t>
             </a:r>
-            <a:endParaRPr lang="en-US" altLang="zh-CN" sz="1400" smtClean="0">
+            <a:endParaRPr lang="en-US" altLang="zh-CN" sz="1400" dirty="0" smtClean="0">
               <a:solidFill>
                 <a:srgbClr val="FF0000"/>
               </a:solidFill>
@@ -7604,7 +7964,7 @@
               <a:buNone/>
             </a:pPr>
             <a:r>
-              <a:rPr lang="en-US" altLang="zh-CN" sz="1400" smtClean="0">
+              <a:rPr lang="en-US" altLang="zh-CN" sz="1400" dirty="0" smtClean="0">
                 <a:solidFill>
                   <a:srgbClr val="FF0000"/>
                 </a:solidFill>
@@ -7612,7 +7972,7 @@
               <a:t>2. </a:t>
             </a:r>
             <a:r>
-              <a:rPr lang="zh-CN" altLang="en-US" sz="1400" smtClean="0">
+              <a:rPr lang="zh-CN" altLang="en-US" sz="1400" dirty="0" smtClean="0">
                 <a:solidFill>
                   <a:srgbClr val="FF0000"/>
                 </a:solidFill>
@@ -7620,7 +7980,7 @@
               <a:t>你一直</a:t>
             </a:r>
             <a:r>
-              <a:rPr lang="en-US" altLang="zh-CN" sz="1400" smtClean="0">
+              <a:rPr lang="en-US" altLang="zh-CN" sz="1400" dirty="0" smtClean="0">
                 <a:solidFill>
                   <a:srgbClr val="FF0000"/>
                 </a:solidFill>
@@ -7628,14 +7988,14 @@
               <a:t>fork </a:t>
             </a:r>
             <a:r>
-              <a:rPr lang="zh-CN" altLang="en-US" sz="1400" smtClean="0">
+              <a:rPr lang="zh-CN" altLang="en-US" sz="1400" dirty="0" smtClean="0">
                 <a:solidFill>
                   <a:srgbClr val="FF0000"/>
                 </a:solidFill>
               </a:rPr>
               <a:t>持久化，然后不影响业务，复制过程中呢</a:t>
             </a:r>
-            <a:endParaRPr lang="en-US" altLang="zh-CN" sz="1400" smtClean="0">
+            <a:endParaRPr lang="en-US" altLang="zh-CN" sz="1400" dirty="0" smtClean="0">
               <a:solidFill>
                 <a:srgbClr val="FF0000"/>
               </a:solidFill>
@@ -7646,7 +8006,7 @@
               <a:buNone/>
             </a:pPr>
             <a:r>
-              <a:rPr lang="en-US" altLang="zh-CN" sz="1400" smtClean="0">
+              <a:rPr lang="en-US" altLang="zh-CN" sz="1400" dirty="0" smtClean="0">
                 <a:solidFill>
                   <a:srgbClr val="FF0000"/>
                 </a:solidFill>
@@ -7654,14 +8014,14 @@
               <a:t>3. </a:t>
             </a:r>
             <a:r>
-              <a:rPr lang="zh-CN" altLang="en-US" sz="1400" smtClean="0">
+              <a:rPr lang="zh-CN" altLang="en-US" sz="1400" dirty="0" smtClean="0">
                 <a:solidFill>
                   <a:srgbClr val="FF0000"/>
                 </a:solidFill>
               </a:rPr>
               <a:t>你一直说异步复制，这只是其中的一部分</a:t>
             </a:r>
-            <a:endParaRPr lang="en-US" altLang="zh-CN" sz="1400" smtClean="0">
+            <a:endParaRPr lang="en-US" altLang="zh-CN" sz="1400" dirty="0" smtClean="0">
               <a:solidFill>
                 <a:srgbClr val="FF0000"/>
               </a:solidFill>
@@ -7672,7 +8032,7 @@
               <a:buNone/>
             </a:pPr>
             <a:r>
-              <a:rPr lang="en-US" altLang="zh-CN" sz="1400" smtClean="0">
+              <a:rPr lang="en-US" altLang="zh-CN" sz="1400" dirty="0" smtClean="0">
                 <a:solidFill>
                   <a:srgbClr val="FF0000"/>
                 </a:solidFill>
@@ -7680,14 +8040,14 @@
               <a:t>4. </a:t>
             </a:r>
             <a:r>
-              <a:rPr lang="zh-CN" altLang="en-US" sz="1400" smtClean="0">
+              <a:rPr lang="zh-CN" altLang="en-US" sz="1400" dirty="0" smtClean="0">
                 <a:solidFill>
                   <a:srgbClr val="FF0000"/>
                 </a:solidFill>
               </a:rPr>
               <a:t>一致性如何理解</a:t>
             </a:r>
-            <a:endParaRPr lang="en-US" altLang="zh-CN" sz="1400" smtClean="0">
+            <a:endParaRPr lang="en-US" altLang="zh-CN" sz="1400" dirty="0" smtClean="0">
               <a:solidFill>
                 <a:srgbClr val="FF0000"/>
               </a:solidFill>
@@ -7698,7 +8058,7 @@
               <a:buNone/>
             </a:pPr>
             <a:r>
-              <a:rPr lang="en-US" altLang="zh-CN" sz="1400" smtClean="0">
+              <a:rPr lang="en-US" altLang="zh-CN" sz="1400" dirty="0" smtClean="0">
                 <a:solidFill>
                   <a:srgbClr val="FF0000"/>
                 </a:solidFill>
@@ -7706,7 +8066,7 @@
               <a:t>5. </a:t>
             </a:r>
             <a:r>
-              <a:rPr lang="zh-CN" altLang="en-US" sz="1400">
+              <a:rPr lang="zh-CN" altLang="en-US" sz="1400" dirty="0">
                 <a:solidFill>
                   <a:srgbClr val="FF0000"/>
                 </a:solidFill>
@@ -7714,7 +8074,7 @@
               <a:t>一</a:t>
             </a:r>
             <a:r>
-              <a:rPr lang="zh-CN" altLang="en-US" sz="1400" smtClean="0">
+              <a:rPr lang="zh-CN" altLang="en-US" sz="1400" dirty="0" smtClean="0">
                 <a:solidFill>
                   <a:srgbClr val="FF0000"/>
                 </a:solidFill>
@@ -7722,7 +8082,7 @@
               <a:t>直在说</a:t>
             </a:r>
             <a:r>
-              <a:rPr lang="en-US" altLang="zh-CN" sz="1400" smtClean="0">
+              <a:rPr lang="en-US" altLang="zh-CN" sz="1400" dirty="0" smtClean="0">
                 <a:solidFill>
                   <a:srgbClr val="FF0000"/>
                 </a:solidFill>
@@ -7730,14 +8090,14 @@
               <a:t>rehash</a:t>
             </a:r>
             <a:r>
-              <a:rPr lang="zh-CN" altLang="en-US" sz="1400" smtClean="0">
+              <a:rPr lang="zh-CN" altLang="en-US" sz="1400" dirty="0" smtClean="0">
                 <a:solidFill>
                   <a:srgbClr val="FF0000"/>
                 </a:solidFill>
               </a:rPr>
               <a:t>这个知识点，不同机器之间。完全理解错误。你不说这个知识点了</a:t>
             </a:r>
-            <a:endParaRPr lang="en-US" altLang="zh-CN" sz="1400" smtClean="0">
+            <a:endParaRPr lang="en-US" altLang="zh-CN" sz="1400" dirty="0" smtClean="0">
               <a:solidFill>
                 <a:srgbClr val="FF0000"/>
               </a:solidFill>
@@ -7747,7 +8107,7 @@
             <a:pPr marL="0" indent="0">
               <a:buNone/>
             </a:pPr>
-            <a:endParaRPr lang="en-US" altLang="zh-CN" sz="1400" smtClean="0">
+            <a:endParaRPr lang="en-US" altLang="zh-CN" sz="1400" dirty="0" smtClean="0">
               <a:solidFill>
                 <a:srgbClr val="FF0000"/>
               </a:solidFill>
@@ -7757,7 +8117,7 @@
             <a:pPr marL="0" indent="0">
               <a:buNone/>
             </a:pPr>
-            <a:endParaRPr lang="en-US" altLang="zh-CN" sz="1400" smtClean="0">
+            <a:endParaRPr lang="en-US" altLang="zh-CN" sz="1400" dirty="0" smtClean="0">
               <a:solidFill>
                 <a:srgbClr val="FF0000"/>
               </a:solidFill>
@@ -7845,7 +8205,7 @@
     </p:spTree>
     <p:extLst>
       <p:ext uri="{BB962C8B-B14F-4D97-AF65-F5344CB8AC3E}">
-        <p14:creationId xmlns:p14="http://schemas.microsoft.com/office/powerpoint/2010/main" val="3320315741"/>
+        <p14:creationId xmlns:p14="http://schemas.microsoft.com/office/powerpoint/2010/main" xmlns="" val="3320315741"/>
       </p:ext>
     </p:extLst>
   </p:cSld>
@@ -7972,7 +8332,7 @@
           <a:blip r:embed="rId3">
             <a:extLst>
               <a:ext uri="{28A0092B-C50C-407E-A947-70E740481C1C}">
-                <a14:useLocalDpi xmlns:a14="http://schemas.microsoft.com/office/drawing/2010/main" val="0"/>
+                <a14:useLocalDpi xmlns:a14="http://schemas.microsoft.com/office/drawing/2010/main" xmlns="" val="0"/>
               </a:ext>
             </a:extLst>
           </a:blip>
@@ -7995,14 +8355,14 @@
           </a:ln>
           <a:extLst>
             <a:ext uri="{909E8E84-426E-40DD-AFC4-6F175D3DCCD1}">
-              <a14:hiddenFill xmlns:a14="http://schemas.microsoft.com/office/drawing/2010/main">
+              <a14:hiddenFill xmlns:a14="http://schemas.microsoft.com/office/drawing/2010/main" xmlns="">
                 <a:solidFill>
                   <a:schemeClr val="accent1"/>
                 </a:solidFill>
               </a14:hiddenFill>
             </a:ext>
             <a:ext uri="{91240B29-F687-4F45-9708-019B960494DF}">
-              <a14:hiddenLine xmlns:a14="http://schemas.microsoft.com/office/drawing/2010/main" w="9525">
+              <a14:hiddenLine xmlns:a14="http://schemas.microsoft.com/office/drawing/2010/main" xmlns="" w="9525">
                 <a:solidFill>
                   <a:schemeClr val="tx1"/>
                 </a:solidFill>
@@ -8026,7 +8386,7 @@
           <a:blip r:embed="rId4">
             <a:extLst>
               <a:ext uri="{28A0092B-C50C-407E-A947-70E740481C1C}">
-                <a14:useLocalDpi xmlns:a14="http://schemas.microsoft.com/office/drawing/2010/main" val="0"/>
+                <a14:useLocalDpi xmlns:a14="http://schemas.microsoft.com/office/drawing/2010/main" xmlns="" val="0"/>
               </a:ext>
             </a:extLst>
           </a:blip>
@@ -8049,14 +8409,14 @@
           </a:ln>
           <a:extLst>
             <a:ext uri="{909E8E84-426E-40DD-AFC4-6F175D3DCCD1}">
-              <a14:hiddenFill xmlns:a14="http://schemas.microsoft.com/office/drawing/2010/main">
+              <a14:hiddenFill xmlns:a14="http://schemas.microsoft.com/office/drawing/2010/main" xmlns="">
                 <a:solidFill>
                   <a:schemeClr val="accent1"/>
                 </a:solidFill>
               </a14:hiddenFill>
             </a:ext>
             <a:ext uri="{91240B29-F687-4F45-9708-019B960494DF}">
-              <a14:hiddenLine xmlns:a14="http://schemas.microsoft.com/office/drawing/2010/main" w="9525">
+              <a14:hiddenLine xmlns:a14="http://schemas.microsoft.com/office/drawing/2010/main" xmlns="" w="9525">
                 <a:solidFill>
                   <a:schemeClr val="tx1"/>
                 </a:solidFill>
@@ -8197,22 +8557,30 @@
           <a:lstStyle/>
           <a:p>
             <a:r>
-              <a:rPr lang="en-US" altLang="zh-CN" sz="2000">
+              <a:rPr lang="en-US" altLang="zh-CN" sz="2000" dirty="0" err="1">
                 <a:solidFill>
                   <a:srgbClr val="00B050"/>
                 </a:solidFill>
               </a:rPr>
-              <a:t>rewriteAppendOnlyFileBackground </a:t>
-            </a:r>
-            <a:r>
-              <a:rPr lang="en-US" altLang="zh-CN" sz="2000" smtClean="0">
+              <a:t>rewriteAppendOnlyFileBackground</a:t>
+            </a:r>
+            <a:r>
+              <a:rPr lang="en-US" altLang="zh-CN" sz="2000" dirty="0">
                 <a:solidFill>
                   <a:srgbClr val="00B050"/>
                 </a:solidFill>
               </a:rPr>
+              <a:t> </a:t>
+            </a:r>
+            <a:r>
+              <a:rPr lang="en-US" altLang="zh-CN" sz="2000" dirty="0" err="1" smtClean="0">
+                <a:solidFill>
+                  <a:srgbClr val="00B050"/>
+                </a:solidFill>
+              </a:rPr>
               <a:t>backgroundRewriteDoneHandler</a:t>
             </a:r>
-            <a:endParaRPr lang="zh-CN" altLang="en-US" sz="2000">
+            <a:endParaRPr lang="zh-CN" altLang="en-US" sz="2000" dirty="0">
               <a:solidFill>
                 <a:srgbClr val="00B050"/>
               </a:solidFill>
@@ -8223,7 +8591,7 @@
     </p:spTree>
     <p:extLst>
       <p:ext uri="{BB962C8B-B14F-4D97-AF65-F5344CB8AC3E}">
-        <p14:creationId xmlns:p14="http://schemas.microsoft.com/office/powerpoint/2010/main" val="1883045415"/>
+        <p14:creationId xmlns:p14="http://schemas.microsoft.com/office/powerpoint/2010/main" xmlns="" val="1883045415"/>
       </p:ext>
     </p:extLst>
   </p:cSld>
@@ -9126,7 +9494,7 @@
     </p:spTree>
     <p:extLst>
       <p:ext uri="{BB962C8B-B14F-4D97-AF65-F5344CB8AC3E}">
-        <p14:creationId xmlns:p14="http://schemas.microsoft.com/office/powerpoint/2010/main" val="3435373313"/>
+        <p14:creationId xmlns:p14="http://schemas.microsoft.com/office/powerpoint/2010/main" xmlns="" val="3435373313"/>
       </p:ext>
     </p:extLst>
   </p:cSld>
@@ -9857,11 +10225,7 @@
             </a:r>
             <a:r>
               <a:rPr lang="en-US" altLang="zh-CN" sz="2000" smtClean="0"/>
-              <a:t>(</a:t>
-            </a:r>
-            <a:r>
-              <a:rPr lang="en-US" altLang="zh-CN" sz="2000" smtClean="0"/>
-              <a:t>2)</a:t>
+              <a:t>(2)</a:t>
             </a:r>
             <a:endParaRPr lang="zh-CN" altLang="en-US" sz="2000"/>
           </a:p>
@@ -9881,7 +10245,7 @@
           <a:blip r:embed="rId3">
             <a:extLst>
               <a:ext uri="{28A0092B-C50C-407E-A947-70E740481C1C}">
-                <a14:useLocalDpi xmlns:a14="http://schemas.microsoft.com/office/drawing/2010/main" val="0"/>
+                <a14:useLocalDpi xmlns:a14="http://schemas.microsoft.com/office/drawing/2010/main" xmlns="" val="0"/>
               </a:ext>
             </a:extLst>
           </a:blip>
@@ -9904,14 +10268,14 @@
           </a:ln>
           <a:extLst>
             <a:ext uri="{909E8E84-426E-40DD-AFC4-6F175D3DCCD1}">
-              <a14:hiddenFill xmlns:a14="http://schemas.microsoft.com/office/drawing/2010/main">
+              <a14:hiddenFill xmlns:a14="http://schemas.microsoft.com/office/drawing/2010/main" xmlns="">
                 <a:solidFill>
                   <a:schemeClr val="accent1"/>
                 </a:solidFill>
               </a14:hiddenFill>
             </a:ext>
             <a:ext uri="{91240B29-F687-4F45-9708-019B960494DF}">
-              <a14:hiddenLine xmlns:a14="http://schemas.microsoft.com/office/drawing/2010/main" w="9525">
+              <a14:hiddenLine xmlns:a14="http://schemas.microsoft.com/office/drawing/2010/main" xmlns="" w="9525">
                 <a:solidFill>
                   <a:schemeClr val="tx1"/>
                 </a:solidFill>
@@ -9935,7 +10299,7 @@
           <a:blip r:embed="rId4">
             <a:extLst>
               <a:ext uri="{28A0092B-C50C-407E-A947-70E740481C1C}">
-                <a14:useLocalDpi xmlns:a14="http://schemas.microsoft.com/office/drawing/2010/main" val="0"/>
+                <a14:useLocalDpi xmlns:a14="http://schemas.microsoft.com/office/drawing/2010/main" xmlns="" val="0"/>
               </a:ext>
             </a:extLst>
           </a:blip>
@@ -9958,14 +10322,14 @@
           </a:ln>
           <a:extLst>
             <a:ext uri="{909E8E84-426E-40DD-AFC4-6F175D3DCCD1}">
-              <a14:hiddenFill xmlns:a14="http://schemas.microsoft.com/office/drawing/2010/main">
+              <a14:hiddenFill xmlns:a14="http://schemas.microsoft.com/office/drawing/2010/main" xmlns="">
                 <a:solidFill>
                   <a:schemeClr val="accent1"/>
                 </a:solidFill>
               </a14:hiddenFill>
             </a:ext>
             <a:ext uri="{91240B29-F687-4F45-9708-019B960494DF}">
-              <a14:hiddenLine xmlns:a14="http://schemas.microsoft.com/office/drawing/2010/main" w="9525">
+              <a14:hiddenLine xmlns:a14="http://schemas.microsoft.com/office/drawing/2010/main" xmlns="" w="9525">
                 <a:solidFill>
                   <a:schemeClr val="tx1"/>
                 </a:solidFill>
@@ -9989,7 +10353,7 @@
           <a:blip r:embed="rId5">
             <a:extLst>
               <a:ext uri="{28A0092B-C50C-407E-A947-70E740481C1C}">
-                <a14:useLocalDpi xmlns:a14="http://schemas.microsoft.com/office/drawing/2010/main" val="0"/>
+                <a14:useLocalDpi xmlns:a14="http://schemas.microsoft.com/office/drawing/2010/main" xmlns="" val="0"/>
               </a:ext>
             </a:extLst>
           </a:blip>
@@ -10012,14 +10376,14 @@
           </a:ln>
           <a:extLst>
             <a:ext uri="{909E8E84-426E-40DD-AFC4-6F175D3DCCD1}">
-              <a14:hiddenFill xmlns:a14="http://schemas.microsoft.com/office/drawing/2010/main">
+              <a14:hiddenFill xmlns:a14="http://schemas.microsoft.com/office/drawing/2010/main" xmlns="">
                 <a:solidFill>
                   <a:schemeClr val="accent1"/>
                 </a:solidFill>
               </a14:hiddenFill>
             </a:ext>
             <a:ext uri="{91240B29-F687-4F45-9708-019B960494DF}">
-              <a14:hiddenLine xmlns:a14="http://schemas.microsoft.com/office/drawing/2010/main" w="9525">
+              <a14:hiddenLine xmlns:a14="http://schemas.microsoft.com/office/drawing/2010/main" xmlns="" w="9525">
                 <a:solidFill>
                   <a:schemeClr val="tx1"/>
                 </a:solidFill>
@@ -10043,7 +10407,7 @@
           <a:blip r:embed="rId6">
             <a:extLst>
               <a:ext uri="{28A0092B-C50C-407E-A947-70E740481C1C}">
-                <a14:useLocalDpi xmlns:a14="http://schemas.microsoft.com/office/drawing/2010/main" val="0"/>
+                <a14:useLocalDpi xmlns:a14="http://schemas.microsoft.com/office/drawing/2010/main" xmlns="" val="0"/>
               </a:ext>
             </a:extLst>
           </a:blip>
@@ -10066,14 +10430,14 @@
           </a:ln>
           <a:extLst>
             <a:ext uri="{909E8E84-426E-40DD-AFC4-6F175D3DCCD1}">
-              <a14:hiddenFill xmlns:a14="http://schemas.microsoft.com/office/drawing/2010/main">
+              <a14:hiddenFill xmlns:a14="http://schemas.microsoft.com/office/drawing/2010/main" xmlns="">
                 <a:solidFill>
                   <a:schemeClr val="accent1"/>
                 </a:solidFill>
               </a14:hiddenFill>
             </a:ext>
             <a:ext uri="{91240B29-F687-4F45-9708-019B960494DF}">
-              <a14:hiddenLine xmlns:a14="http://schemas.microsoft.com/office/drawing/2010/main" w="9525">
+              <a14:hiddenLine xmlns:a14="http://schemas.microsoft.com/office/drawing/2010/main" xmlns="" w="9525">
                 <a:solidFill>
                   <a:schemeClr val="tx1"/>
                 </a:solidFill>
@@ -10097,7 +10461,7 @@
           <a:blip r:embed="rId7" cstate="print">
             <a:extLst>
               <a:ext uri="{28A0092B-C50C-407E-A947-70E740481C1C}">
-                <a14:useLocalDpi xmlns:a14="http://schemas.microsoft.com/office/drawing/2010/main" val="0"/>
+                <a14:useLocalDpi xmlns:a14="http://schemas.microsoft.com/office/drawing/2010/main" xmlns="" val="0"/>
               </a:ext>
             </a:extLst>
           </a:blip>
@@ -10120,14 +10484,14 @@
           </a:ln>
           <a:extLst>
             <a:ext uri="{909E8E84-426E-40DD-AFC4-6F175D3DCCD1}">
-              <a14:hiddenFill xmlns:a14="http://schemas.microsoft.com/office/drawing/2010/main">
+              <a14:hiddenFill xmlns:a14="http://schemas.microsoft.com/office/drawing/2010/main" xmlns="">
                 <a:solidFill>
                   <a:schemeClr val="accent1"/>
                 </a:solidFill>
               </a14:hiddenFill>
             </a:ext>
             <a:ext uri="{91240B29-F687-4F45-9708-019B960494DF}">
-              <a14:hiddenLine xmlns:a14="http://schemas.microsoft.com/office/drawing/2010/main" w="9525">
+              <a14:hiddenLine xmlns:a14="http://schemas.microsoft.com/office/drawing/2010/main" xmlns="" w="9525">
                 <a:solidFill>
                   <a:schemeClr val="tx1"/>
                 </a:solidFill>
@@ -10142,7 +10506,7 @@
     </p:spTree>
     <p:extLst>
       <p:ext uri="{BB962C8B-B14F-4D97-AF65-F5344CB8AC3E}">
-        <p14:creationId xmlns:p14="http://schemas.microsoft.com/office/powerpoint/2010/main" val="2383228027"/>
+        <p14:creationId xmlns:p14="http://schemas.microsoft.com/office/powerpoint/2010/main" xmlns="" val="2383228027"/>
       </p:ext>
     </p:extLst>
   </p:cSld>
@@ -10747,11 +11111,6 @@
               </a:rPr>
               <a:t>CAP</a:t>
             </a:r>
-            <a:endParaRPr lang="en-US" altLang="zh-CN" smtClean="0">
-              <a:solidFill>
-                <a:srgbClr val="FF0000"/>
-              </a:solidFill>
-            </a:endParaRPr>
           </a:p>
         </p:txBody>
       </p:sp>
@@ -10806,11 +11165,7 @@
             </a:r>
             <a:r>
               <a:rPr lang="en-US" altLang="zh-CN" smtClean="0"/>
-              <a:t> </a:t>
-            </a:r>
-            <a:r>
-              <a:rPr lang="en-US" altLang="zh-CN" smtClean="0"/>
-              <a:t>(3)</a:t>
+              <a:t> (3)</a:t>
             </a:r>
             <a:endParaRPr lang="zh-CN" altLang="en-US"/>
           </a:p>
@@ -10819,7 +11174,7 @@
     </p:spTree>
     <p:extLst>
       <p:ext uri="{BB962C8B-B14F-4D97-AF65-F5344CB8AC3E}">
-        <p14:creationId xmlns:p14="http://schemas.microsoft.com/office/powerpoint/2010/main" val="854360838"/>
+        <p14:creationId xmlns:p14="http://schemas.microsoft.com/office/powerpoint/2010/main" xmlns="" val="854360838"/>
       </p:ext>
     </p:extLst>
   </p:cSld>
@@ -11250,7 +11605,7 @@
           <a:blip r:embed="rId3">
             <a:extLst>
               <a:ext uri="{28A0092B-C50C-407E-A947-70E740481C1C}">
-                <a14:useLocalDpi xmlns:a14="http://schemas.microsoft.com/office/drawing/2010/main" val="0"/>
+                <a14:useLocalDpi xmlns:a14="http://schemas.microsoft.com/office/drawing/2010/main" xmlns="" val="0"/>
               </a:ext>
             </a:extLst>
           </a:blip>
@@ -11273,14 +11628,14 @@
           </a:ln>
           <a:extLst>
             <a:ext uri="{909E8E84-426E-40DD-AFC4-6F175D3DCCD1}">
-              <a14:hiddenFill xmlns:a14="http://schemas.microsoft.com/office/drawing/2010/main">
+              <a14:hiddenFill xmlns:a14="http://schemas.microsoft.com/office/drawing/2010/main" xmlns="">
                 <a:solidFill>
                   <a:schemeClr val="accent1"/>
                 </a:solidFill>
               </a14:hiddenFill>
             </a:ext>
             <a:ext uri="{91240B29-F687-4F45-9708-019B960494DF}">
-              <a14:hiddenLine xmlns:a14="http://schemas.microsoft.com/office/drawing/2010/main" w="9525">
+              <a14:hiddenLine xmlns:a14="http://schemas.microsoft.com/office/drawing/2010/main" xmlns="" w="9525">
                 <a:solidFill>
                   <a:schemeClr val="tx1"/>
                 </a:solidFill>
@@ -11304,7 +11659,7 @@
           <a:blip r:embed="rId4">
             <a:extLst>
               <a:ext uri="{28A0092B-C50C-407E-A947-70E740481C1C}">
-                <a14:useLocalDpi xmlns:a14="http://schemas.microsoft.com/office/drawing/2010/main" val="0"/>
+                <a14:useLocalDpi xmlns:a14="http://schemas.microsoft.com/office/drawing/2010/main" xmlns="" val="0"/>
               </a:ext>
             </a:extLst>
           </a:blip>
@@ -11327,14 +11682,14 @@
           </a:ln>
           <a:extLst>
             <a:ext uri="{909E8E84-426E-40DD-AFC4-6F175D3DCCD1}">
-              <a14:hiddenFill xmlns:a14="http://schemas.microsoft.com/office/drawing/2010/main">
+              <a14:hiddenFill xmlns:a14="http://schemas.microsoft.com/office/drawing/2010/main" xmlns="">
                 <a:solidFill>
                   <a:schemeClr val="accent1"/>
                 </a:solidFill>
               </a14:hiddenFill>
             </a:ext>
             <a:ext uri="{91240B29-F687-4F45-9708-019B960494DF}">
-              <a14:hiddenLine xmlns:a14="http://schemas.microsoft.com/office/drawing/2010/main" w="9525">
+              <a14:hiddenLine xmlns:a14="http://schemas.microsoft.com/office/drawing/2010/main" xmlns="" w="9525">
                 <a:solidFill>
                   <a:schemeClr val="tx1"/>
                 </a:solidFill>
@@ -11349,7 +11704,7 @@
     </p:spTree>
     <p:extLst>
       <p:ext uri="{BB962C8B-B14F-4D97-AF65-F5344CB8AC3E}">
-        <p14:creationId xmlns:p14="http://schemas.microsoft.com/office/powerpoint/2010/main" val="1080634845"/>
+        <p14:creationId xmlns:p14="http://schemas.microsoft.com/office/powerpoint/2010/main" xmlns="" val="1080634845"/>
       </p:ext>
     </p:extLst>
   </p:cSld>
@@ -11458,7 +11813,7 @@
     </p:spTree>
     <p:extLst>
       <p:ext uri="{BB962C8B-B14F-4D97-AF65-F5344CB8AC3E}">
-        <p14:creationId xmlns:p14="http://schemas.microsoft.com/office/powerpoint/2010/main" val="833908138"/>
+        <p14:creationId xmlns:p14="http://schemas.microsoft.com/office/powerpoint/2010/main" xmlns="" val="833908138"/>
       </p:ext>
     </p:extLst>
   </p:cSld>
@@ -11680,7 +12035,59 @@
           <a:bodyPr/>
           <a:lstStyle/>
           <a:p>
-            <a:endParaRPr lang="zh-CN" altLang="en-US"/>
+            <a:r>
+              <a:rPr altLang="en-US" dirty="0" smtClean="0"/>
+              <a:t>查询快 ？数据结构设计合适 </a:t>
+            </a:r>
+            <a:r>
+              <a:rPr lang="en-US" altLang="zh-CN" dirty="0" err="1" smtClean="0"/>
+              <a:t>hatable</a:t>
+            </a:r>
+            <a:r>
+              <a:rPr lang="en-US" altLang="zh-CN" dirty="0" smtClean="0"/>
+              <a:t> </a:t>
+            </a:r>
+            <a:r>
+              <a:rPr dirty="0" smtClean="0"/>
+              <a:t>跳表</a:t>
+            </a:r>
+            <a:endParaRPr lang="en-US" dirty="0" smtClean="0"/>
+          </a:p>
+          <a:p>
+            <a:r>
+              <a:rPr dirty="0" smtClean="0"/>
+              <a:t>跳表 实现原理？ 平衡的公式是什么</a:t>
+            </a:r>
+            <a:endParaRPr lang="en-US" dirty="0" smtClean="0"/>
+          </a:p>
+          <a:p>
+            <a:r>
+              <a:rPr dirty="0" smtClean="0"/>
+              <a:t>你自己如何设计？数量</a:t>
+            </a:r>
+            <a:r>
+              <a:rPr lang="en-US" altLang="zh-CN" dirty="0" smtClean="0"/>
+              <a:t>n</a:t>
+            </a:r>
+            <a:r>
+              <a:rPr dirty="0" smtClean="0"/>
+              <a:t>与深度关系</a:t>
+            </a:r>
+            <a:endParaRPr lang="en-US" dirty="0" smtClean="0"/>
+          </a:p>
+          <a:p>
+            <a:pPr>
+              <a:buNone/>
+            </a:pPr>
+            <a:r>
+              <a:rPr dirty="0"/>
+              <a:t> </a:t>
+            </a:r>
+            <a:r>
+              <a:rPr dirty="0" smtClean="0"/>
+              <a:t>    </a:t>
+            </a:r>
+            <a:endParaRPr lang="zh-CN" altLang="en-US" dirty="0"/>
           </a:p>
         </p:txBody>
       </p:sp>
@@ -11716,21 +12123,33 @@
           <a:lstStyle/>
           <a:p>
             <a:r>
-              <a:rPr lang="zh-CN" altLang="en-US" smtClean="0"/>
-              <a:t>协程 如何做到并发 </a:t>
-            </a:r>
-            <a:r>
-              <a:rPr lang="en-US" altLang="zh-CN" smtClean="0"/>
-              <a:t>st</a:t>
-            </a:r>
-            <a:endParaRPr lang="zh-CN" altLang="en-US"/>
+              <a:rPr lang="zh-CN" altLang="en-US" dirty="0" smtClean="0"/>
+              <a:t>第八题：</a:t>
+            </a:r>
+            <a:r>
+              <a:rPr lang="en-US" altLang="zh-CN" dirty="0" err="1" smtClean="0"/>
+              <a:t>Redis</a:t>
+            </a:r>
+            <a:r>
+              <a:rPr lang="en-US" altLang="zh-CN" dirty="0" smtClean="0"/>
+              <a:t> </a:t>
+            </a:r>
+            <a:r>
+              <a:rPr lang="zh-CN" altLang="en-US" dirty="0" smtClean="0"/>
+              <a:t>为什么这么快 </a:t>
+            </a:r>
+            <a:r>
+              <a:rPr lang="zh-CN" altLang="en-US" dirty="0" smtClean="0"/>
+              <a:t>？</a:t>
+            </a:r>
+            <a:endParaRPr lang="zh-CN" altLang="en-US" dirty="0"/>
           </a:p>
         </p:txBody>
       </p:sp>
     </p:spTree>
     <p:extLst>
       <p:ext uri="{BB962C8B-B14F-4D97-AF65-F5344CB8AC3E}">
-        <p14:creationId xmlns:p14="http://schemas.microsoft.com/office/powerpoint/2010/main" val="3694667909"/>
+        <p14:creationId xmlns:p14="http://schemas.microsoft.com/office/powerpoint/2010/main" xmlns="" val="3694667909"/>
       </p:ext>
     </p:extLst>
   </p:cSld>
@@ -11779,7 +12198,14 @@
           <a:bodyPr/>
           <a:lstStyle/>
           <a:p>
-            <a:endParaRPr lang="zh-CN" altLang="en-US"/>
+            <a:pPr>
+              <a:buNone/>
+            </a:pPr>
+            <a:r>
+              <a:rPr dirty="0" smtClean="0"/>
+              <a:t>     </a:t>
+            </a:r>
+            <a:endParaRPr lang="zh-CN" altLang="en-US" dirty="0"/>
           </a:p>
         </p:txBody>
       </p:sp>
@@ -11793,33 +12219,192 @@
             <p:ph type="title"/>
           </p:nvPr>
         </p:nvSpPr>
-        <p:spPr/>
+        <p:spPr>
+          <a:xfrm>
+            <a:off x="417600" y="230400"/>
+            <a:ext cx="8583556" cy="857250"/>
+          </a:xfrm>
+        </p:spPr>
+        <p:style>
+          <a:lnRef idx="2">
+            <a:schemeClr val="dk1">
+              <a:shade val="50000"/>
+            </a:schemeClr>
+          </a:lnRef>
+          <a:fillRef idx="1">
+            <a:schemeClr val="dk1"/>
+          </a:fillRef>
+          <a:effectRef idx="0">
+            <a:schemeClr val="dk1"/>
+          </a:effectRef>
+          <a:fontRef idx="minor">
+            <a:schemeClr val="lt1"/>
+          </a:fontRef>
+        </p:style>
         <p:txBody>
           <a:bodyPr/>
           <a:lstStyle/>
           <a:p>
             <a:r>
-              <a:rPr lang="en-US" altLang="zh-CN" smtClean="0"/>
-              <a:t>7 </a:t>
-            </a:r>
-            <a:endParaRPr lang="zh-CN" altLang="en-US"/>
+              <a:rPr lang="zh-CN" altLang="en-US" dirty="0" smtClean="0"/>
+              <a:t>第九题：</a:t>
+            </a:r>
+            <a:r>
+              <a:rPr lang="en-US" altLang="zh-CN" dirty="0" smtClean="0"/>
+              <a:t>master</a:t>
+            </a:r>
+            <a:r>
+              <a:rPr lang="zh-CN" altLang="en-US" dirty="0" smtClean="0"/>
+              <a:t>故障，事务没来得及发送给</a:t>
+            </a:r>
+            <a:r>
+              <a:rPr lang="en-US" altLang="zh-CN" dirty="0" smtClean="0"/>
+              <a:t>client</a:t>
+            </a:r>
+            <a:endParaRPr lang="zh-CN" altLang="en-US" dirty="0"/>
           </a:p>
         </p:txBody>
       </p:sp>
     </p:spTree>
     <p:extLst>
       <p:ext uri="{BB962C8B-B14F-4D97-AF65-F5344CB8AC3E}">
-        <p14:creationId xmlns:p14="http://schemas.microsoft.com/office/powerpoint/2010/main" val="2933391060"/>
+        <p14:creationId xmlns:p14="http://schemas.microsoft.com/office/powerpoint/2010/main" xmlns="" val="3694667909"/>
       </p:ext>
     </p:extLst>
   </p:cSld>
   <p:clrMapOvr>
     <a:masterClrMapping/>
   </p:clrMapOvr>
+  <p:timing>
+    <p:tnLst>
+      <p:par>
+        <p:cTn id="1" dur="indefinite" restart="never" nodeType="tmRoot"/>
+      </p:par>
+    </p:tnLst>
+  </p:timing>
 </p:sld>
 </file>
 
 <file path=ppt/slides/slide22.xml><?xml version="1.0" encoding="utf-8"?>
+<p:sld xmlns:a="http://schemas.openxmlformats.org/drawingml/2006/main" xmlns:r="http://schemas.openxmlformats.org/officeDocument/2006/relationships" xmlns:p="http://schemas.openxmlformats.org/presentationml/2006/main">
+  <p:cSld>
+    <p:spTree>
+      <p:nvGrpSpPr>
+        <p:cNvPr id="1" name=""/>
+        <p:cNvGrpSpPr/>
+        <p:nvPr/>
+      </p:nvGrpSpPr>
+      <p:grpSpPr>
+        <a:xfrm>
+          <a:off x="0" y="0"/>
+          <a:ext cx="0" cy="0"/>
+          <a:chOff x="0" y="0"/>
+          <a:chExt cx="0" cy="0"/>
+        </a:xfrm>
+      </p:grpSpPr>
+      <p:sp>
+        <p:nvSpPr>
+          <p:cNvPr id="2" name="内容占位符 1"/>
+          <p:cNvSpPr>
+            <a:spLocks noGrp="1"/>
+          </p:cNvSpPr>
+          <p:nvPr>
+            <p:ph idx="1"/>
+          </p:nvPr>
+        </p:nvSpPr>
+        <p:spPr/>
+        <p:txBody>
+          <a:bodyPr/>
+          <a:lstStyle/>
+          <a:p>
+            <a:pPr>
+              <a:buNone/>
+            </a:pPr>
+            <a:r>
+              <a:rPr dirty="0" smtClean="0"/>
+              <a:t>     </a:t>
+            </a:r>
+            <a:endParaRPr lang="zh-CN" altLang="en-US" dirty="0"/>
+          </a:p>
+        </p:txBody>
+      </p:sp>
+      <p:sp>
+        <p:nvSpPr>
+          <p:cNvPr id="3" name="标题 2"/>
+          <p:cNvSpPr>
+            <a:spLocks noGrp="1"/>
+          </p:cNvSpPr>
+          <p:nvPr>
+            <p:ph type="title"/>
+          </p:nvPr>
+        </p:nvSpPr>
+        <p:spPr>
+          <a:xfrm>
+            <a:off x="417600" y="230400"/>
+            <a:ext cx="8583556" cy="857250"/>
+          </a:xfrm>
+        </p:spPr>
+        <p:style>
+          <a:lnRef idx="2">
+            <a:schemeClr val="dk1">
+              <a:shade val="50000"/>
+            </a:schemeClr>
+          </a:lnRef>
+          <a:fillRef idx="1">
+            <a:schemeClr val="dk1"/>
+          </a:fillRef>
+          <a:effectRef idx="0">
+            <a:schemeClr val="dk1"/>
+          </a:effectRef>
+          <a:fontRef idx="minor">
+            <a:schemeClr val="lt1"/>
+          </a:fontRef>
+        </p:style>
+        <p:txBody>
+          <a:bodyPr/>
+          <a:lstStyle/>
+          <a:p>
+            <a:r>
+              <a:rPr lang="zh-CN" altLang="en-US" dirty="0" smtClean="0"/>
+              <a:t>第九题：</a:t>
+            </a:r>
+            <a:r>
+              <a:rPr lang="en-US" altLang="zh-CN" dirty="0" smtClean="0"/>
+              <a:t>master</a:t>
+            </a:r>
+            <a:r>
+              <a:rPr lang="zh-CN" altLang="en-US" dirty="0" smtClean="0"/>
+              <a:t>故障，事务没来得及发送给</a:t>
+            </a:r>
+            <a:r>
+              <a:rPr lang="en-US" altLang="zh-CN" dirty="0" smtClean="0"/>
+              <a:t>client</a:t>
+            </a:r>
+            <a:endParaRPr lang="zh-CN" altLang="en-US" dirty="0"/>
+          </a:p>
+        </p:txBody>
+      </p:sp>
+    </p:spTree>
+    <p:extLst>
+      <p:ext uri="{BB962C8B-B14F-4D97-AF65-F5344CB8AC3E}">
+        <p14:creationId xmlns:p14="http://schemas.microsoft.com/office/powerpoint/2010/main" xmlns="" val="3694667909"/>
+      </p:ext>
+    </p:extLst>
+  </p:cSld>
+  <p:clrMapOvr>
+    <a:masterClrMapping/>
+  </p:clrMapOvr>
+  <p:timing>
+    <p:tnLst>
+      <p:par>
+        <p:cTn id="1" dur="indefinite" restart="never" nodeType="tmRoot"/>
+      </p:par>
+    </p:tnLst>
+  </p:timing>
+</p:sld>
+</file>
+
+<file path=ppt/slides/slide23.xml><?xml version="1.0" encoding="utf-8"?>
 <p:sld xmlns:a="http://schemas.openxmlformats.org/drawingml/2006/main" xmlns:r="http://schemas.openxmlformats.org/officeDocument/2006/relationships" xmlns:p="http://schemas.openxmlformats.org/presentationml/2006/main">
   <p:cSld>
     <p:spTree>
@@ -11867,7 +12452,7 @@
           <a:blip r:embed="rId2">
             <a:extLst>
               <a:ext uri="{28A0092B-C50C-407E-A947-70E740481C1C}">
-                <a14:useLocalDpi xmlns:a14="http://schemas.microsoft.com/office/drawing/2010/main" val="0"/>
+                <a14:useLocalDpi xmlns:a14="http://schemas.microsoft.com/office/drawing/2010/main" xmlns="" val="0"/>
               </a:ext>
             </a:extLst>
           </a:blip>
@@ -11890,14 +12475,14 @@
           </a:ln>
           <a:extLst>
             <a:ext uri="{909E8E84-426E-40DD-AFC4-6F175D3DCCD1}">
-              <a14:hiddenFill xmlns:a14="http://schemas.microsoft.com/office/drawing/2010/main">
+              <a14:hiddenFill xmlns:a14="http://schemas.microsoft.com/office/drawing/2010/main" xmlns="">
                 <a:solidFill>
                   <a:schemeClr val="accent1"/>
                 </a:solidFill>
               </a14:hiddenFill>
             </a:ext>
             <a:ext uri="{91240B29-F687-4F45-9708-019B960494DF}">
-              <a14:hiddenLine xmlns:a14="http://schemas.microsoft.com/office/drawing/2010/main" w="9525">
+              <a14:hiddenLine xmlns:a14="http://schemas.microsoft.com/office/drawing/2010/main" xmlns="" w="9525">
                 <a:solidFill>
                   <a:schemeClr val="tx1"/>
                 </a:solidFill>
@@ -12016,11 +12601,11 @@
   <p:clrMapOvr>
     <a:masterClrMapping/>
   </p:clrMapOvr>
-  <mc:AlternateContent xmlns:mc="http://schemas.openxmlformats.org/markup-compatibility/2006" xmlns:p14="http://schemas.microsoft.com/office/powerpoint/2010/main">
-    <mc:Choice Requires="p14">
+  <mc:AlternateContent xmlns:mc="http://schemas.openxmlformats.org/markup-compatibility/2006">
+    <mc:Choice xmlns:p14="http://schemas.microsoft.com/office/powerpoint/2010/main" xmlns="" Requires="p14">
       <p:transition spd="slow" p14:dur="2000"/>
     </mc:Choice>
-    <mc:Fallback xmlns="">
+    <mc:Fallback>
       <p:transition spd="slow"/>
     </mc:Fallback>
   </mc:AlternateContent>
@@ -12167,11 +12752,11 @@
   <p:clrMapOvr>
     <a:masterClrMapping/>
   </p:clrMapOvr>
-  <mc:AlternateContent xmlns:mc="http://schemas.openxmlformats.org/markup-compatibility/2006" xmlns:p14="http://schemas.microsoft.com/office/powerpoint/2010/main">
-    <mc:Choice Requires="p14">
+  <mc:AlternateContent xmlns:mc="http://schemas.openxmlformats.org/markup-compatibility/2006">
+    <mc:Choice xmlns:p14="http://schemas.microsoft.com/office/powerpoint/2010/main" xmlns="" Requires="p14">
       <p:transition spd="slow" p14:dur="2000"/>
     </mc:Choice>
-    <mc:Fallback xmlns="">
+    <mc:Fallback>
       <p:transition spd="slow"/>
     </mc:Fallback>
   </mc:AlternateContent>
@@ -12311,11 +12896,11 @@
   <p:clrMapOvr>
     <a:masterClrMapping/>
   </p:clrMapOvr>
-  <mc:AlternateContent xmlns:mc="http://schemas.openxmlformats.org/markup-compatibility/2006" xmlns:p14="http://schemas.microsoft.com/office/powerpoint/2010/main">
-    <mc:Choice Requires="p14">
+  <mc:AlternateContent xmlns:mc="http://schemas.openxmlformats.org/markup-compatibility/2006">
+    <mc:Choice xmlns:p14="http://schemas.microsoft.com/office/powerpoint/2010/main" xmlns="" Requires="p14">
       <p:transition spd="slow" p14:dur="2000"/>
     </mc:Choice>
-    <mc:Fallback xmlns="">
+    <mc:Fallback>
       <p:transition spd="slow"/>
     </mc:Fallback>
   </mc:AlternateContent>
@@ -12604,11 +13189,11 @@
   <p:clrMapOvr>
     <a:masterClrMapping/>
   </p:clrMapOvr>
-  <mc:AlternateContent xmlns:mc="http://schemas.openxmlformats.org/markup-compatibility/2006" xmlns:p14="http://schemas.microsoft.com/office/powerpoint/2010/main">
-    <mc:Choice Requires="p14">
+  <mc:AlternateContent xmlns:mc="http://schemas.openxmlformats.org/markup-compatibility/2006">
+    <mc:Choice xmlns:p14="http://schemas.microsoft.com/office/powerpoint/2010/main" xmlns="" Requires="p14">
       <p:transition spd="slow" p14:dur="2000"/>
     </mc:Choice>
-    <mc:Fallback xmlns="">
+    <mc:Fallback>
       <p:transition spd="slow"/>
     </mc:Fallback>
   </mc:AlternateContent>
@@ -12801,11 +13386,11 @@
   <p:clrMapOvr>
     <a:masterClrMapping/>
   </p:clrMapOvr>
-  <mc:AlternateContent xmlns:mc="http://schemas.openxmlformats.org/markup-compatibility/2006" xmlns:p14="http://schemas.microsoft.com/office/powerpoint/2010/main">
-    <mc:Choice Requires="p14">
+  <mc:AlternateContent xmlns:mc="http://schemas.openxmlformats.org/markup-compatibility/2006">
+    <mc:Choice xmlns:p14="http://schemas.microsoft.com/office/powerpoint/2010/main" xmlns="" Requires="p14">
       <p:transition spd="slow" p14:dur="2000"/>
     </mc:Choice>
-    <mc:Fallback xmlns="">
+    <mc:Fallback>
       <p:transition spd="slow"/>
     </mc:Fallback>
   </mc:AlternateContent>
@@ -12994,11 +13579,11 @@
   <p:clrMapOvr>
     <a:masterClrMapping/>
   </p:clrMapOvr>
-  <mc:AlternateContent xmlns:mc="http://schemas.openxmlformats.org/markup-compatibility/2006" xmlns:p14="http://schemas.microsoft.com/office/powerpoint/2010/main">
-    <mc:Choice Requires="p14">
+  <mc:AlternateContent xmlns:mc="http://schemas.openxmlformats.org/markup-compatibility/2006">
+    <mc:Choice xmlns:p14="http://schemas.microsoft.com/office/powerpoint/2010/main" xmlns="" Requires="p14">
       <p:transition spd="slow" p14:dur="2000"/>
     </mc:Choice>
-    <mc:Fallback xmlns="">
+    <mc:Fallback>
       <p:transition spd="slow"/>
     </mc:Fallback>
   </mc:AlternateContent>
@@ -13167,11 +13752,11 @@
   <p:clrMapOvr>
     <a:masterClrMapping/>
   </p:clrMapOvr>
-  <mc:AlternateContent xmlns:mc="http://schemas.openxmlformats.org/markup-compatibility/2006" xmlns:p14="http://schemas.microsoft.com/office/powerpoint/2010/main">
-    <mc:Choice Requires="p14">
+  <mc:AlternateContent xmlns:mc="http://schemas.openxmlformats.org/markup-compatibility/2006">
+    <mc:Choice xmlns:p14="http://schemas.microsoft.com/office/powerpoint/2010/main" xmlns="" Requires="p14">
       <p:transition spd="slow" p14:dur="2000"/>
     </mc:Choice>
-    <mc:Fallback xmlns="">
+    <mc:Fallback>
       <p:transition spd="slow"/>
     </mc:Fallback>
   </mc:AlternateContent>
@@ -13193,7 +13778,7 @@
         <a:sysClr val="windowText" lastClr="000000"/>
       </a:dk1>
       <a:lt1>
-        <a:sysClr val="window" lastClr="CCE8CF"/>
+        <a:sysClr val="window" lastClr="FFFFFF"/>
       </a:lt1>
       <a:dk2>
         <a:srgbClr val="1F497D"/>
@@ -13517,7 +14102,7 @@
   <a:extraClrSchemeLst/>
   <a:extLst>
     <a:ext uri="{05A4C25C-085E-4340-85A3-A5531E510DB2}">
-      <thm15:themeFamily xmlns:thm15="http://schemas.microsoft.com/office/thememl/2012/main" xmlns="" name="Office Theme" id="{62F939B6-93AF-4DB8-9C6B-D6C7DFDC589F}" vid="{4A3C46E8-61CC-4603-A589-7422A47A8E4A}"/>
+      <thm15:themeFamily xmlns="" xmlns:thm15="http://schemas.microsoft.com/office/thememl/2012/main" name="Office Theme" id="{62F939B6-93AF-4DB8-9C6B-D6C7DFDC589F}" vid="{4A3C46E8-61CC-4603-A589-7422A47A8E4A}"/>
     </a:ext>
   </a:extLst>
 </a:theme>
@@ -13531,7 +14116,7 @@
         <a:sysClr val="windowText" lastClr="000000"/>
       </a:dk1>
       <a:lt1>
-        <a:sysClr val="window" lastClr="CCE8CF"/>
+        <a:sysClr val="window" lastClr="FFFFFF"/>
       </a:lt1>
       <a:dk2>
         <a:srgbClr val="44546A"/>
@@ -13778,7 +14363,7 @@
   <a:extraClrSchemeLst/>
   <a:extLst>
     <a:ext uri="{05A4C25C-085E-4340-85A3-A5531E510DB2}">
-      <thm15:themeFamily xmlns:thm15="http://schemas.microsoft.com/office/thememl/2012/main" xmlns="" name="Office Theme" id="{62F939B6-93AF-4DB8-9C6B-D6C7DFDC589F}" vid="{4A3C46E8-61CC-4603-A589-7422A47A8E4A}"/>
+      <thm15:themeFamily xmlns="" xmlns:thm15="http://schemas.microsoft.com/office/thememl/2012/main" name="Office Theme" id="{62F939B6-93AF-4DB8-9C6B-D6C7DFDC589F}" vid="{4A3C46E8-61CC-4603-A589-7422A47A8E4A}"/>
     </a:ext>
   </a:extLst>
 </a:theme>
@@ -13792,7 +14377,7 @@
         <a:sysClr val="windowText" lastClr="000000"/>
       </a:dk1>
       <a:lt1>
-        <a:sysClr val="window" lastClr="CCE8CF"/>
+        <a:sysClr val="window" lastClr="FFFFFF"/>
       </a:lt1>
       <a:dk2>
         <a:srgbClr val="1F497D"/>
@@ -14103,7 +14688,7 @@
   <a:extraClrSchemeLst/>
   <a:extLst>
     <a:ext uri="{05A4C25C-085E-4340-85A3-A5531E510DB2}">
-      <thm15:themeFamily xmlns:thm15="http://schemas.microsoft.com/office/thememl/2012/main" xmlns="" name="Office Theme" id="{62F939B6-93AF-4DB8-9C6B-D6C7DFDC589F}" vid="{4A3C46E8-61CC-4603-A589-7422A47A8E4A}"/>
+      <thm15:themeFamily xmlns="" xmlns:thm15="http://schemas.microsoft.com/office/thememl/2012/main" name="Office Theme" id="{62F939B6-93AF-4DB8-9C6B-D6C7DFDC589F}" vid="{4A3C46E8-61CC-4603-A589-7422A47A8E4A}"/>
     </a:ext>
   </a:extLst>
 </a:theme>

--- a/ppt/2020/服务器设计_组件篇.pptx
+++ b/ppt/2020/服务器设计_组件篇.pptx
@@ -5,10 +5,10 @@
     <p:sldMasterId id="2147483648" r:id="rId1"/>
   </p:sldMasterIdLst>
   <p:notesMasterIdLst>
-    <p:notesMasterId r:id="rId25"/>
+    <p:notesMasterId r:id="rId27"/>
   </p:notesMasterIdLst>
   <p:handoutMasterIdLst>
-    <p:handoutMasterId r:id="rId26"/>
+    <p:handoutMasterId r:id="rId28"/>
   </p:handoutMasterIdLst>
   <p:sldIdLst>
     <p:sldId id="274" r:id="rId2"/>
@@ -32,8 +32,10 @@
     <p:sldId id="295" r:id="rId20"/>
     <p:sldId id="293" r:id="rId21"/>
     <p:sldId id="299" r:id="rId22"/>
-    <p:sldId id="300" r:id="rId23"/>
-    <p:sldId id="281" r:id="rId24"/>
+    <p:sldId id="302" r:id="rId23"/>
+    <p:sldId id="301" r:id="rId24"/>
+    <p:sldId id="300" r:id="rId25"/>
+    <p:sldId id="281" r:id="rId26"/>
   </p:sldIdLst>
   <p:sldSz cx="9144000" cy="5143500" type="screen16x9"/>
   <p:notesSz cx="6858000" cy="9144000"/>
@@ -218,7 +220,7 @@
             <a:fld id="{5F920F0F-0E56-2B45-B1BF-268524318682}" type="datetimeFigureOut">
               <a:rPr kumimoji="1" lang="zh-CN" altLang="en-US" smtClean="0"/>
               <a:pPr/>
-              <a:t>2020/4/21</a:t>
+              <a:t>2020/5/25</a:t>
             </a:fld>
             <a:endParaRPr kumimoji="1" lang="zh-CN" altLang="en-US"/>
           </a:p>
@@ -294,7 +296,7 @@
     </p:spTree>
     <p:extLst>
       <p:ext uri="{BB962C8B-B14F-4D97-AF65-F5344CB8AC3E}">
-        <p14:creationId xmlns:p14="http://schemas.microsoft.com/office/powerpoint/2010/main" xmlns="" val="4176984933"/>
+        <p14:creationId xmlns="" xmlns:p14="http://schemas.microsoft.com/office/powerpoint/2010/main" val="4176984933"/>
       </p:ext>
     </p:extLst>
   </p:cSld>
@@ -386,7 +388,7 @@
             <a:fld id="{FB86081A-1E41-D34E-AC33-11FD77CCCD8D}" type="datetimeFigureOut">
               <a:rPr kumimoji="1" lang="zh-CN" altLang="en-US" smtClean="0"/>
               <a:pPr/>
-              <a:t>2020/4/21</a:t>
+              <a:t>2020/5/25</a:t>
             </a:fld>
             <a:endParaRPr kumimoji="1" lang="zh-CN" altLang="en-US"/>
           </a:p>
@@ -555,7 +557,7 @@
     </p:spTree>
     <p:extLst>
       <p:ext uri="{BB962C8B-B14F-4D97-AF65-F5344CB8AC3E}">
-        <p14:creationId xmlns:p14="http://schemas.microsoft.com/office/powerpoint/2010/main" xmlns="" val="3264454653"/>
+        <p14:creationId xmlns="" xmlns:p14="http://schemas.microsoft.com/office/powerpoint/2010/main" val="3264454653"/>
       </p:ext>
     </p:extLst>
   </p:cSld>
@@ -1003,7 +1005,7 @@
     </p:spTree>
     <p:extLst>
       <p:ext uri="{BB962C8B-B14F-4D97-AF65-F5344CB8AC3E}">
-        <p14:creationId xmlns:p14="http://schemas.microsoft.com/office/powerpoint/2010/main" xmlns="" val="1587342960"/>
+        <p14:creationId xmlns="" xmlns:p14="http://schemas.microsoft.com/office/powerpoint/2010/main" val="1587342960"/>
       </p:ext>
     </p:extLst>
   </p:cSld>
@@ -1551,7 +1553,7 @@
     </p:spTree>
     <p:extLst>
       <p:ext uri="{BB962C8B-B14F-4D97-AF65-F5344CB8AC3E}">
-        <p14:creationId xmlns:p14="http://schemas.microsoft.com/office/powerpoint/2010/main" xmlns="" val="18662629"/>
+        <p14:creationId xmlns="" xmlns:p14="http://schemas.microsoft.com/office/powerpoint/2010/main" val="18662629"/>
       </p:ext>
     </p:extLst>
   </p:cSld>
@@ -1930,7 +1932,7 @@
     </p:spTree>
     <p:extLst>
       <p:ext uri="{BB962C8B-B14F-4D97-AF65-F5344CB8AC3E}">
-        <p14:creationId xmlns:p14="http://schemas.microsoft.com/office/powerpoint/2010/main" xmlns="" val="537998496"/>
+        <p14:creationId xmlns="" xmlns:p14="http://schemas.microsoft.com/office/powerpoint/2010/main" val="537998496"/>
       </p:ext>
     </p:extLst>
   </p:cSld>
@@ -2100,7 +2102,7 @@
     </p:spTree>
     <p:extLst>
       <p:ext uri="{BB962C8B-B14F-4D97-AF65-F5344CB8AC3E}">
-        <p14:creationId xmlns:p14="http://schemas.microsoft.com/office/powerpoint/2010/main" xmlns="" val="1947671427"/>
+        <p14:creationId xmlns="" xmlns:p14="http://schemas.microsoft.com/office/powerpoint/2010/main" val="1947671427"/>
       </p:ext>
     </p:extLst>
   </p:cSld>
@@ -2242,7 +2244,7 @@
     </p:spTree>
     <p:extLst>
       <p:ext uri="{BB962C8B-B14F-4D97-AF65-F5344CB8AC3E}">
-        <p14:creationId xmlns:p14="http://schemas.microsoft.com/office/powerpoint/2010/main" xmlns="" val="3856187530"/>
+        <p14:creationId xmlns="" xmlns:p14="http://schemas.microsoft.com/office/powerpoint/2010/main" val="3856187530"/>
       </p:ext>
     </p:extLst>
   </p:cSld>
@@ -2412,7 +2414,7 @@
     </p:spTree>
     <p:extLst>
       <p:ext uri="{BB962C8B-B14F-4D97-AF65-F5344CB8AC3E}">
-        <p14:creationId xmlns:p14="http://schemas.microsoft.com/office/powerpoint/2010/main" xmlns="" val="4049119720"/>
+        <p14:creationId xmlns="" xmlns:p14="http://schemas.microsoft.com/office/powerpoint/2010/main" val="4049119720"/>
       </p:ext>
     </p:extLst>
   </p:cSld>
@@ -2529,6 +2531,262 @@
               <a:rPr kumimoji="1" lang="zh-CN" altLang="en-US" smtClean="0"/>
               <a:pPr/>
               <a:t>20</a:t>
+            </a:fld>
+            <a:endParaRPr kumimoji="1" lang="zh-CN" altLang="en-US"/>
+          </a:p>
+        </p:txBody>
+      </p:sp>
+    </p:spTree>
+  </p:cSld>
+  <p:clrMapOvr>
+    <a:masterClrMapping/>
+  </p:clrMapOvr>
+</p:notes>
+</file>
+
+<file path=ppt/notesSlides/notesSlide17.xml><?xml version="1.0" encoding="utf-8"?>
+<p:notes xmlns:a="http://schemas.openxmlformats.org/drawingml/2006/main" xmlns:r="http://schemas.openxmlformats.org/officeDocument/2006/relationships" xmlns:p="http://schemas.openxmlformats.org/presentationml/2006/main">
+  <p:cSld>
+    <p:spTree>
+      <p:nvGrpSpPr>
+        <p:cNvPr id="1" name=""/>
+        <p:cNvGrpSpPr/>
+        <p:nvPr/>
+      </p:nvGrpSpPr>
+      <p:grpSpPr>
+        <a:xfrm>
+          <a:off x="0" y="0"/>
+          <a:ext cx="0" cy="0"/>
+          <a:chOff x="0" y="0"/>
+          <a:chExt cx="0" cy="0"/>
+        </a:xfrm>
+      </p:grpSpPr>
+      <p:sp>
+        <p:nvSpPr>
+          <p:cNvPr id="2" name="幻灯片图像占位符 1"/>
+          <p:cNvSpPr>
+            <a:spLocks noGrp="1" noRot="1" noChangeAspect="1"/>
+          </p:cNvSpPr>
+          <p:nvPr>
+            <p:ph type="sldImg"/>
+          </p:nvPr>
+        </p:nvSpPr>
+        <p:spPr/>
+      </p:sp>
+      <p:sp>
+        <p:nvSpPr>
+          <p:cNvPr id="3" name="备注占位符 2"/>
+          <p:cNvSpPr>
+            <a:spLocks noGrp="1"/>
+          </p:cNvSpPr>
+          <p:nvPr>
+            <p:ph type="body" idx="1"/>
+          </p:nvPr>
+        </p:nvSpPr>
+        <p:spPr/>
+        <p:txBody>
+          <a:bodyPr>
+            <a:normAutofit/>
+          </a:bodyPr>
+          <a:lstStyle/>
+          <a:p>
+            <a:r>
+              <a:rPr lang="zh-CN" altLang="en-US" sz="1200" b="1" i="0" kern="1200" dirty="0" smtClean="0">
+                <a:solidFill>
+                  <a:schemeClr val="tx1"/>
+                </a:solidFill>
+                <a:latin typeface="+mn-lt"/>
+                <a:ea typeface="+mn-ea"/>
+                <a:cs typeface="+mn-cs"/>
+              </a:rPr>
+              <a:t>巨人的肩膀</a:t>
+            </a:r>
+          </a:p>
+          <a:p>
+            <a:r>
+              <a:rPr lang="zh-CN" altLang="en-US" sz="1200" b="0" i="0" kern="1200" smtClean="0">
+                <a:solidFill>
+                  <a:schemeClr val="tx1"/>
+                </a:solidFill>
+                <a:latin typeface="+mn-lt"/>
+                <a:ea typeface="+mn-ea"/>
+                <a:cs typeface="+mn-cs"/>
+              </a:rPr>
+              <a:t/>
+            </a:r>
+            <a:br>
+              <a:rPr lang="zh-CN" altLang="en-US" sz="1200" b="0" i="0" kern="1200" smtClean="0">
+                <a:solidFill>
+                  <a:schemeClr val="tx1"/>
+                </a:solidFill>
+                <a:latin typeface="+mn-lt"/>
+                <a:ea typeface="+mn-ea"/>
+                <a:cs typeface="+mn-cs"/>
+              </a:rPr>
+            </a:br>
+            <a:endParaRPr lang="en-US" smtClean="0">
+              <a:hlinkClick r:id="rId3"/>
+            </a:endParaRPr>
+          </a:p>
+          <a:p>
+            <a:r>
+              <a:rPr lang="en-US" dirty="0" smtClean="0">
+                <a:hlinkClick r:id="rId3"/>
+              </a:rPr>
+              <a:t>https://redisbook.readthedocs.io/en/latest/compress-datastruct/ziplist.html</a:t>
+            </a:r>
+            <a:endParaRPr lang="en-US" dirty="0" smtClean="0"/>
+          </a:p>
+          <a:p>
+            <a:r>
+              <a:rPr lang="en-US" dirty="0" smtClean="0">
+                <a:hlinkClick r:id="rId4"/>
+              </a:rPr>
+              <a:t>https://mp.weixin.qq.com/s?__biz=MzI1MzYzMTI2Ng==&amp;mid=2247484134&amp;idx=1&amp;sn=aa2ac7c6fc3c702ec3ea8fc22cff88b9&amp;scene=21#wechat_redirect</a:t>
+            </a:r>
+            <a:endParaRPr lang="zh-CN" altLang="en-US" dirty="0"/>
+          </a:p>
+        </p:txBody>
+      </p:sp>
+      <p:sp>
+        <p:nvSpPr>
+          <p:cNvPr id="4" name="灯片编号占位符 3"/>
+          <p:cNvSpPr>
+            <a:spLocks noGrp="1"/>
+          </p:cNvSpPr>
+          <p:nvPr>
+            <p:ph type="sldNum" sz="quarter" idx="10"/>
+          </p:nvPr>
+        </p:nvSpPr>
+        <p:spPr/>
+        <p:txBody>
+          <a:bodyPr/>
+          <a:lstStyle/>
+          <a:p>
+            <a:fld id="{8AF453D5-9B32-8F40-BF12-CF5772967439}" type="slidenum">
+              <a:rPr kumimoji="1" lang="zh-CN" altLang="en-US" smtClean="0"/>
+              <a:pPr/>
+              <a:t>21</a:t>
+            </a:fld>
+            <a:endParaRPr kumimoji="1" lang="zh-CN" altLang="en-US"/>
+          </a:p>
+        </p:txBody>
+      </p:sp>
+    </p:spTree>
+  </p:cSld>
+  <p:clrMapOvr>
+    <a:masterClrMapping/>
+  </p:clrMapOvr>
+</p:notes>
+</file>
+
+<file path=ppt/notesSlides/notesSlide18.xml><?xml version="1.0" encoding="utf-8"?>
+<p:notes xmlns:a="http://schemas.openxmlformats.org/drawingml/2006/main" xmlns:r="http://schemas.openxmlformats.org/officeDocument/2006/relationships" xmlns:p="http://schemas.openxmlformats.org/presentationml/2006/main">
+  <p:cSld>
+    <p:spTree>
+      <p:nvGrpSpPr>
+        <p:cNvPr id="1" name=""/>
+        <p:cNvGrpSpPr/>
+        <p:nvPr/>
+      </p:nvGrpSpPr>
+      <p:grpSpPr>
+        <a:xfrm>
+          <a:off x="0" y="0"/>
+          <a:ext cx="0" cy="0"/>
+          <a:chOff x="0" y="0"/>
+          <a:chExt cx="0" cy="0"/>
+        </a:xfrm>
+      </p:grpSpPr>
+      <p:sp>
+        <p:nvSpPr>
+          <p:cNvPr id="2" name="幻灯片图像占位符 1"/>
+          <p:cNvSpPr>
+            <a:spLocks noGrp="1" noRot="1" noChangeAspect="1"/>
+          </p:cNvSpPr>
+          <p:nvPr>
+            <p:ph type="sldImg"/>
+          </p:nvPr>
+        </p:nvSpPr>
+        <p:spPr/>
+      </p:sp>
+      <p:sp>
+        <p:nvSpPr>
+          <p:cNvPr id="3" name="备注占位符 2"/>
+          <p:cNvSpPr>
+            <a:spLocks noGrp="1"/>
+          </p:cNvSpPr>
+          <p:nvPr>
+            <p:ph type="body" idx="1"/>
+          </p:nvPr>
+        </p:nvSpPr>
+        <p:spPr/>
+        <p:txBody>
+          <a:bodyPr>
+            <a:normAutofit/>
+          </a:bodyPr>
+          <a:lstStyle/>
+          <a:p>
+            <a:r>
+              <a:rPr lang="zh-CN" altLang="en-US" dirty="0" smtClean="0"/>
+              <a:t>开始时间：</a:t>
+            </a:r>
+            <a:r>
+              <a:rPr lang="en-US" altLang="zh-CN" dirty="0" smtClean="0"/>
+              <a:t>2020-4-21</a:t>
+            </a:r>
+            <a:r>
+              <a:rPr lang="zh-CN" altLang="en-US" dirty="0" smtClean="0"/>
+              <a:t>：</a:t>
+            </a:r>
+            <a:r>
+              <a:rPr lang="en-US" altLang="zh-CN" dirty="0" smtClean="0"/>
+              <a:t>18</a:t>
+            </a:r>
+            <a:r>
+              <a:rPr lang="zh-CN" altLang="en-US" dirty="0" smtClean="0"/>
+              <a:t>：</a:t>
+            </a:r>
+            <a:r>
+              <a:rPr lang="en-US" altLang="zh-CN" dirty="0" smtClean="0"/>
+              <a:t>12</a:t>
+            </a:r>
+          </a:p>
+          <a:p>
+            <a:r>
+              <a:rPr lang="en-US" altLang="zh-CN" dirty="0" smtClean="0"/>
+              <a:t>-</a:t>
+            </a:r>
+            <a:r>
+              <a:rPr lang="en-US" altLang="zh-CN" baseline="0" dirty="0" smtClean="0"/>
+              <a:t> </a:t>
+            </a:r>
+            <a:r>
+              <a:rPr lang="zh-CN" altLang="en-US" baseline="0" smtClean="0"/>
+              <a:t>脑子根本没有这个概念。</a:t>
+            </a:r>
+            <a:endParaRPr lang="zh-CN" altLang="en-US" dirty="0"/>
+          </a:p>
+        </p:txBody>
+      </p:sp>
+      <p:sp>
+        <p:nvSpPr>
+          <p:cNvPr id="4" name="灯片编号占位符 3"/>
+          <p:cNvSpPr>
+            <a:spLocks noGrp="1"/>
+          </p:cNvSpPr>
+          <p:nvPr>
+            <p:ph type="sldNum" sz="quarter" idx="10"/>
+          </p:nvPr>
+        </p:nvSpPr>
+        <p:spPr/>
+        <p:txBody>
+          <a:bodyPr/>
+          <a:lstStyle/>
+          <a:p>
+            <a:fld id="{8AF453D5-9B32-8F40-BF12-CF5772967439}" type="slidenum">
+              <a:rPr kumimoji="1" lang="zh-CN" altLang="en-US" smtClean="0"/>
+              <a:pPr/>
+              <a:t>22</a:t>
             </a:fld>
             <a:endParaRPr kumimoji="1" lang="zh-CN" altLang="en-US"/>
           </a:p>
@@ -3641,7 +3899,7 @@
     </p:spTree>
     <p:extLst>
       <p:ext uri="{BB962C8B-B14F-4D97-AF65-F5344CB8AC3E}">
-        <p14:creationId xmlns:p14="http://schemas.microsoft.com/office/powerpoint/2010/main" xmlns="" val="1114621081"/>
+        <p14:creationId xmlns="" xmlns:p14="http://schemas.microsoft.com/office/powerpoint/2010/main" val="1114621081"/>
       </p:ext>
     </p:extLst>
   </p:cSld>
@@ -3715,19 +3973,7 @@
               <a:rPr lang="en-US" altLang="zh-CN" dirty="0" smtClean="0">
                 <a:hlinkClick r:id="rId3"/>
               </a:rPr>
-              <a:t>https</a:t>
-            </a:r>
-            <a:r>
-              <a:rPr lang="en-US" altLang="zh-CN" dirty="0" smtClean="0">
-                <a:hlinkClick r:id="rId3"/>
-              </a:rPr>
-              <a:t>://</a:t>
-            </a:r>
-            <a:r>
-              <a:rPr lang="en-US" altLang="zh-CN" dirty="0" smtClean="0">
-                <a:hlinkClick r:id="rId3"/>
-              </a:rPr>
-              <a:t>www.toutiao.com/a1661858461586509/</a:t>
+              <a:t>https://www.toutiao.com/a1661858461586509/</a:t>
             </a:r>
             <a:r>
               <a:rPr lang="en-US" sz="1200" b="0" i="0" kern="1200" dirty="0" smtClean="0">
@@ -3863,11 +4109,7 @@
             </a:r>
             <a:r>
               <a:rPr lang="zh-CN" altLang="en-US" dirty="0" smtClean="0"/>
-              <a:t>重写</a:t>
-            </a:r>
-            <a:r>
-              <a:rPr lang="zh-CN" altLang="en-US" dirty="0" smtClean="0"/>
-              <a:t>缓存链表，链接着多个缓存块</a:t>
+              <a:t>重写缓存链表，链接着多个缓存块</a:t>
             </a:r>
           </a:p>
           <a:p>
@@ -3953,7 +4195,7 @@
     </p:spTree>
     <p:extLst>
       <p:ext uri="{BB962C8B-B14F-4D97-AF65-F5344CB8AC3E}">
-        <p14:creationId xmlns:p14="http://schemas.microsoft.com/office/powerpoint/2010/main" xmlns="" val="1587342960"/>
+        <p14:creationId xmlns="" xmlns:p14="http://schemas.microsoft.com/office/powerpoint/2010/main" val="1587342960"/>
       </p:ext>
     </p:extLst>
   </p:cSld>
@@ -3992,7 +4234,7 @@
           <a:blip r:embed="rId2">
             <a:extLst>
               <a:ext uri="{28A0092B-C50C-407E-A947-70E740481C1C}">
-                <a14:useLocalDpi xmlns:a14="http://schemas.microsoft.com/office/drawing/2010/main" xmlns="" val="0"/>
+                <a14:useLocalDpi xmlns="" xmlns:a14="http://schemas.microsoft.com/office/drawing/2010/main" val="0"/>
               </a:ext>
             </a:extLst>
           </a:blip>
@@ -4281,7 +4523,7 @@
           <a:blip r:embed="rId3">
             <a:extLst>
               <a:ext uri="{28A0092B-C50C-407E-A947-70E740481C1C}">
-                <a14:useLocalDpi xmlns:a14="http://schemas.microsoft.com/office/drawing/2010/main" xmlns="" val="0"/>
+                <a14:useLocalDpi xmlns="" xmlns:a14="http://schemas.microsoft.com/office/drawing/2010/main" val="0"/>
               </a:ext>
             </a:extLst>
           </a:blip>
@@ -4577,7 +4819,7 @@
           <a:blip r:embed="rId2">
             <a:extLst>
               <a:ext uri="{28A0092B-C50C-407E-A947-70E740481C1C}">
-                <a14:useLocalDpi xmlns:a14="http://schemas.microsoft.com/office/drawing/2010/main" xmlns="" val="0"/>
+                <a14:useLocalDpi xmlns="" xmlns:a14="http://schemas.microsoft.com/office/drawing/2010/main" val="0"/>
               </a:ext>
             </a:extLst>
           </a:blip>
@@ -4607,7 +4849,7 @@
           <a:blip r:embed="rId3">
             <a:extLst>
               <a:ext uri="{28A0092B-C50C-407E-A947-70E740481C1C}">
-                <a14:useLocalDpi xmlns:a14="http://schemas.microsoft.com/office/drawing/2010/main" xmlns="" val="0"/>
+                <a14:useLocalDpi xmlns="" xmlns:a14="http://schemas.microsoft.com/office/drawing/2010/main" val="0"/>
               </a:ext>
             </a:extLst>
           </a:blip>
@@ -4879,7 +5121,7 @@
           <a:blip r:embed="rId2">
             <a:extLst>
               <a:ext uri="{28A0092B-C50C-407E-A947-70E740481C1C}">
-                <a14:useLocalDpi xmlns:a14="http://schemas.microsoft.com/office/drawing/2010/main" xmlns="" val="0"/>
+                <a14:useLocalDpi xmlns="" xmlns:a14="http://schemas.microsoft.com/office/drawing/2010/main" val="0"/>
               </a:ext>
             </a:extLst>
           </a:blip>
@@ -4909,7 +5151,7 @@
           <a:blip r:embed="rId3">
             <a:extLst>
               <a:ext uri="{28A0092B-C50C-407E-A947-70E740481C1C}">
-                <a14:useLocalDpi xmlns:a14="http://schemas.microsoft.com/office/drawing/2010/main" xmlns="" val="0"/>
+                <a14:useLocalDpi xmlns="" xmlns:a14="http://schemas.microsoft.com/office/drawing/2010/main" val="0"/>
               </a:ext>
             </a:extLst>
           </a:blip>
@@ -5245,7 +5487,7 @@
           <a:blip r:embed="rId2">
             <a:extLst>
               <a:ext uri="{28A0092B-C50C-407E-A947-70E740481C1C}">
-                <a14:useLocalDpi xmlns:a14="http://schemas.microsoft.com/office/drawing/2010/main" xmlns="" val="0"/>
+                <a14:useLocalDpi xmlns="" xmlns:a14="http://schemas.microsoft.com/office/drawing/2010/main" val="0"/>
               </a:ext>
             </a:extLst>
           </a:blip>
@@ -5275,7 +5517,7 @@
           <a:blip r:embed="rId3">
             <a:extLst>
               <a:ext uri="{28A0092B-C50C-407E-A947-70E740481C1C}">
-                <a14:useLocalDpi xmlns:a14="http://schemas.microsoft.com/office/drawing/2010/main" xmlns="" val="0"/>
+                <a14:useLocalDpi xmlns="" xmlns:a14="http://schemas.microsoft.com/office/drawing/2010/main" val="0"/>
               </a:ext>
             </a:extLst>
           </a:blip>
@@ -5590,7 +5832,7 @@
           <a:blip r:embed="rId2">
             <a:extLst>
               <a:ext uri="{28A0092B-C50C-407E-A947-70E740481C1C}">
-                <a14:useLocalDpi xmlns:a14="http://schemas.microsoft.com/office/drawing/2010/main" xmlns="" val="0"/>
+                <a14:useLocalDpi xmlns="" xmlns:a14="http://schemas.microsoft.com/office/drawing/2010/main" val="0"/>
               </a:ext>
             </a:extLst>
           </a:blip>
@@ -5620,7 +5862,7 @@
           <a:blip r:embed="rId3">
             <a:extLst>
               <a:ext uri="{28A0092B-C50C-407E-A947-70E740481C1C}">
-                <a14:useLocalDpi xmlns:a14="http://schemas.microsoft.com/office/drawing/2010/main" xmlns="" val="0"/>
+                <a14:useLocalDpi xmlns="" xmlns:a14="http://schemas.microsoft.com/office/drawing/2010/main" val="0"/>
               </a:ext>
             </a:extLst>
           </a:blip>
@@ -5812,7 +6054,7 @@
             <a:fld id="{7BC3C6E0-25AE-8A44-A617-CADD813DE539}" type="datetime1">
               <a:rPr lang="zh-CN" altLang="en-US" smtClean="0"/>
               <a:pPr/>
-              <a:t>2020/4/21</a:t>
+              <a:t>2020/5/25</a:t>
             </a:fld>
             <a:endParaRPr lang="zh-CN" altLang="en-US"/>
           </a:p>
@@ -6036,7 +6278,7 @@
           <a:blip r:embed="rId2">
             <a:extLst>
               <a:ext uri="{28A0092B-C50C-407E-A947-70E740481C1C}">
-                <a14:useLocalDpi xmlns:a14="http://schemas.microsoft.com/office/drawing/2010/main" xmlns="" val="0"/>
+                <a14:useLocalDpi xmlns="" xmlns:a14="http://schemas.microsoft.com/office/drawing/2010/main" val="0"/>
               </a:ext>
             </a:extLst>
           </a:blip>
@@ -6222,7 +6464,7 @@
             <a:fld id="{B8DE94C4-0AC0-E74D-83DE-D1778C094258}" type="datetime1">
               <a:rPr lang="zh-CN" altLang="en-US" smtClean="0"/>
               <a:pPr/>
-              <a:t>2020/4/21</a:t>
+              <a:t>2020/5/25</a:t>
             </a:fld>
             <a:endParaRPr lang="zh-CN" altLang="en-US"/>
           </a:p>
@@ -6884,7 +7126,7 @@
           <a:blip r:embed="rId3">
             <a:extLst>
               <a:ext uri="{28A0092B-C50C-407E-A947-70E740481C1C}">
-                <a14:useLocalDpi xmlns:a14="http://schemas.microsoft.com/office/drawing/2010/main" xmlns="" val="0"/>
+                <a14:useLocalDpi xmlns="" xmlns:a14="http://schemas.microsoft.com/office/drawing/2010/main" val="0"/>
               </a:ext>
             </a:extLst>
           </a:blip>
@@ -6907,14 +7149,14 @@
           </a:ln>
           <a:extLst>
             <a:ext uri="{909E8E84-426E-40DD-AFC4-6F175D3DCCD1}">
-              <a14:hiddenFill xmlns:a14="http://schemas.microsoft.com/office/drawing/2010/main" xmlns="">
+              <a14:hiddenFill xmlns="" xmlns:a14="http://schemas.microsoft.com/office/drawing/2010/main">
                 <a:solidFill>
                   <a:schemeClr val="accent1"/>
                 </a:solidFill>
               </a14:hiddenFill>
             </a:ext>
             <a:ext uri="{91240B29-F687-4F45-9708-019B960494DF}">
-              <a14:hiddenLine xmlns:a14="http://schemas.microsoft.com/office/drawing/2010/main" xmlns="" w="9525">
+              <a14:hiddenLine xmlns="" xmlns:a14="http://schemas.microsoft.com/office/drawing/2010/main" w="9525">
                 <a:solidFill>
                   <a:schemeClr val="tx1"/>
                 </a:solidFill>
@@ -6932,7 +7174,7 @@
     <a:masterClrMapping/>
   </p:clrMapOvr>
   <mc:AlternateContent xmlns:mc="http://schemas.openxmlformats.org/markup-compatibility/2006">
-    <mc:Choice xmlns:p14="http://schemas.microsoft.com/office/powerpoint/2010/main" xmlns="" Requires="p14">
+    <mc:Choice xmlns="" xmlns:p14="http://schemas.microsoft.com/office/powerpoint/2010/main" Requires="p14">
       <p:transition spd="slow" p14:dur="2000"/>
     </mc:Choice>
     <mc:Fallback>
@@ -7056,7 +7298,7 @@
           <a:blip r:embed="rId3">
             <a:extLst>
               <a:ext uri="{28A0092B-C50C-407E-A947-70E740481C1C}">
-                <a14:useLocalDpi xmlns:a14="http://schemas.microsoft.com/office/drawing/2010/main" xmlns="" val="0"/>
+                <a14:useLocalDpi xmlns="" xmlns:a14="http://schemas.microsoft.com/office/drawing/2010/main" val="0"/>
               </a:ext>
             </a:extLst>
           </a:blip>
@@ -7079,14 +7321,14 @@
           </a:ln>
           <a:extLst>
             <a:ext uri="{909E8E84-426E-40DD-AFC4-6F175D3DCCD1}">
-              <a14:hiddenFill xmlns:a14="http://schemas.microsoft.com/office/drawing/2010/main" xmlns="">
+              <a14:hiddenFill xmlns="" xmlns:a14="http://schemas.microsoft.com/office/drawing/2010/main">
                 <a:solidFill>
                   <a:schemeClr val="accent1"/>
                 </a:solidFill>
               </a14:hiddenFill>
             </a:ext>
             <a:ext uri="{91240B29-F687-4F45-9708-019B960494DF}">
-              <a14:hiddenLine xmlns:a14="http://schemas.microsoft.com/office/drawing/2010/main" xmlns="" w="9525">
+              <a14:hiddenLine xmlns="" xmlns:a14="http://schemas.microsoft.com/office/drawing/2010/main" w="9525">
                 <a:solidFill>
                   <a:schemeClr val="tx1"/>
                 </a:solidFill>
@@ -7110,7 +7352,7 @@
           <a:blip r:embed="rId4">
             <a:extLst>
               <a:ext uri="{28A0092B-C50C-407E-A947-70E740481C1C}">
-                <a14:useLocalDpi xmlns:a14="http://schemas.microsoft.com/office/drawing/2010/main" xmlns="" val="0"/>
+                <a14:useLocalDpi xmlns="" xmlns:a14="http://schemas.microsoft.com/office/drawing/2010/main" val="0"/>
               </a:ext>
             </a:extLst>
           </a:blip>
@@ -7133,14 +7375,14 @@
           </a:ln>
           <a:extLst>
             <a:ext uri="{909E8E84-426E-40DD-AFC4-6F175D3DCCD1}">
-              <a14:hiddenFill xmlns:a14="http://schemas.microsoft.com/office/drawing/2010/main" xmlns="">
+              <a14:hiddenFill xmlns="" xmlns:a14="http://schemas.microsoft.com/office/drawing/2010/main">
                 <a:solidFill>
                   <a:schemeClr val="accent1"/>
                 </a:solidFill>
               </a14:hiddenFill>
             </a:ext>
             <a:ext uri="{91240B29-F687-4F45-9708-019B960494DF}">
-              <a14:hiddenLine xmlns:a14="http://schemas.microsoft.com/office/drawing/2010/main" xmlns="" w="9525">
+              <a14:hiddenLine xmlns="" xmlns:a14="http://schemas.microsoft.com/office/drawing/2010/main" w="9525">
                 <a:solidFill>
                   <a:schemeClr val="tx1"/>
                 </a:solidFill>
@@ -7862,7 +8104,7 @@
     </p:spTree>
     <p:extLst>
       <p:ext uri="{BB962C8B-B14F-4D97-AF65-F5344CB8AC3E}">
-        <p14:creationId xmlns:p14="http://schemas.microsoft.com/office/powerpoint/2010/main" xmlns="" val="3088158287"/>
+        <p14:creationId xmlns="" xmlns:p14="http://schemas.microsoft.com/office/powerpoint/2010/main" val="3088158287"/>
       </p:ext>
     </p:extLst>
   </p:cSld>
@@ -8205,7 +8447,7 @@
     </p:spTree>
     <p:extLst>
       <p:ext uri="{BB962C8B-B14F-4D97-AF65-F5344CB8AC3E}">
-        <p14:creationId xmlns:p14="http://schemas.microsoft.com/office/powerpoint/2010/main" xmlns="" val="3320315741"/>
+        <p14:creationId xmlns="" xmlns:p14="http://schemas.microsoft.com/office/powerpoint/2010/main" val="3320315741"/>
       </p:ext>
     </p:extLst>
   </p:cSld>
@@ -8332,7 +8574,7 @@
           <a:blip r:embed="rId3">
             <a:extLst>
               <a:ext uri="{28A0092B-C50C-407E-A947-70E740481C1C}">
-                <a14:useLocalDpi xmlns:a14="http://schemas.microsoft.com/office/drawing/2010/main" xmlns="" val="0"/>
+                <a14:useLocalDpi xmlns="" xmlns:a14="http://schemas.microsoft.com/office/drawing/2010/main" val="0"/>
               </a:ext>
             </a:extLst>
           </a:blip>
@@ -8355,14 +8597,14 @@
           </a:ln>
           <a:extLst>
             <a:ext uri="{909E8E84-426E-40DD-AFC4-6F175D3DCCD1}">
-              <a14:hiddenFill xmlns:a14="http://schemas.microsoft.com/office/drawing/2010/main" xmlns="">
+              <a14:hiddenFill xmlns="" xmlns:a14="http://schemas.microsoft.com/office/drawing/2010/main">
                 <a:solidFill>
                   <a:schemeClr val="accent1"/>
                 </a:solidFill>
               </a14:hiddenFill>
             </a:ext>
             <a:ext uri="{91240B29-F687-4F45-9708-019B960494DF}">
-              <a14:hiddenLine xmlns:a14="http://schemas.microsoft.com/office/drawing/2010/main" xmlns="" w="9525">
+              <a14:hiddenLine xmlns="" xmlns:a14="http://schemas.microsoft.com/office/drawing/2010/main" w="9525">
                 <a:solidFill>
                   <a:schemeClr val="tx1"/>
                 </a:solidFill>
@@ -8386,7 +8628,7 @@
           <a:blip r:embed="rId4">
             <a:extLst>
               <a:ext uri="{28A0092B-C50C-407E-A947-70E740481C1C}">
-                <a14:useLocalDpi xmlns:a14="http://schemas.microsoft.com/office/drawing/2010/main" xmlns="" val="0"/>
+                <a14:useLocalDpi xmlns="" xmlns:a14="http://schemas.microsoft.com/office/drawing/2010/main" val="0"/>
               </a:ext>
             </a:extLst>
           </a:blip>
@@ -8409,14 +8651,14 @@
           </a:ln>
           <a:extLst>
             <a:ext uri="{909E8E84-426E-40DD-AFC4-6F175D3DCCD1}">
-              <a14:hiddenFill xmlns:a14="http://schemas.microsoft.com/office/drawing/2010/main" xmlns="">
+              <a14:hiddenFill xmlns="" xmlns:a14="http://schemas.microsoft.com/office/drawing/2010/main">
                 <a:solidFill>
                   <a:schemeClr val="accent1"/>
                 </a:solidFill>
               </a14:hiddenFill>
             </a:ext>
             <a:ext uri="{91240B29-F687-4F45-9708-019B960494DF}">
-              <a14:hiddenLine xmlns:a14="http://schemas.microsoft.com/office/drawing/2010/main" xmlns="" w="9525">
+              <a14:hiddenLine xmlns="" xmlns:a14="http://schemas.microsoft.com/office/drawing/2010/main" w="9525">
                 <a:solidFill>
                   <a:schemeClr val="tx1"/>
                 </a:solidFill>
@@ -8591,7 +8833,7 @@
     </p:spTree>
     <p:extLst>
       <p:ext uri="{BB962C8B-B14F-4D97-AF65-F5344CB8AC3E}">
-        <p14:creationId xmlns:p14="http://schemas.microsoft.com/office/powerpoint/2010/main" xmlns="" val="1883045415"/>
+        <p14:creationId xmlns="" xmlns:p14="http://schemas.microsoft.com/office/powerpoint/2010/main" val="1883045415"/>
       </p:ext>
     </p:extLst>
   </p:cSld>
@@ -9494,7 +9736,7 @@
     </p:spTree>
     <p:extLst>
       <p:ext uri="{BB962C8B-B14F-4D97-AF65-F5344CB8AC3E}">
-        <p14:creationId xmlns:p14="http://schemas.microsoft.com/office/powerpoint/2010/main" xmlns="" val="3435373313"/>
+        <p14:creationId xmlns="" xmlns:p14="http://schemas.microsoft.com/office/powerpoint/2010/main" val="3435373313"/>
       </p:ext>
     </p:extLst>
   </p:cSld>
@@ -10245,7 +10487,7 @@
           <a:blip r:embed="rId3">
             <a:extLst>
               <a:ext uri="{28A0092B-C50C-407E-A947-70E740481C1C}">
-                <a14:useLocalDpi xmlns:a14="http://schemas.microsoft.com/office/drawing/2010/main" xmlns="" val="0"/>
+                <a14:useLocalDpi xmlns="" xmlns:a14="http://schemas.microsoft.com/office/drawing/2010/main" val="0"/>
               </a:ext>
             </a:extLst>
           </a:blip>
@@ -10268,14 +10510,14 @@
           </a:ln>
           <a:extLst>
             <a:ext uri="{909E8E84-426E-40DD-AFC4-6F175D3DCCD1}">
-              <a14:hiddenFill xmlns:a14="http://schemas.microsoft.com/office/drawing/2010/main" xmlns="">
+              <a14:hiddenFill xmlns="" xmlns:a14="http://schemas.microsoft.com/office/drawing/2010/main">
                 <a:solidFill>
                   <a:schemeClr val="accent1"/>
                 </a:solidFill>
               </a14:hiddenFill>
             </a:ext>
             <a:ext uri="{91240B29-F687-4F45-9708-019B960494DF}">
-              <a14:hiddenLine xmlns:a14="http://schemas.microsoft.com/office/drawing/2010/main" xmlns="" w="9525">
+              <a14:hiddenLine xmlns="" xmlns:a14="http://schemas.microsoft.com/office/drawing/2010/main" w="9525">
                 <a:solidFill>
                   <a:schemeClr val="tx1"/>
                 </a:solidFill>
@@ -10299,7 +10541,7 @@
           <a:blip r:embed="rId4">
             <a:extLst>
               <a:ext uri="{28A0092B-C50C-407E-A947-70E740481C1C}">
-                <a14:useLocalDpi xmlns:a14="http://schemas.microsoft.com/office/drawing/2010/main" xmlns="" val="0"/>
+                <a14:useLocalDpi xmlns="" xmlns:a14="http://schemas.microsoft.com/office/drawing/2010/main" val="0"/>
               </a:ext>
             </a:extLst>
           </a:blip>
@@ -10322,14 +10564,14 @@
           </a:ln>
           <a:extLst>
             <a:ext uri="{909E8E84-426E-40DD-AFC4-6F175D3DCCD1}">
-              <a14:hiddenFill xmlns:a14="http://schemas.microsoft.com/office/drawing/2010/main" xmlns="">
+              <a14:hiddenFill xmlns="" xmlns:a14="http://schemas.microsoft.com/office/drawing/2010/main">
                 <a:solidFill>
                   <a:schemeClr val="accent1"/>
                 </a:solidFill>
               </a14:hiddenFill>
             </a:ext>
             <a:ext uri="{91240B29-F687-4F45-9708-019B960494DF}">
-              <a14:hiddenLine xmlns:a14="http://schemas.microsoft.com/office/drawing/2010/main" xmlns="" w="9525">
+              <a14:hiddenLine xmlns="" xmlns:a14="http://schemas.microsoft.com/office/drawing/2010/main" w="9525">
                 <a:solidFill>
                   <a:schemeClr val="tx1"/>
                 </a:solidFill>
@@ -10353,7 +10595,7 @@
           <a:blip r:embed="rId5">
             <a:extLst>
               <a:ext uri="{28A0092B-C50C-407E-A947-70E740481C1C}">
-                <a14:useLocalDpi xmlns:a14="http://schemas.microsoft.com/office/drawing/2010/main" xmlns="" val="0"/>
+                <a14:useLocalDpi xmlns="" xmlns:a14="http://schemas.microsoft.com/office/drawing/2010/main" val="0"/>
               </a:ext>
             </a:extLst>
           </a:blip>
@@ -10376,14 +10618,14 @@
           </a:ln>
           <a:extLst>
             <a:ext uri="{909E8E84-426E-40DD-AFC4-6F175D3DCCD1}">
-              <a14:hiddenFill xmlns:a14="http://schemas.microsoft.com/office/drawing/2010/main" xmlns="">
+              <a14:hiddenFill xmlns="" xmlns:a14="http://schemas.microsoft.com/office/drawing/2010/main">
                 <a:solidFill>
                   <a:schemeClr val="accent1"/>
                 </a:solidFill>
               </a14:hiddenFill>
             </a:ext>
             <a:ext uri="{91240B29-F687-4F45-9708-019B960494DF}">
-              <a14:hiddenLine xmlns:a14="http://schemas.microsoft.com/office/drawing/2010/main" xmlns="" w="9525">
+              <a14:hiddenLine xmlns="" xmlns:a14="http://schemas.microsoft.com/office/drawing/2010/main" w="9525">
                 <a:solidFill>
                   <a:schemeClr val="tx1"/>
                 </a:solidFill>
@@ -10407,7 +10649,7 @@
           <a:blip r:embed="rId6">
             <a:extLst>
               <a:ext uri="{28A0092B-C50C-407E-A947-70E740481C1C}">
-                <a14:useLocalDpi xmlns:a14="http://schemas.microsoft.com/office/drawing/2010/main" xmlns="" val="0"/>
+                <a14:useLocalDpi xmlns="" xmlns:a14="http://schemas.microsoft.com/office/drawing/2010/main" val="0"/>
               </a:ext>
             </a:extLst>
           </a:blip>
@@ -10430,14 +10672,14 @@
           </a:ln>
           <a:extLst>
             <a:ext uri="{909E8E84-426E-40DD-AFC4-6F175D3DCCD1}">
-              <a14:hiddenFill xmlns:a14="http://schemas.microsoft.com/office/drawing/2010/main" xmlns="">
+              <a14:hiddenFill xmlns="" xmlns:a14="http://schemas.microsoft.com/office/drawing/2010/main">
                 <a:solidFill>
                   <a:schemeClr val="accent1"/>
                 </a:solidFill>
               </a14:hiddenFill>
             </a:ext>
             <a:ext uri="{91240B29-F687-4F45-9708-019B960494DF}">
-              <a14:hiddenLine xmlns:a14="http://schemas.microsoft.com/office/drawing/2010/main" xmlns="" w="9525">
+              <a14:hiddenLine xmlns="" xmlns:a14="http://schemas.microsoft.com/office/drawing/2010/main" w="9525">
                 <a:solidFill>
                   <a:schemeClr val="tx1"/>
                 </a:solidFill>
@@ -10461,7 +10703,7 @@
           <a:blip r:embed="rId7" cstate="print">
             <a:extLst>
               <a:ext uri="{28A0092B-C50C-407E-A947-70E740481C1C}">
-                <a14:useLocalDpi xmlns:a14="http://schemas.microsoft.com/office/drawing/2010/main" xmlns="" val="0"/>
+                <a14:useLocalDpi xmlns="" xmlns:a14="http://schemas.microsoft.com/office/drawing/2010/main" val="0"/>
               </a:ext>
             </a:extLst>
           </a:blip>
@@ -10484,14 +10726,14 @@
           </a:ln>
           <a:extLst>
             <a:ext uri="{909E8E84-426E-40DD-AFC4-6F175D3DCCD1}">
-              <a14:hiddenFill xmlns:a14="http://schemas.microsoft.com/office/drawing/2010/main" xmlns="">
+              <a14:hiddenFill xmlns="" xmlns:a14="http://schemas.microsoft.com/office/drawing/2010/main">
                 <a:solidFill>
                   <a:schemeClr val="accent1"/>
                 </a:solidFill>
               </a14:hiddenFill>
             </a:ext>
             <a:ext uri="{91240B29-F687-4F45-9708-019B960494DF}">
-              <a14:hiddenLine xmlns:a14="http://schemas.microsoft.com/office/drawing/2010/main" xmlns="" w="9525">
+              <a14:hiddenLine xmlns="" xmlns:a14="http://schemas.microsoft.com/office/drawing/2010/main" w="9525">
                 <a:solidFill>
                   <a:schemeClr val="tx1"/>
                 </a:solidFill>
@@ -10506,7 +10748,7 @@
     </p:spTree>
     <p:extLst>
       <p:ext uri="{BB962C8B-B14F-4D97-AF65-F5344CB8AC3E}">
-        <p14:creationId xmlns:p14="http://schemas.microsoft.com/office/powerpoint/2010/main" xmlns="" val="2383228027"/>
+        <p14:creationId xmlns="" xmlns:p14="http://schemas.microsoft.com/office/powerpoint/2010/main" val="2383228027"/>
       </p:ext>
     </p:extLst>
   </p:cSld>
@@ -11174,7 +11416,7 @@
     </p:spTree>
     <p:extLst>
       <p:ext uri="{BB962C8B-B14F-4D97-AF65-F5344CB8AC3E}">
-        <p14:creationId xmlns:p14="http://schemas.microsoft.com/office/powerpoint/2010/main" xmlns="" val="854360838"/>
+        <p14:creationId xmlns="" xmlns:p14="http://schemas.microsoft.com/office/powerpoint/2010/main" val="854360838"/>
       </p:ext>
     </p:extLst>
   </p:cSld>
@@ -11605,7 +11847,7 @@
           <a:blip r:embed="rId3">
             <a:extLst>
               <a:ext uri="{28A0092B-C50C-407E-A947-70E740481C1C}">
-                <a14:useLocalDpi xmlns:a14="http://schemas.microsoft.com/office/drawing/2010/main" xmlns="" val="0"/>
+                <a14:useLocalDpi xmlns="" xmlns:a14="http://schemas.microsoft.com/office/drawing/2010/main" val="0"/>
               </a:ext>
             </a:extLst>
           </a:blip>
@@ -11628,14 +11870,14 @@
           </a:ln>
           <a:extLst>
             <a:ext uri="{909E8E84-426E-40DD-AFC4-6F175D3DCCD1}">
-              <a14:hiddenFill xmlns:a14="http://schemas.microsoft.com/office/drawing/2010/main" xmlns="">
+              <a14:hiddenFill xmlns="" xmlns:a14="http://schemas.microsoft.com/office/drawing/2010/main">
                 <a:solidFill>
                   <a:schemeClr val="accent1"/>
                 </a:solidFill>
               </a14:hiddenFill>
             </a:ext>
             <a:ext uri="{91240B29-F687-4F45-9708-019B960494DF}">
-              <a14:hiddenLine xmlns:a14="http://schemas.microsoft.com/office/drawing/2010/main" xmlns="" w="9525">
+              <a14:hiddenLine xmlns="" xmlns:a14="http://schemas.microsoft.com/office/drawing/2010/main" w="9525">
                 <a:solidFill>
                   <a:schemeClr val="tx1"/>
                 </a:solidFill>
@@ -11659,7 +11901,7 @@
           <a:blip r:embed="rId4">
             <a:extLst>
               <a:ext uri="{28A0092B-C50C-407E-A947-70E740481C1C}">
-                <a14:useLocalDpi xmlns:a14="http://schemas.microsoft.com/office/drawing/2010/main" xmlns="" val="0"/>
+                <a14:useLocalDpi xmlns="" xmlns:a14="http://schemas.microsoft.com/office/drawing/2010/main" val="0"/>
               </a:ext>
             </a:extLst>
           </a:blip>
@@ -11682,14 +11924,14 @@
           </a:ln>
           <a:extLst>
             <a:ext uri="{909E8E84-426E-40DD-AFC4-6F175D3DCCD1}">
-              <a14:hiddenFill xmlns:a14="http://schemas.microsoft.com/office/drawing/2010/main" xmlns="">
+              <a14:hiddenFill xmlns="" xmlns:a14="http://schemas.microsoft.com/office/drawing/2010/main">
                 <a:solidFill>
                   <a:schemeClr val="accent1"/>
                 </a:solidFill>
               </a14:hiddenFill>
             </a:ext>
             <a:ext uri="{91240B29-F687-4F45-9708-019B960494DF}">
-              <a14:hiddenLine xmlns:a14="http://schemas.microsoft.com/office/drawing/2010/main" xmlns="" w="9525">
+              <a14:hiddenLine xmlns="" xmlns:a14="http://schemas.microsoft.com/office/drawing/2010/main" w="9525">
                 <a:solidFill>
                   <a:schemeClr val="tx1"/>
                 </a:solidFill>
@@ -11704,7 +11946,7 @@
     </p:spTree>
     <p:extLst>
       <p:ext uri="{BB962C8B-B14F-4D97-AF65-F5344CB8AC3E}">
-        <p14:creationId xmlns:p14="http://schemas.microsoft.com/office/powerpoint/2010/main" xmlns="" val="1080634845"/>
+        <p14:creationId xmlns="" xmlns:p14="http://schemas.microsoft.com/office/powerpoint/2010/main" val="1080634845"/>
       </p:ext>
     </p:extLst>
   </p:cSld>
@@ -11813,7 +12055,7 @@
     </p:spTree>
     <p:extLst>
       <p:ext uri="{BB962C8B-B14F-4D97-AF65-F5344CB8AC3E}">
-        <p14:creationId xmlns:p14="http://schemas.microsoft.com/office/powerpoint/2010/main" xmlns="" val="833908138"/>
+        <p14:creationId xmlns="" xmlns:p14="http://schemas.microsoft.com/office/powerpoint/2010/main" val="833908138"/>
       </p:ext>
     </p:extLst>
   </p:cSld>
@@ -12136,11 +12378,7 @@
             </a:r>
             <a:r>
               <a:rPr lang="zh-CN" altLang="en-US" dirty="0" smtClean="0"/>
-              <a:t>为什么这么快 </a:t>
-            </a:r>
-            <a:r>
-              <a:rPr lang="zh-CN" altLang="en-US" dirty="0" smtClean="0"/>
-              <a:t>？</a:t>
+              <a:t>为什么这么快 ？</a:t>
             </a:r>
             <a:endParaRPr lang="zh-CN" altLang="en-US" dirty="0"/>
           </a:p>
@@ -12149,7 +12387,7 @@
     </p:spTree>
     <p:extLst>
       <p:ext uri="{BB962C8B-B14F-4D97-AF65-F5344CB8AC3E}">
-        <p14:creationId xmlns:p14="http://schemas.microsoft.com/office/powerpoint/2010/main" xmlns="" val="3694667909"/>
+        <p14:creationId xmlns="" xmlns:p14="http://schemas.microsoft.com/office/powerpoint/2010/main" val="3694667909"/>
       </p:ext>
     </p:extLst>
   </p:cSld>
@@ -12268,7 +12506,7 @@
     </p:spTree>
     <p:extLst>
       <p:ext uri="{BB962C8B-B14F-4D97-AF65-F5344CB8AC3E}">
-        <p14:creationId xmlns:p14="http://schemas.microsoft.com/office/powerpoint/2010/main" xmlns="" val="3694667909"/>
+        <p14:creationId xmlns="" xmlns:p14="http://schemas.microsoft.com/office/powerpoint/2010/main" val="3694667909"/>
       </p:ext>
     </p:extLst>
   </p:cSld>
@@ -12322,7 +12560,21 @@
             </a:pPr>
             <a:r>
               <a:rPr dirty="0" smtClean="0"/>
-              <a:t>     </a:t>
+              <a:t>    </a:t>
+            </a:r>
+            <a:r>
+              <a:rPr dirty="0" smtClean="0"/>
+              <a:t>如何插入一个新元素</a:t>
+            </a:r>
+            <a:endParaRPr lang="en-US" dirty="0" smtClean="0"/>
+          </a:p>
+          <a:p>
+            <a:pPr>
+              <a:buNone/>
+            </a:pPr>
+            <a:r>
+              <a:rPr altLang="en-US" dirty="0" smtClean="0"/>
+              <a:t>    插入复杂度多少</a:t>
             </a:r>
             <a:endParaRPr lang="zh-CN" altLang="en-US" dirty="0"/>
           </a:p>
@@ -12366,28 +12618,69 @@
           <a:p>
             <a:r>
               <a:rPr lang="zh-CN" altLang="en-US" dirty="0" smtClean="0"/>
-              <a:t>第九题：</a:t>
+              <a:t>第八题：</a:t>
+            </a:r>
+            <a:r>
+              <a:rPr lang="en-US" altLang="zh-CN" dirty="0" err="1" smtClean="0"/>
+              <a:t>Redis</a:t>
             </a:r>
             <a:r>
               <a:rPr lang="en-US" altLang="zh-CN" dirty="0" smtClean="0"/>
-              <a:t>master</a:t>
+              <a:t> </a:t>
             </a:r>
             <a:r>
               <a:rPr lang="zh-CN" altLang="en-US" dirty="0" smtClean="0"/>
-              <a:t>故障，事务没来得及发送给</a:t>
+              <a:t>压缩列表如何保证有序？（</a:t>
             </a:r>
             <a:r>
               <a:rPr lang="en-US" altLang="zh-CN" dirty="0" smtClean="0"/>
-              <a:t>client</a:t>
+              <a:t>20200525</a:t>
+            </a:r>
+            <a:r>
+              <a:rPr lang="zh-CN" altLang="en-US" dirty="0" smtClean="0"/>
+              <a:t>）</a:t>
             </a:r>
             <a:endParaRPr lang="zh-CN" altLang="en-US" dirty="0"/>
           </a:p>
         </p:txBody>
       </p:sp>
+      <p:pic>
+        <p:nvPicPr>
+          <p:cNvPr id="1026" name="Picture 2"/>
+          <p:cNvPicPr>
+            <a:picLocks noChangeAspect="1" noChangeArrowheads="1"/>
+          </p:cNvPicPr>
+          <p:nvPr/>
+        </p:nvPicPr>
+        <p:blipFill>
+          <a:blip r:embed="rId3"/>
+          <a:srcRect/>
+          <a:stretch>
+            <a:fillRect/>
+          </a:stretch>
+        </p:blipFill>
+        <p:spPr bwMode="auto">
+          <a:xfrm>
+            <a:off x="3428992" y="1285865"/>
+            <a:ext cx="4214842" cy="3128595"/>
+          </a:xfrm>
+          <a:prstGeom prst="rect">
+            <a:avLst/>
+          </a:prstGeom>
+          <a:noFill/>
+          <a:ln w="9525">
+            <a:noFill/>
+            <a:miter lim="800000"/>
+            <a:headEnd/>
+            <a:tailEnd/>
+          </a:ln>
+          <a:effectLst/>
+        </p:spPr>
+      </p:pic>
     </p:spTree>
     <p:extLst>
       <p:ext uri="{BB962C8B-B14F-4D97-AF65-F5344CB8AC3E}">
-        <p14:creationId xmlns:p14="http://schemas.microsoft.com/office/powerpoint/2010/main" xmlns="" val="3694667909"/>
+        <p14:creationId xmlns="" xmlns:p14="http://schemas.microsoft.com/office/powerpoint/2010/main" val="3694667909"/>
       </p:ext>
     </p:extLst>
   </p:cSld>
@@ -12423,6 +12716,244 @@
       </p:grpSpPr>
       <p:sp>
         <p:nvSpPr>
+          <p:cNvPr id="2" name="内容占位符 1"/>
+          <p:cNvSpPr>
+            <a:spLocks noGrp="1"/>
+          </p:cNvSpPr>
+          <p:nvPr>
+            <p:ph idx="1"/>
+          </p:nvPr>
+        </p:nvSpPr>
+        <p:spPr/>
+        <p:txBody>
+          <a:bodyPr/>
+          <a:lstStyle/>
+          <a:p>
+            <a:pPr>
+              <a:buNone/>
+            </a:pPr>
+            <a:r>
+              <a:rPr dirty="0" smtClean="0"/>
+              <a:t>     </a:t>
+            </a:r>
+            <a:endParaRPr lang="zh-CN" altLang="en-US" dirty="0"/>
+          </a:p>
+        </p:txBody>
+      </p:sp>
+      <p:sp>
+        <p:nvSpPr>
+          <p:cNvPr id="3" name="标题 2"/>
+          <p:cNvSpPr>
+            <a:spLocks noGrp="1"/>
+          </p:cNvSpPr>
+          <p:nvPr>
+            <p:ph type="title"/>
+          </p:nvPr>
+        </p:nvSpPr>
+        <p:spPr>
+          <a:xfrm>
+            <a:off x="417600" y="230400"/>
+            <a:ext cx="8583556" cy="857250"/>
+          </a:xfrm>
+        </p:spPr>
+        <p:style>
+          <a:lnRef idx="2">
+            <a:schemeClr val="dk1">
+              <a:shade val="50000"/>
+            </a:schemeClr>
+          </a:lnRef>
+          <a:fillRef idx="1">
+            <a:schemeClr val="dk1"/>
+          </a:fillRef>
+          <a:effectRef idx="0">
+            <a:schemeClr val="dk1"/>
+          </a:effectRef>
+          <a:fontRef idx="minor">
+            <a:schemeClr val="lt1"/>
+          </a:fontRef>
+        </p:style>
+        <p:txBody>
+          <a:bodyPr/>
+          <a:lstStyle/>
+          <a:p>
+            <a:r>
+              <a:rPr lang="zh-CN" altLang="en-US" dirty="0" smtClean="0"/>
+              <a:t>第九题：</a:t>
+            </a:r>
+            <a:r>
+              <a:rPr lang="en-US" altLang="zh-CN" dirty="0" smtClean="0"/>
+              <a:t>master</a:t>
+            </a:r>
+            <a:r>
+              <a:rPr lang="zh-CN" altLang="en-US" dirty="0" smtClean="0"/>
+              <a:t>故障，事务没来得及发送给</a:t>
+            </a:r>
+            <a:r>
+              <a:rPr lang="en-US" altLang="zh-CN" dirty="0" smtClean="0"/>
+              <a:t>client</a:t>
+            </a:r>
+            <a:endParaRPr lang="zh-CN" altLang="en-US" dirty="0"/>
+          </a:p>
+        </p:txBody>
+      </p:sp>
+    </p:spTree>
+    <p:extLst>
+      <p:ext uri="{BB962C8B-B14F-4D97-AF65-F5344CB8AC3E}">
+        <p14:creationId xmlns="" xmlns:p14="http://schemas.microsoft.com/office/powerpoint/2010/main" val="3694667909"/>
+      </p:ext>
+    </p:extLst>
+  </p:cSld>
+  <p:clrMapOvr>
+    <a:masterClrMapping/>
+  </p:clrMapOvr>
+  <p:timing>
+    <p:tnLst>
+      <p:par>
+        <p:cTn id="1" dur="indefinite" restart="never" nodeType="tmRoot"/>
+      </p:par>
+    </p:tnLst>
+  </p:timing>
+</p:sld>
+</file>
+
+<file path=ppt/slides/slide24.xml><?xml version="1.0" encoding="utf-8"?>
+<p:sld xmlns:a="http://schemas.openxmlformats.org/drawingml/2006/main" xmlns:r="http://schemas.openxmlformats.org/officeDocument/2006/relationships" xmlns:p="http://schemas.openxmlformats.org/presentationml/2006/main">
+  <p:cSld>
+    <p:spTree>
+      <p:nvGrpSpPr>
+        <p:cNvPr id="1" name=""/>
+        <p:cNvGrpSpPr/>
+        <p:nvPr/>
+      </p:nvGrpSpPr>
+      <p:grpSpPr>
+        <a:xfrm>
+          <a:off x="0" y="0"/>
+          <a:ext cx="0" cy="0"/>
+          <a:chOff x="0" y="0"/>
+          <a:chExt cx="0" cy="0"/>
+        </a:xfrm>
+      </p:grpSpPr>
+      <p:sp>
+        <p:nvSpPr>
+          <p:cNvPr id="2" name="内容占位符 1"/>
+          <p:cNvSpPr>
+            <a:spLocks noGrp="1"/>
+          </p:cNvSpPr>
+          <p:nvPr>
+            <p:ph idx="1"/>
+          </p:nvPr>
+        </p:nvSpPr>
+        <p:spPr/>
+        <p:txBody>
+          <a:bodyPr/>
+          <a:lstStyle/>
+          <a:p>
+            <a:pPr>
+              <a:buNone/>
+            </a:pPr>
+            <a:r>
+              <a:rPr dirty="0" smtClean="0"/>
+              <a:t>     </a:t>
+            </a:r>
+            <a:endParaRPr lang="zh-CN" altLang="en-US" dirty="0"/>
+          </a:p>
+        </p:txBody>
+      </p:sp>
+      <p:sp>
+        <p:nvSpPr>
+          <p:cNvPr id="3" name="标题 2"/>
+          <p:cNvSpPr>
+            <a:spLocks noGrp="1"/>
+          </p:cNvSpPr>
+          <p:nvPr>
+            <p:ph type="title"/>
+          </p:nvPr>
+        </p:nvSpPr>
+        <p:spPr>
+          <a:xfrm>
+            <a:off x="417600" y="230400"/>
+            <a:ext cx="8583556" cy="857250"/>
+          </a:xfrm>
+        </p:spPr>
+        <p:style>
+          <a:lnRef idx="2">
+            <a:schemeClr val="dk1">
+              <a:shade val="50000"/>
+            </a:schemeClr>
+          </a:lnRef>
+          <a:fillRef idx="1">
+            <a:schemeClr val="dk1"/>
+          </a:fillRef>
+          <a:effectRef idx="0">
+            <a:schemeClr val="dk1"/>
+          </a:effectRef>
+          <a:fontRef idx="minor">
+            <a:schemeClr val="lt1"/>
+          </a:fontRef>
+        </p:style>
+        <p:txBody>
+          <a:bodyPr/>
+          <a:lstStyle/>
+          <a:p>
+            <a:r>
+              <a:rPr lang="zh-CN" altLang="en-US" dirty="0" smtClean="0"/>
+              <a:t>第九题：</a:t>
+            </a:r>
+            <a:r>
+              <a:rPr lang="en-US" altLang="zh-CN" dirty="0" smtClean="0"/>
+              <a:t>master</a:t>
+            </a:r>
+            <a:r>
+              <a:rPr lang="zh-CN" altLang="en-US" dirty="0" smtClean="0"/>
+              <a:t>故障，事务没来得及发送给</a:t>
+            </a:r>
+            <a:r>
+              <a:rPr lang="en-US" altLang="zh-CN" dirty="0" smtClean="0"/>
+              <a:t>client</a:t>
+            </a:r>
+            <a:endParaRPr lang="zh-CN" altLang="en-US" dirty="0"/>
+          </a:p>
+        </p:txBody>
+      </p:sp>
+    </p:spTree>
+    <p:extLst>
+      <p:ext uri="{BB962C8B-B14F-4D97-AF65-F5344CB8AC3E}">
+        <p14:creationId xmlns="" xmlns:p14="http://schemas.microsoft.com/office/powerpoint/2010/main" val="3694667909"/>
+      </p:ext>
+    </p:extLst>
+  </p:cSld>
+  <p:clrMapOvr>
+    <a:masterClrMapping/>
+  </p:clrMapOvr>
+  <p:timing>
+    <p:tnLst>
+      <p:par>
+        <p:cTn id="1" dur="indefinite" restart="never" nodeType="tmRoot"/>
+      </p:par>
+    </p:tnLst>
+  </p:timing>
+</p:sld>
+</file>
+
+<file path=ppt/slides/slide25.xml><?xml version="1.0" encoding="utf-8"?>
+<p:sld xmlns:a="http://schemas.openxmlformats.org/drawingml/2006/main" xmlns:r="http://schemas.openxmlformats.org/officeDocument/2006/relationships" xmlns:p="http://schemas.openxmlformats.org/presentationml/2006/main">
+  <p:cSld>
+    <p:spTree>
+      <p:nvGrpSpPr>
+        <p:cNvPr id="1" name=""/>
+        <p:cNvGrpSpPr/>
+        <p:nvPr/>
+      </p:nvGrpSpPr>
+      <p:grpSpPr>
+        <a:xfrm>
+          <a:off x="0" y="0"/>
+          <a:ext cx="0" cy="0"/>
+          <a:chOff x="0" y="0"/>
+          <a:chExt cx="0" cy="0"/>
+        </a:xfrm>
+      </p:grpSpPr>
+      <p:sp>
+        <p:nvSpPr>
           <p:cNvPr id="2" name="文本占位符 1"/>
           <p:cNvSpPr>
             <a:spLocks noGrp="1"/>
@@ -12452,7 +12983,7 @@
           <a:blip r:embed="rId2">
             <a:extLst>
               <a:ext uri="{28A0092B-C50C-407E-A947-70E740481C1C}">
-                <a14:useLocalDpi xmlns:a14="http://schemas.microsoft.com/office/drawing/2010/main" xmlns="" val="0"/>
+                <a14:useLocalDpi xmlns="" xmlns:a14="http://schemas.microsoft.com/office/drawing/2010/main" val="0"/>
               </a:ext>
             </a:extLst>
           </a:blip>
@@ -12475,14 +13006,14 @@
           </a:ln>
           <a:extLst>
             <a:ext uri="{909E8E84-426E-40DD-AFC4-6F175D3DCCD1}">
-              <a14:hiddenFill xmlns:a14="http://schemas.microsoft.com/office/drawing/2010/main" xmlns="">
+              <a14:hiddenFill xmlns="" xmlns:a14="http://schemas.microsoft.com/office/drawing/2010/main">
                 <a:solidFill>
                   <a:schemeClr val="accent1"/>
                 </a:solidFill>
               </a14:hiddenFill>
             </a:ext>
             <a:ext uri="{91240B29-F687-4F45-9708-019B960494DF}">
-              <a14:hiddenLine xmlns:a14="http://schemas.microsoft.com/office/drawing/2010/main" xmlns="" w="9525">
+              <a14:hiddenLine xmlns="" xmlns:a14="http://schemas.microsoft.com/office/drawing/2010/main" w="9525">
                 <a:solidFill>
                   <a:schemeClr val="tx1"/>
                 </a:solidFill>
@@ -12602,7 +13133,7 @@
     <a:masterClrMapping/>
   </p:clrMapOvr>
   <mc:AlternateContent xmlns:mc="http://schemas.openxmlformats.org/markup-compatibility/2006">
-    <mc:Choice xmlns:p14="http://schemas.microsoft.com/office/powerpoint/2010/main" xmlns="" Requires="p14">
+    <mc:Choice xmlns="" xmlns:p14="http://schemas.microsoft.com/office/powerpoint/2010/main" Requires="p14">
       <p:transition spd="slow" p14:dur="2000"/>
     </mc:Choice>
     <mc:Fallback>
@@ -12753,7 +13284,7 @@
     <a:masterClrMapping/>
   </p:clrMapOvr>
   <mc:AlternateContent xmlns:mc="http://schemas.openxmlformats.org/markup-compatibility/2006">
-    <mc:Choice xmlns:p14="http://schemas.microsoft.com/office/powerpoint/2010/main" xmlns="" Requires="p14">
+    <mc:Choice xmlns="" xmlns:p14="http://schemas.microsoft.com/office/powerpoint/2010/main" Requires="p14">
       <p:transition spd="slow" p14:dur="2000"/>
     </mc:Choice>
     <mc:Fallback>
@@ -12897,7 +13428,7 @@
     <a:masterClrMapping/>
   </p:clrMapOvr>
   <mc:AlternateContent xmlns:mc="http://schemas.openxmlformats.org/markup-compatibility/2006">
-    <mc:Choice xmlns:p14="http://schemas.microsoft.com/office/powerpoint/2010/main" xmlns="" Requires="p14">
+    <mc:Choice xmlns="" xmlns:p14="http://schemas.microsoft.com/office/powerpoint/2010/main" Requires="p14">
       <p:transition spd="slow" p14:dur="2000"/>
     </mc:Choice>
     <mc:Fallback>
@@ -13190,7 +13721,7 @@
     <a:masterClrMapping/>
   </p:clrMapOvr>
   <mc:AlternateContent xmlns:mc="http://schemas.openxmlformats.org/markup-compatibility/2006">
-    <mc:Choice xmlns:p14="http://schemas.microsoft.com/office/powerpoint/2010/main" xmlns="" Requires="p14">
+    <mc:Choice xmlns="" xmlns:p14="http://schemas.microsoft.com/office/powerpoint/2010/main" Requires="p14">
       <p:transition spd="slow" p14:dur="2000"/>
     </mc:Choice>
     <mc:Fallback>
@@ -13387,7 +13918,7 @@
     <a:masterClrMapping/>
   </p:clrMapOvr>
   <mc:AlternateContent xmlns:mc="http://schemas.openxmlformats.org/markup-compatibility/2006">
-    <mc:Choice xmlns:p14="http://schemas.microsoft.com/office/powerpoint/2010/main" xmlns="" Requires="p14">
+    <mc:Choice xmlns="" xmlns:p14="http://schemas.microsoft.com/office/powerpoint/2010/main" Requires="p14">
       <p:transition spd="slow" p14:dur="2000"/>
     </mc:Choice>
     <mc:Fallback>
@@ -13580,7 +14111,7 @@
     <a:masterClrMapping/>
   </p:clrMapOvr>
   <mc:AlternateContent xmlns:mc="http://schemas.openxmlformats.org/markup-compatibility/2006">
-    <mc:Choice xmlns:p14="http://schemas.microsoft.com/office/powerpoint/2010/main" xmlns="" Requires="p14">
+    <mc:Choice xmlns="" xmlns:p14="http://schemas.microsoft.com/office/powerpoint/2010/main" Requires="p14">
       <p:transition spd="slow" p14:dur="2000"/>
     </mc:Choice>
     <mc:Fallback>
@@ -13753,7 +14284,7 @@
     <a:masterClrMapping/>
   </p:clrMapOvr>
   <mc:AlternateContent xmlns:mc="http://schemas.openxmlformats.org/markup-compatibility/2006">
-    <mc:Choice xmlns:p14="http://schemas.microsoft.com/office/powerpoint/2010/main" xmlns="" Requires="p14">
+    <mc:Choice xmlns="" xmlns:p14="http://schemas.microsoft.com/office/powerpoint/2010/main" Requires="p14">
       <p:transition spd="slow" p14:dur="2000"/>
     </mc:Choice>
     <mc:Fallback>
@@ -14102,7 +14633,7 @@
   <a:extraClrSchemeLst/>
   <a:extLst>
     <a:ext uri="{05A4C25C-085E-4340-85A3-A5531E510DB2}">
-      <thm15:themeFamily xmlns="" xmlns:thm15="http://schemas.microsoft.com/office/thememl/2012/main" name="Office Theme" id="{62F939B6-93AF-4DB8-9C6B-D6C7DFDC589F}" vid="{4A3C46E8-61CC-4603-A589-7422A47A8E4A}"/>
+      <thm15:themeFamily xmlns:thm15="http://schemas.microsoft.com/office/thememl/2012/main" xmlns="" name="Office Theme" id="{62F939B6-93AF-4DB8-9C6B-D6C7DFDC589F}" vid="{4A3C46E8-61CC-4603-A589-7422A47A8E4A}"/>
     </a:ext>
   </a:extLst>
 </a:theme>
@@ -14363,7 +14894,7 @@
   <a:extraClrSchemeLst/>
   <a:extLst>
     <a:ext uri="{05A4C25C-085E-4340-85A3-A5531E510DB2}">
-      <thm15:themeFamily xmlns="" xmlns:thm15="http://schemas.microsoft.com/office/thememl/2012/main" name="Office Theme" id="{62F939B6-93AF-4DB8-9C6B-D6C7DFDC589F}" vid="{4A3C46E8-61CC-4603-A589-7422A47A8E4A}"/>
+      <thm15:themeFamily xmlns:thm15="http://schemas.microsoft.com/office/thememl/2012/main" xmlns="" name="Office Theme" id="{62F939B6-93AF-4DB8-9C6B-D6C7DFDC589F}" vid="{4A3C46E8-61CC-4603-A589-7422A47A8E4A}"/>
     </a:ext>
   </a:extLst>
 </a:theme>
@@ -14688,7 +15219,7 @@
   <a:extraClrSchemeLst/>
   <a:extLst>
     <a:ext uri="{05A4C25C-085E-4340-85A3-A5531E510DB2}">
-      <thm15:themeFamily xmlns="" xmlns:thm15="http://schemas.microsoft.com/office/thememl/2012/main" name="Office Theme" id="{62F939B6-93AF-4DB8-9C6B-D6C7DFDC589F}" vid="{4A3C46E8-61CC-4603-A589-7422A47A8E4A}"/>
+      <thm15:themeFamily xmlns:thm15="http://schemas.microsoft.com/office/thememl/2012/main" xmlns="" name="Office Theme" id="{62F939B6-93AF-4DB8-9C6B-D6C7DFDC589F}" vid="{4A3C46E8-61CC-4603-A589-7422A47A8E4A}"/>
     </a:ext>
   </a:extLst>
 </a:theme>
